--- a/dsc-phase-4-project-presentation.pptx
+++ b/dsc-phase-4-project-presentation.pptx
@@ -12,11 +12,18 @@
     <p:sldId id="260" r:id="rId6"/>
     <p:sldId id="264" r:id="rId7"/>
     <p:sldId id="284" r:id="rId8"/>
-    <p:sldId id="280" r:id="rId9"/>
-    <p:sldId id="281" r:id="rId10"/>
-    <p:sldId id="282" r:id="rId11"/>
-    <p:sldId id="263" r:id="rId12"/>
-    <p:sldId id="270" r:id="rId13"/>
+    <p:sldId id="295" r:id="rId9"/>
+    <p:sldId id="280" r:id="rId10"/>
+    <p:sldId id="286" r:id="rId11"/>
+    <p:sldId id="281" r:id="rId12"/>
+    <p:sldId id="287" r:id="rId13"/>
+    <p:sldId id="282" r:id="rId14"/>
+    <p:sldId id="288" r:id="rId15"/>
+    <p:sldId id="294" r:id="rId16"/>
+    <p:sldId id="292" r:id="rId17"/>
+    <p:sldId id="263" r:id="rId18"/>
+    <p:sldId id="297" r:id="rId19"/>
+    <p:sldId id="270" r:id="rId20"/>
   </p:sldIdLst>
   <p:sldSz cx="12192000" cy="6858000"/>
   <p:notesSz cx="6858000" cy="9144000"/>
@@ -3083,7 +3090,7 @@
           <a:p>
             <a:fld id="{C3F5752A-20FB-004E-98EE-3C66723388AA}" type="datetimeFigureOut">
               <a:rPr lang="en-US" smtClean="0"/>
-              <a:t>11/1/22</a:t>
+              <a:t>11/13/22</a:t>
             </a:fld>
             <a:endParaRPr lang="en-US"/>
           </a:p>
@@ -3281,7 +3288,7 @@
           <a:p>
             <a:fld id="{C3F5752A-20FB-004E-98EE-3C66723388AA}" type="datetimeFigureOut">
               <a:rPr lang="en-US" smtClean="0"/>
-              <a:t>11/1/22</a:t>
+              <a:t>11/13/22</a:t>
             </a:fld>
             <a:endParaRPr lang="en-US"/>
           </a:p>
@@ -3489,7 +3496,7 @@
           <a:p>
             <a:fld id="{C3F5752A-20FB-004E-98EE-3C66723388AA}" type="datetimeFigureOut">
               <a:rPr lang="en-US" smtClean="0"/>
-              <a:t>11/1/22</a:t>
+              <a:t>11/13/22</a:t>
             </a:fld>
             <a:endParaRPr lang="en-US"/>
           </a:p>
@@ -3687,7 +3694,7 @@
           <a:p>
             <a:fld id="{C3F5752A-20FB-004E-98EE-3C66723388AA}" type="datetimeFigureOut">
               <a:rPr lang="en-US" smtClean="0"/>
-              <a:t>11/1/22</a:t>
+              <a:t>11/13/22</a:t>
             </a:fld>
             <a:endParaRPr lang="en-US"/>
           </a:p>
@@ -3962,7 +3969,7 @@
           <a:p>
             <a:fld id="{C3F5752A-20FB-004E-98EE-3C66723388AA}" type="datetimeFigureOut">
               <a:rPr lang="en-US" smtClean="0"/>
-              <a:t>11/1/22</a:t>
+              <a:t>11/13/22</a:t>
             </a:fld>
             <a:endParaRPr lang="en-US"/>
           </a:p>
@@ -4227,7 +4234,7 @@
           <a:p>
             <a:fld id="{C3F5752A-20FB-004E-98EE-3C66723388AA}" type="datetimeFigureOut">
               <a:rPr lang="en-US" smtClean="0"/>
-              <a:t>11/1/22</a:t>
+              <a:t>11/13/22</a:t>
             </a:fld>
             <a:endParaRPr lang="en-US"/>
           </a:p>
@@ -4639,7 +4646,7 @@
           <a:p>
             <a:fld id="{C3F5752A-20FB-004E-98EE-3C66723388AA}" type="datetimeFigureOut">
               <a:rPr lang="en-US" smtClean="0"/>
-              <a:t>11/1/22</a:t>
+              <a:t>11/13/22</a:t>
             </a:fld>
             <a:endParaRPr lang="en-US"/>
           </a:p>
@@ -4780,7 +4787,7 @@
           <a:p>
             <a:fld id="{C3F5752A-20FB-004E-98EE-3C66723388AA}" type="datetimeFigureOut">
               <a:rPr lang="en-US" smtClean="0"/>
-              <a:t>11/1/22</a:t>
+              <a:t>11/13/22</a:t>
             </a:fld>
             <a:endParaRPr lang="en-US"/>
           </a:p>
@@ -4893,7 +4900,7 @@
           <a:p>
             <a:fld id="{C3F5752A-20FB-004E-98EE-3C66723388AA}" type="datetimeFigureOut">
               <a:rPr lang="en-US" smtClean="0"/>
-              <a:t>11/1/22</a:t>
+              <a:t>11/13/22</a:t>
             </a:fld>
             <a:endParaRPr lang="en-US"/>
           </a:p>
@@ -5204,7 +5211,7 @@
           <a:p>
             <a:fld id="{C3F5752A-20FB-004E-98EE-3C66723388AA}" type="datetimeFigureOut">
               <a:rPr lang="en-US" smtClean="0"/>
-              <a:t>11/1/22</a:t>
+              <a:t>11/13/22</a:t>
             </a:fld>
             <a:endParaRPr lang="en-US"/>
           </a:p>
@@ -5492,7 +5499,7 @@
           <a:p>
             <a:fld id="{C3F5752A-20FB-004E-98EE-3C66723388AA}" type="datetimeFigureOut">
               <a:rPr lang="en-US" smtClean="0"/>
-              <a:t>11/1/22</a:t>
+              <a:t>11/13/22</a:t>
             </a:fld>
             <a:endParaRPr lang="en-US"/>
           </a:p>
@@ -5733,7 +5740,7 @@
           <a:p>
             <a:fld id="{C3F5752A-20FB-004E-98EE-3C66723388AA}" type="datetimeFigureOut">
               <a:rPr lang="en-US" smtClean="0"/>
-              <a:t>11/1/22</a:t>
+              <a:t>11/13/22</a:t>
             </a:fld>
             <a:endParaRPr lang="en-US"/>
           </a:p>
@@ -7478,7 +7485,7 @@
         </p:spPr>
         <p:txBody>
           <a:bodyPr anchor="ctr">
-            <a:normAutofit lnSpcReduction="10000"/>
+            <a:normAutofit fontScale="85000" lnSpcReduction="20000"/>
           </a:bodyPr>
           <a:lstStyle/>
           <a:p>
@@ -7497,7 +7504,7 @@
             </a:r>
             <a:r>
               <a:rPr lang="en-US" sz="3200" dirty="0"/>
-              <a:t> for all Apple Sentiments</a:t>
+              <a:t> for positive Emotion Sentiment (Google / Android)</a:t>
             </a:r>
             <a:br>
               <a:rPr lang="en-US" sz="3200" dirty="0"/>
@@ -7508,10 +7515,10 @@
       </p:sp>
       <p:pic>
         <p:nvPicPr>
-          <p:cNvPr id="8194" name="Picture 2">
-            <a:extLst>
-              <a:ext uri="{FF2B5EF4-FFF2-40B4-BE49-F238E27FC236}">
-                <a16:creationId xmlns:a16="http://schemas.microsoft.com/office/drawing/2014/main" id="{BE0B65C5-B4C7-49DC-5016-C89180022C7B}"/>
+          <p:cNvPr id="1026" name="Picture 2">
+            <a:extLst>
+              <a:ext uri="{FF2B5EF4-FFF2-40B4-BE49-F238E27FC236}">
+                <a16:creationId xmlns:a16="http://schemas.microsoft.com/office/drawing/2014/main" id="{6EC07C15-9C5C-7845-A29B-A98DBA243F82}"/>
               </a:ext>
             </a:extLst>
           </p:cNvPr>
@@ -7535,8 +7542,8 @@
         </p:blipFill>
         <p:spPr bwMode="auto">
           <a:xfrm>
-            <a:off x="4385159" y="1941456"/>
-            <a:ext cx="7340119" cy="4641850"/>
+            <a:off x="4504548" y="1941456"/>
+            <a:ext cx="7369879" cy="4660670"/>
           </a:xfrm>
           <a:prstGeom prst="rect">
             <a:avLst/>
@@ -7556,7 +7563,7 @@
     </p:spTree>
     <p:extLst>
       <p:ext uri="{BB962C8B-B14F-4D97-AF65-F5344CB8AC3E}">
-        <p14:creationId xmlns:p14="http://schemas.microsoft.com/office/powerpoint/2010/main" val="1093771142"/>
+        <p14:creationId xmlns:p14="http://schemas.microsoft.com/office/powerpoint/2010/main" val="3857456448"/>
       </p:ext>
     </p:extLst>
   </p:cSld>
@@ -8218,7 +8225,7 @@
           <p:cNvPr id="2" name="Title 1">
             <a:extLst>
               <a:ext uri="{FF2B5EF4-FFF2-40B4-BE49-F238E27FC236}">
-                <a16:creationId xmlns:a16="http://schemas.microsoft.com/office/drawing/2014/main" id="{46E91C97-A06F-AC4A-8D1E-7409EF5640B1}"/>
+                <a16:creationId xmlns:a16="http://schemas.microsoft.com/office/drawing/2014/main" id="{B9A96219-0B50-DC43-9836-FD021AF451C7}"/>
               </a:ext>
             </a:extLst>
           </p:cNvPr>
@@ -8248,7 +8255,7 @@
                   <a:srgbClr val="FFFFFF"/>
                 </a:solidFill>
               </a:rPr>
-              <a:t>Summary of Findings / Conclusion</a:t>
+              <a:t>Results</a:t>
             </a:r>
           </a:p>
         </p:txBody>
@@ -8258,7 +8265,7 @@
           <p:cNvPr id="3" name="Content Placeholder 2">
             <a:extLst>
               <a:ext uri="{FF2B5EF4-FFF2-40B4-BE49-F238E27FC236}">
-                <a16:creationId xmlns:a16="http://schemas.microsoft.com/office/drawing/2014/main" id="{F0879E51-3025-FD47-A6D2-158E9D009E69}"/>
+                <a16:creationId xmlns:a16="http://schemas.microsoft.com/office/drawing/2014/main" id="{8D24899F-AC40-5747-B683-C297EF6FF0A5}"/>
               </a:ext>
             </a:extLst>
           </p:cNvPr>
@@ -8271,54 +8278,91 @@
         </p:nvSpPr>
         <p:spPr>
           <a:xfrm>
-            <a:off x="4810259" y="649480"/>
-            <a:ext cx="6555347" cy="5546047"/>
+            <a:off x="4696658" y="586855"/>
+            <a:ext cx="6915019" cy="1354601"/>
           </a:xfrm>
         </p:spPr>
         <p:txBody>
           <a:bodyPr anchor="ctr">
-            <a:normAutofit/>
+            <a:normAutofit fontScale="85000" lnSpcReduction="20000"/>
           </a:bodyPr>
           <a:lstStyle/>
           <a:p>
+            <a:pPr marL="0" indent="0">
+              <a:buNone/>
+            </a:pPr>
+            <a:endParaRPr lang="en-US" sz="3200" dirty="0"/>
+          </a:p>
+          <a:p>
+            <a:pPr marL="0" indent="0">
+              <a:buNone/>
+            </a:pPr>
             <a:r>
-              <a:rPr lang="en-US" sz="2000" dirty="0"/>
-              <a:t>Most positive words were associated with events.</a:t>
-            </a:r>
-          </a:p>
-          <a:p>
-            <a:r>
-              <a:rPr lang="en-US" sz="2000" dirty="0"/>
-              <a:t>Most negative words associated with the product or negative words (such as battery)</a:t>
-            </a:r>
-          </a:p>
-          <a:p>
-            <a:r>
-              <a:rPr lang="en-US" sz="2000" dirty="0"/>
-              <a:t>The TFIDF Vectorizer is the best for predicting future sentiments. </a:t>
-            </a:r>
-          </a:p>
-          <a:p>
-            <a:pPr lvl="2"/>
-            <a:r>
-              <a:rPr lang="en-US" dirty="0"/>
-              <a:t>TFIDF Vectorizer outperformed Precision, Recall, F1 score against </a:t>
+              <a:rPr lang="en-US" sz="3200" dirty="0" err="1"/>
+              <a:t>WordCloud</a:t>
             </a:r>
             <a:r>
-              <a:rPr lang="en-US" dirty="0" err="1"/>
-              <a:t>CountVectorizer</a:t>
+              <a:rPr lang="en-US" sz="3200" dirty="0"/>
+              <a:t> for Negative Emotion Sentiment  (Apple)</a:t>
             </a:r>
-            <a:endParaRPr lang="en-US" dirty="0"/>
-          </a:p>
-          <a:p>
-            <a:endParaRPr lang="en-US" dirty="0"/>
-          </a:p>
-        </p:txBody>
-      </p:sp>
+            <a:br>
+              <a:rPr lang="en-US" sz="3200" dirty="0"/>
+            </a:br>
+            <a:endParaRPr lang="en-US" sz="2000" dirty="0"/>
+          </a:p>
+        </p:txBody>
+      </p:sp>
+      <p:pic>
+        <p:nvPicPr>
+          <p:cNvPr id="6146" name="Picture 2">
+            <a:extLst>
+              <a:ext uri="{FF2B5EF4-FFF2-40B4-BE49-F238E27FC236}">
+                <a16:creationId xmlns:a16="http://schemas.microsoft.com/office/drawing/2014/main" id="{96BC83E9-655D-4D48-CDCA-F1680E5DC909}"/>
+              </a:ext>
+            </a:extLst>
+          </p:cNvPr>
+          <p:cNvPicPr>
+            <a:picLocks noChangeAspect="1" noChangeArrowheads="1"/>
+          </p:cNvPicPr>
+          <p:nvPr/>
+        </p:nvPicPr>
+        <p:blipFill>
+          <a:blip r:embed="rId2">
+            <a:extLst>
+              <a:ext uri="{28A0092B-C50C-407E-A947-70E740481C1C}">
+                <a14:useLocalDpi xmlns:a14="http://schemas.microsoft.com/office/drawing/2010/main" val="0"/>
+              </a:ext>
+            </a:extLst>
+          </a:blip>
+          <a:srcRect/>
+          <a:stretch>
+            <a:fillRect/>
+          </a:stretch>
+        </p:blipFill>
+        <p:spPr bwMode="auto">
+          <a:xfrm>
+            <a:off x="4524272" y="1803400"/>
+            <a:ext cx="7259790" cy="4591050"/>
+          </a:xfrm>
+          <a:prstGeom prst="rect">
+            <a:avLst/>
+          </a:prstGeom>
+          <a:noFill/>
+          <a:extLst>
+            <a:ext uri="{909E8E84-426E-40DD-AFC4-6F175D3DCCD1}">
+              <a14:hiddenFill xmlns:a14="http://schemas.microsoft.com/office/drawing/2010/main">
+                <a:solidFill>
+                  <a:srgbClr val="FFFFFF"/>
+                </a:solidFill>
+              </a14:hiddenFill>
+            </a:ext>
+          </a:extLst>
+        </p:spPr>
+      </p:pic>
     </p:spTree>
     <p:extLst>
       <p:ext uri="{BB962C8B-B14F-4D97-AF65-F5344CB8AC3E}">
-        <p14:creationId xmlns:p14="http://schemas.microsoft.com/office/powerpoint/2010/main" val="1690659996"/>
+        <p14:creationId xmlns:p14="http://schemas.microsoft.com/office/powerpoint/2010/main" val="2458356105"/>
       </p:ext>
     </p:extLst>
   </p:cSld>
@@ -8329,652 +8373,6 @@
 </file>
 
 <file path=ppt/slides/slide12.xml><?xml version="1.0" encoding="utf-8"?>
-<p:sld xmlns:a="http://schemas.openxmlformats.org/drawingml/2006/main" xmlns:r="http://schemas.openxmlformats.org/officeDocument/2006/relationships" xmlns:p="http://schemas.openxmlformats.org/presentationml/2006/main">
-  <p:cSld>
-    <p:bg>
-      <p:bgPr>
-        <a:solidFill>
-          <a:schemeClr val="bg1">
-            <a:tint val="95000"/>
-            <a:satMod val="170000"/>
-          </a:schemeClr>
-        </a:solidFill>
-        <a:effectLst/>
-      </p:bgPr>
-    </p:bg>
-    <p:spTree>
-      <p:nvGrpSpPr>
-        <p:cNvPr id="1" name=""/>
-        <p:cNvGrpSpPr/>
-        <p:nvPr/>
-      </p:nvGrpSpPr>
-      <p:grpSpPr>
-        <a:xfrm>
-          <a:off x="0" y="0"/>
-          <a:ext cx="0" cy="0"/>
-          <a:chOff x="0" y="0"/>
-          <a:chExt cx="0" cy="0"/>
-        </a:xfrm>
-      </p:grpSpPr>
-      <p:sp>
-        <p:nvSpPr>
-          <p:cNvPr id="2" name="Title 1">
-            <a:extLst>
-              <a:ext uri="{FF2B5EF4-FFF2-40B4-BE49-F238E27FC236}">
-                <a16:creationId xmlns:a16="http://schemas.microsoft.com/office/drawing/2014/main" id="{9B084033-13FC-4C4D-9949-214B40020603}"/>
-              </a:ext>
-            </a:extLst>
-          </p:cNvPr>
-          <p:cNvSpPr>
-            <a:spLocks noGrp="1"/>
-          </p:cNvSpPr>
-          <p:nvPr>
-            <p:ph type="title"/>
-          </p:nvPr>
-        </p:nvSpPr>
-        <p:spPr>
-          <a:xfrm>
-            <a:off x="7464614" y="1783959"/>
-            <a:ext cx="4087306" cy="2889114"/>
-          </a:xfrm>
-        </p:spPr>
-        <p:txBody>
-          <a:bodyPr vert="horz" lIns="91440" tIns="45720" rIns="91440" bIns="45720" rtlCol="0" anchor="b">
-            <a:normAutofit/>
-          </a:bodyPr>
-          <a:lstStyle/>
-          <a:p>
-            <a:r>
-              <a:rPr lang="en-US" sz="5400"/>
-              <a:t>Thank you!</a:t>
-            </a:r>
-          </a:p>
-        </p:txBody>
-      </p:sp>
-      <p:sp>
-        <p:nvSpPr>
-          <p:cNvPr id="9" name="Freeform: Shape 8">
-            <a:extLst>
-              <a:ext uri="{FF2B5EF4-FFF2-40B4-BE49-F238E27FC236}">
-                <a16:creationId xmlns:a16="http://schemas.microsoft.com/office/drawing/2014/main" id="{E49CC64F-7275-4E33-961B-0C5CDC439875}"/>
-              </a:ext>
-              <a:ext uri="{C183D7F6-B498-43B3-948B-1728B52AA6E4}">
-                <adec:decorative xmlns:adec="http://schemas.microsoft.com/office/drawing/2017/decorative" val="1"/>
-              </a:ext>
-            </a:extLst>
-          </p:cNvPr>
-          <p:cNvSpPr>
-            <a:spLocks noGrp="1" noRot="1" noChangeAspect="1" noMove="1" noResize="1" noEditPoints="1" noAdjustHandles="1" noChangeArrowheads="1" noChangeShapeType="1" noTextEdit="1"/>
-          </p:cNvSpPr>
-          <p:nvPr>
-            <p:extLst>
-              <p:ext uri="{386F3935-93C4-4BCD-93E2-E3B085C9AB24}">
-                <p16:designElem xmlns:p16="http://schemas.microsoft.com/office/powerpoint/2015/main" val="1"/>
-              </p:ext>
-            </p:extLst>
-          </p:nvPr>
-        </p:nvSpPr>
-        <p:spPr>
-          <a:xfrm flipH="1" flipV="1">
-            <a:off x="1" y="0"/>
-            <a:ext cx="7188051" cy="6858000"/>
-          </a:xfrm>
-          <a:custGeom>
-            <a:avLst/>
-            <a:gdLst>
-              <a:gd name="connsiteX0" fmla="*/ 7188051 w 7188051"/>
-              <a:gd name="connsiteY0" fmla="*/ 6858000 h 6858000"/>
-              <a:gd name="connsiteX1" fmla="*/ 108694 w 7188051"/>
-              <a:gd name="connsiteY1" fmla="*/ 6858000 h 6858000"/>
-              <a:gd name="connsiteX2" fmla="*/ 79127 w 7188051"/>
-              <a:gd name="connsiteY2" fmla="*/ 6681235 h 6858000"/>
-              <a:gd name="connsiteX3" fmla="*/ 0 w 7188051"/>
-              <a:gd name="connsiteY3" fmla="*/ 5565888 h 6858000"/>
-              <a:gd name="connsiteX4" fmla="*/ 2190696 w 7188051"/>
-              <a:gd name="connsiteY4" fmla="*/ 145339 h 6858000"/>
-              <a:gd name="connsiteX5" fmla="*/ 2339431 w 7188051"/>
-              <a:gd name="connsiteY5" fmla="*/ 0 h 6858000"/>
-              <a:gd name="connsiteX6" fmla="*/ 7188051 w 7188051"/>
-              <a:gd name="connsiteY6" fmla="*/ 0 h 6858000"/>
-            </a:gdLst>
-            <a:ahLst/>
-            <a:cxnLst>
-              <a:cxn ang="0">
-                <a:pos x="connsiteX0" y="connsiteY0"/>
-              </a:cxn>
-              <a:cxn ang="0">
-                <a:pos x="connsiteX1" y="connsiteY1"/>
-              </a:cxn>
-              <a:cxn ang="0">
-                <a:pos x="connsiteX2" y="connsiteY2"/>
-              </a:cxn>
-              <a:cxn ang="0">
-                <a:pos x="connsiteX3" y="connsiteY3"/>
-              </a:cxn>
-              <a:cxn ang="0">
-                <a:pos x="connsiteX4" y="connsiteY4"/>
-              </a:cxn>
-              <a:cxn ang="0">
-                <a:pos x="connsiteX5" y="connsiteY5"/>
-              </a:cxn>
-              <a:cxn ang="0">
-                <a:pos x="connsiteX6" y="connsiteY6"/>
-              </a:cxn>
-            </a:cxnLst>
-            <a:rect l="l" t="t" r="r" b="b"/>
-            <a:pathLst>
-              <a:path w="7188051" h="6858000">
-                <a:moveTo>
-                  <a:pt x="7188051" y="6858000"/>
-                </a:moveTo>
-                <a:lnTo>
-                  <a:pt x="108694" y="6858000"/>
-                </a:lnTo>
-                <a:lnTo>
-                  <a:pt x="79127" y="6681235"/>
-                </a:lnTo>
-                <a:cubicBezTo>
-                  <a:pt x="26981" y="6316967"/>
-                  <a:pt x="0" y="5944579"/>
-                  <a:pt x="0" y="5565888"/>
-                </a:cubicBezTo>
-                <a:cubicBezTo>
-                  <a:pt x="0" y="3459953"/>
-                  <a:pt x="834428" y="1548908"/>
-                  <a:pt x="2190696" y="145339"/>
-                </a:cubicBezTo>
-                <a:lnTo>
-                  <a:pt x="2339431" y="0"/>
-                </a:lnTo>
-                <a:lnTo>
-                  <a:pt x="7188051" y="0"/>
-                </a:lnTo>
-                <a:close/>
-              </a:path>
-            </a:pathLst>
-          </a:custGeom>
-          <a:solidFill>
-            <a:schemeClr val="tx1">
-              <a:alpha val="80000"/>
-            </a:schemeClr>
-          </a:solidFill>
-          <a:ln>
-            <a:noFill/>
-          </a:ln>
-        </p:spPr>
-        <p:style>
-          <a:lnRef idx="2">
-            <a:schemeClr val="accent1">
-              <a:shade val="50000"/>
-            </a:schemeClr>
-          </a:lnRef>
-          <a:fillRef idx="1">
-            <a:schemeClr val="accent1"/>
-          </a:fillRef>
-          <a:effectRef idx="0">
-            <a:schemeClr val="accent1"/>
-          </a:effectRef>
-          <a:fontRef idx="minor">
-            <a:schemeClr val="lt1"/>
-          </a:fontRef>
-        </p:style>
-        <p:txBody>
-          <a:bodyPr wrap="square" rtlCol="0" anchor="ctr">
-            <a:noAutofit/>
-          </a:bodyPr>
-          <a:lstStyle/>
-          <a:p>
-            <a:pPr algn="ctr"/>
-            <a:endParaRPr lang="en-US"/>
-          </a:p>
-        </p:txBody>
-      </p:sp>
-      <p:pic>
-        <p:nvPicPr>
-          <p:cNvPr id="5" name="Picture 4" descr="Aerial view of a highway near the ocean">
-            <a:extLst>
-              <a:ext uri="{FF2B5EF4-FFF2-40B4-BE49-F238E27FC236}">
-                <a16:creationId xmlns:a16="http://schemas.microsoft.com/office/drawing/2014/main" id="{1261D5C9-ECCF-4CB6-BDA8-D7BB7D99EE31}"/>
-              </a:ext>
-            </a:extLst>
-          </p:cNvPr>
-          <p:cNvPicPr>
-            <a:picLocks noChangeAspect="1"/>
-          </p:cNvPicPr>
-          <p:nvPr/>
-        </p:nvPicPr>
-        <p:blipFill rotWithShape="1">
-          <a:blip r:embed="rId2"/>
-          <a:srcRect l="15115" r="8020"/>
-          <a:stretch/>
-        </p:blipFill>
-        <p:spPr>
-          <a:xfrm>
-            <a:off x="1" y="10"/>
-            <a:ext cx="7028495" cy="6857990"/>
-          </a:xfrm>
-          <a:custGeom>
-            <a:avLst/>
-            <a:gdLst/>
-            <a:ahLst/>
-            <a:cxnLst/>
-            <a:rect l="l" t="t" r="r" b="b"/>
-            <a:pathLst>
-              <a:path w="7028495" h="6858000">
-                <a:moveTo>
-                  <a:pt x="0" y="0"/>
-                </a:moveTo>
-                <a:lnTo>
-                  <a:pt x="6915668" y="0"/>
-                </a:lnTo>
-                <a:lnTo>
-                  <a:pt x="6952411" y="219663"/>
-                </a:lnTo>
-                <a:cubicBezTo>
-                  <a:pt x="7002551" y="569921"/>
-                  <a:pt x="7028495" y="927986"/>
-                  <a:pt x="7028495" y="1292112"/>
-                </a:cubicBezTo>
-                <a:cubicBezTo>
-                  <a:pt x="7028495" y="3343346"/>
-                  <a:pt x="6205186" y="5202289"/>
-                  <a:pt x="4870994" y="6556512"/>
-                </a:cubicBezTo>
-                <a:lnTo>
-                  <a:pt x="4556185" y="6858000"/>
-                </a:lnTo>
-                <a:lnTo>
-                  <a:pt x="0" y="6858000"/>
-                </a:lnTo>
-                <a:close/>
-              </a:path>
-            </a:pathLst>
-          </a:custGeom>
-        </p:spPr>
-      </p:pic>
-    </p:spTree>
-    <p:extLst>
-      <p:ext uri="{BB962C8B-B14F-4D97-AF65-F5344CB8AC3E}">
-        <p14:creationId xmlns:p14="http://schemas.microsoft.com/office/powerpoint/2010/main" val="2050843898"/>
-      </p:ext>
-    </p:extLst>
-  </p:cSld>
-  <p:clrMapOvr>
-    <a:overrideClrMapping bg1="dk1" tx1="lt1" bg2="dk2" tx2="lt2" accent1="accent1" accent2="accent2" accent3="accent3" accent4="accent4" accent5="accent5" accent6="accent6" hlink="hlink" folHlink="folHlink"/>
-  </p:clrMapOvr>
-</p:sld>
-</file>
-
-<file path=ppt/slides/slide2.xml><?xml version="1.0" encoding="utf-8"?>
-<p:sld xmlns:a="http://schemas.openxmlformats.org/drawingml/2006/main" xmlns:r="http://schemas.openxmlformats.org/officeDocument/2006/relationships" xmlns:p="http://schemas.openxmlformats.org/presentationml/2006/main">
-  <p:cSld>
-    <p:bg>
-      <p:bgPr>
-        <a:solidFill>
-          <a:schemeClr val="bg1"/>
-        </a:solidFill>
-        <a:effectLst/>
-      </p:bgPr>
-    </p:bg>
-    <p:spTree>
-      <p:nvGrpSpPr>
-        <p:cNvPr id="1" name=""/>
-        <p:cNvGrpSpPr/>
-        <p:nvPr/>
-      </p:nvGrpSpPr>
-      <p:grpSpPr>
-        <a:xfrm>
-          <a:off x="0" y="0"/>
-          <a:ext cx="0" cy="0"/>
-          <a:chOff x="0" y="0"/>
-          <a:chExt cx="0" cy="0"/>
-        </a:xfrm>
-      </p:grpSpPr>
-      <p:sp>
-        <p:nvSpPr>
-          <p:cNvPr id="9" name="Rectangle 8">
-            <a:extLst>
-              <a:ext uri="{FF2B5EF4-FFF2-40B4-BE49-F238E27FC236}">
-                <a16:creationId xmlns:a16="http://schemas.microsoft.com/office/drawing/2014/main" id="{B819A166-7571-4003-A6B8-B62034C3ED30}"/>
-              </a:ext>
-              <a:ext uri="{C183D7F6-B498-43B3-948B-1728B52AA6E4}">
-                <adec:decorative xmlns:adec="http://schemas.microsoft.com/office/drawing/2017/decorative" val="1"/>
-              </a:ext>
-            </a:extLst>
-          </p:cNvPr>
-          <p:cNvSpPr>
-            <a:spLocks noGrp="1" noRot="1" noChangeAspect="1" noMove="1" noResize="1" noEditPoints="1" noAdjustHandles="1" noChangeArrowheads="1" noChangeShapeType="1" noTextEdit="1"/>
-          </p:cNvSpPr>
-          <p:nvPr>
-            <p:extLst>
-              <p:ext uri="{386F3935-93C4-4BCD-93E2-E3B085C9AB24}">
-                <p16:designElem xmlns:p16="http://schemas.microsoft.com/office/powerpoint/2015/main" val="1"/>
-              </p:ext>
-            </p:extLst>
-          </p:nvPr>
-        </p:nvSpPr>
-        <p:spPr>
-          <a:xfrm>
-            <a:off x="-1" y="0"/>
-            <a:ext cx="5093209" cy="6858000"/>
-          </a:xfrm>
-          <a:prstGeom prst="rect">
-            <a:avLst/>
-          </a:prstGeom>
-          <a:solidFill>
-            <a:schemeClr val="accent1"/>
-          </a:solidFill>
-          <a:ln>
-            <a:noFill/>
-          </a:ln>
-        </p:spPr>
-        <p:style>
-          <a:lnRef idx="2">
-            <a:schemeClr val="accent1">
-              <a:shade val="50000"/>
-            </a:schemeClr>
-          </a:lnRef>
-          <a:fillRef idx="1">
-            <a:schemeClr val="accent1"/>
-          </a:fillRef>
-          <a:effectRef idx="0">
-            <a:schemeClr val="accent1"/>
-          </a:effectRef>
-          <a:fontRef idx="minor">
-            <a:schemeClr val="lt1"/>
-          </a:fontRef>
-        </p:style>
-        <p:txBody>
-          <a:bodyPr rtlCol="0" anchor="ctr"/>
-          <a:lstStyle/>
-          <a:p>
-            <a:pPr algn="ctr"/>
-            <a:endParaRPr lang="en-US" dirty="0"/>
-          </a:p>
-        </p:txBody>
-      </p:sp>
-      <p:sp>
-        <p:nvSpPr>
-          <p:cNvPr id="2" name="Title 1">
-            <a:extLst>
-              <a:ext uri="{FF2B5EF4-FFF2-40B4-BE49-F238E27FC236}">
-                <a16:creationId xmlns:a16="http://schemas.microsoft.com/office/drawing/2014/main" id="{09CDC13B-4BA8-9F49-9709-0E961F8D583F}"/>
-              </a:ext>
-            </a:extLst>
-          </p:cNvPr>
-          <p:cNvSpPr>
-            <a:spLocks noGrp="1"/>
-          </p:cNvSpPr>
-          <p:nvPr>
-            <p:ph type="title"/>
-          </p:nvPr>
-        </p:nvSpPr>
-        <p:spPr>
-          <a:xfrm>
-            <a:off x="524741" y="620392"/>
-            <a:ext cx="3808268" cy="5504688"/>
-          </a:xfrm>
-        </p:spPr>
-        <p:txBody>
-          <a:bodyPr>
-            <a:normAutofit/>
-          </a:bodyPr>
-          <a:lstStyle/>
-          <a:p>
-            <a:r>
-              <a:rPr lang="en-US" sz="6000">
-                <a:solidFill>
-                  <a:schemeClr val="bg1"/>
-                </a:solidFill>
-              </a:rPr>
-              <a:t>Outline</a:t>
-            </a:r>
-          </a:p>
-        </p:txBody>
-      </p:sp>
-      <p:graphicFrame>
-        <p:nvGraphicFramePr>
-          <p:cNvPr id="5" name="Content Placeholder 2">
-            <a:extLst>
-              <a:ext uri="{FF2B5EF4-FFF2-40B4-BE49-F238E27FC236}">
-                <a16:creationId xmlns:a16="http://schemas.microsoft.com/office/drawing/2014/main" id="{F41589F1-FB7D-406E-8E41-0C198746D284}"/>
-              </a:ext>
-            </a:extLst>
-          </p:cNvPr>
-          <p:cNvGraphicFramePr>
-            <a:graphicFrameLocks noGrp="1"/>
-          </p:cNvGraphicFramePr>
-          <p:nvPr>
-            <p:ph idx="1"/>
-            <p:extLst>
-              <p:ext uri="{D42A27DB-BD31-4B8C-83A1-F6EECF244321}">
-                <p14:modId xmlns:p14="http://schemas.microsoft.com/office/powerpoint/2010/main" val="3275262890"/>
-              </p:ext>
-            </p:extLst>
-          </p:nvPr>
-        </p:nvGraphicFramePr>
-        <p:xfrm>
-          <a:off x="5468389" y="620392"/>
-          <a:ext cx="6263640" cy="5504688"/>
-        </p:xfrm>
-        <a:graphic>
-          <a:graphicData uri="http://schemas.openxmlformats.org/drawingml/2006/diagram">
-            <dgm:relIds xmlns:dgm="http://schemas.openxmlformats.org/drawingml/2006/diagram" xmlns:r="http://schemas.openxmlformats.org/officeDocument/2006/relationships" r:dm="rId2" r:lo="rId3" r:qs="rId4" r:cs="rId5"/>
-          </a:graphicData>
-        </a:graphic>
-      </p:graphicFrame>
-    </p:spTree>
-    <p:extLst>
-      <p:ext uri="{BB962C8B-B14F-4D97-AF65-F5344CB8AC3E}">
-        <p14:creationId xmlns:p14="http://schemas.microsoft.com/office/powerpoint/2010/main" val="3820430782"/>
-      </p:ext>
-    </p:extLst>
-  </p:cSld>
-  <p:clrMapOvr>
-    <a:masterClrMapping/>
-  </p:clrMapOvr>
-</p:sld>
-</file>
-
-<file path=ppt/slides/slide3.xml><?xml version="1.0" encoding="utf-8"?>
-<p:sld xmlns:a="http://schemas.openxmlformats.org/drawingml/2006/main" xmlns:r="http://schemas.openxmlformats.org/officeDocument/2006/relationships" xmlns:p="http://schemas.openxmlformats.org/presentationml/2006/main">
-  <p:cSld>
-    <p:bg>
-      <p:bgPr>
-        <a:solidFill>
-          <a:schemeClr val="bg1"/>
-        </a:solidFill>
-        <a:effectLst/>
-      </p:bgPr>
-    </p:bg>
-    <p:spTree>
-      <p:nvGrpSpPr>
-        <p:cNvPr id="1" name=""/>
-        <p:cNvGrpSpPr/>
-        <p:nvPr/>
-      </p:nvGrpSpPr>
-      <p:grpSpPr>
-        <a:xfrm>
-          <a:off x="0" y="0"/>
-          <a:ext cx="0" cy="0"/>
-          <a:chOff x="0" y="0"/>
-          <a:chExt cx="0" cy="0"/>
-        </a:xfrm>
-      </p:grpSpPr>
-      <p:sp>
-        <p:nvSpPr>
-          <p:cNvPr id="2" name="Title 1">
-            <a:extLst>
-              <a:ext uri="{FF2B5EF4-FFF2-40B4-BE49-F238E27FC236}">
-                <a16:creationId xmlns:a16="http://schemas.microsoft.com/office/drawing/2014/main" id="{036889FD-31F8-744B-849A-1E6652BB52C1}"/>
-              </a:ext>
-            </a:extLst>
-          </p:cNvPr>
-          <p:cNvSpPr>
-            <a:spLocks noGrp="1"/>
-          </p:cNvSpPr>
-          <p:nvPr>
-            <p:ph type="title"/>
-          </p:nvPr>
-        </p:nvSpPr>
-        <p:spPr>
-          <a:xfrm>
-            <a:off x="4965430" y="629268"/>
-            <a:ext cx="6586491" cy="1286160"/>
-          </a:xfrm>
-        </p:spPr>
-        <p:txBody>
-          <a:bodyPr anchor="b">
-            <a:normAutofit/>
-          </a:bodyPr>
-          <a:lstStyle/>
-          <a:p>
-            <a:r>
-              <a:rPr lang="en-US" dirty="0"/>
-              <a:t>Background</a:t>
-            </a:r>
-          </a:p>
-        </p:txBody>
-      </p:sp>
-      <p:sp>
-        <p:nvSpPr>
-          <p:cNvPr id="3" name="Content Placeholder 2">
-            <a:extLst>
-              <a:ext uri="{FF2B5EF4-FFF2-40B4-BE49-F238E27FC236}">
-                <a16:creationId xmlns:a16="http://schemas.microsoft.com/office/drawing/2014/main" id="{D02A6774-4342-3947-A4BF-456CA6E71817}"/>
-              </a:ext>
-            </a:extLst>
-          </p:cNvPr>
-          <p:cNvSpPr>
-            <a:spLocks noGrp="1"/>
-          </p:cNvSpPr>
-          <p:nvPr>
-            <p:ph idx="1"/>
-          </p:nvPr>
-        </p:nvSpPr>
-        <p:spPr>
-          <a:xfrm>
-            <a:off x="4965431" y="2438400"/>
-            <a:ext cx="6586489" cy="3785419"/>
-          </a:xfrm>
-        </p:spPr>
-        <p:txBody>
-          <a:bodyPr>
-            <a:normAutofit/>
-          </a:bodyPr>
-          <a:lstStyle/>
-          <a:p>
-            <a:r>
-              <a:rPr lang="en-US" sz="2000" dirty="0"/>
-              <a:t>Customers buy apple products everyday. They also hop on twitter to voice their opinions about products everyday on </a:t>
-            </a:r>
-            <a:r>
-              <a:rPr lang="en-US" sz="2000" dirty="0" err="1"/>
-              <a:t>Twittter</a:t>
-            </a:r>
-            <a:r>
-              <a:rPr lang="en-US" sz="2000" dirty="0"/>
-              <a:t>.  Using Natural Language Processing (NLP), we can determine what are the most common words being sent and with what tone.  And Identify the best model for future predictions.</a:t>
-            </a:r>
-          </a:p>
-        </p:txBody>
-      </p:sp>
-      <p:pic>
-        <p:nvPicPr>
-          <p:cNvPr id="5" name="Picture 4" descr="Different numbers in 3D">
-            <a:extLst>
-              <a:ext uri="{FF2B5EF4-FFF2-40B4-BE49-F238E27FC236}">
-                <a16:creationId xmlns:a16="http://schemas.microsoft.com/office/drawing/2014/main" id="{AE7B3AC8-F20F-4597-94E7-7EDCBC195057}"/>
-              </a:ext>
-            </a:extLst>
-          </p:cNvPr>
-          <p:cNvPicPr>
-            <a:picLocks noChangeAspect="1"/>
-          </p:cNvPicPr>
-          <p:nvPr/>
-        </p:nvPicPr>
-        <p:blipFill rotWithShape="1">
-          <a:blip r:embed="rId2"/>
-          <a:srcRect l="33649" r="28330"/>
-          <a:stretch/>
-        </p:blipFill>
-        <p:spPr>
-          <a:xfrm>
-            <a:off x="20" y="10"/>
-            <a:ext cx="4635571" cy="6857990"/>
-          </a:xfrm>
-          <a:prstGeom prst="rect">
-            <a:avLst/>
-          </a:prstGeom>
-          <a:effectLst/>
-        </p:spPr>
-      </p:pic>
-      <p:cxnSp>
-        <p:nvCxnSpPr>
-          <p:cNvPr id="9" name="Straight Connector 8">
-            <a:extLst>
-              <a:ext uri="{FF2B5EF4-FFF2-40B4-BE49-F238E27FC236}">
-                <a16:creationId xmlns:a16="http://schemas.microsoft.com/office/drawing/2014/main" id="{A7F400EE-A8A5-48AF-B4D6-291B52C6F0B0}"/>
-              </a:ext>
-              <a:ext uri="{C183D7F6-B498-43B3-948B-1728B52AA6E4}">
-                <adec:decorative xmlns:adec="http://schemas.microsoft.com/office/drawing/2017/decorative" val="1"/>
-              </a:ext>
-            </a:extLst>
-          </p:cNvPr>
-          <p:cNvCxnSpPr>
-            <a:cxnSpLocks noGrp="1" noRot="1" noChangeAspect="1" noMove="1" noResize="1" noEditPoints="1" noAdjustHandles="1" noChangeArrowheads="1" noChangeShapeType="1"/>
-          </p:cNvCxnSpPr>
-          <p:nvPr>
-            <p:extLst>
-              <p:ext uri="{386F3935-93C4-4BCD-93E2-E3B085C9AB24}">
-                <p16:designElem xmlns:p16="http://schemas.microsoft.com/office/powerpoint/2015/main" val="1"/>
-              </p:ext>
-            </p:extLst>
-          </p:nvPr>
-        </p:nvCxnSpPr>
-        <p:spPr>
-          <a:xfrm>
-            <a:off x="5080934" y="2115117"/>
-            <a:ext cx="6309360" cy="0"/>
-          </a:xfrm>
-          <a:prstGeom prst="line">
-            <a:avLst/>
-          </a:prstGeom>
-          <a:ln w="19050">
-            <a:solidFill>
-              <a:srgbClr val="63C3D0"/>
-            </a:solidFill>
-          </a:ln>
-        </p:spPr>
-        <p:style>
-          <a:lnRef idx="1">
-            <a:schemeClr val="accent1"/>
-          </a:lnRef>
-          <a:fillRef idx="0">
-            <a:schemeClr val="accent1"/>
-          </a:fillRef>
-          <a:effectRef idx="0">
-            <a:schemeClr val="accent1"/>
-          </a:effectRef>
-          <a:fontRef idx="minor">
-            <a:schemeClr val="tx1"/>
-          </a:fontRef>
-        </p:style>
-      </p:cxnSp>
-    </p:spTree>
-    <p:extLst>
-      <p:ext uri="{BB962C8B-B14F-4D97-AF65-F5344CB8AC3E}">
-        <p14:creationId xmlns:p14="http://schemas.microsoft.com/office/powerpoint/2010/main" val="1414301555"/>
-      </p:ext>
-    </p:extLst>
-  </p:cSld>
-  <p:clrMapOvr>
-    <a:masterClrMapping/>
-  </p:clrMapOvr>
-</p:sld>
-</file>
-
-<file path=ppt/slides/slide4.xml><?xml version="1.0" encoding="utf-8"?>
 <p:sld xmlns:a="http://schemas.openxmlformats.org/drawingml/2006/main" xmlns:r="http://schemas.openxmlformats.org/officeDocument/2006/relationships" xmlns:p="http://schemas.openxmlformats.org/presentationml/2006/main">
   <p:cSld>
     <p:bg>
@@ -9626,7 +9024,7 @@
           <p:cNvPr id="2" name="Title 1">
             <a:extLst>
               <a:ext uri="{FF2B5EF4-FFF2-40B4-BE49-F238E27FC236}">
-                <a16:creationId xmlns:a16="http://schemas.microsoft.com/office/drawing/2014/main" id="{F1D83F11-C380-2C4C-B0C5-18B276A1C18B}"/>
+                <a16:creationId xmlns:a16="http://schemas.microsoft.com/office/drawing/2014/main" id="{B9A96219-0B50-DC43-9836-FD021AF451C7}"/>
               </a:ext>
             </a:extLst>
           </p:cNvPr>
@@ -9651,12 +9049,12 @@
           <a:p>
             <a:pPr algn="r"/>
             <a:r>
-              <a:rPr lang="en-US" sz="4000">
+              <a:rPr lang="en-US" sz="4000" dirty="0">
                 <a:solidFill>
                   <a:srgbClr val="FFFFFF"/>
                 </a:solidFill>
               </a:rPr>
-              <a:t>Business Problem</a:t>
+              <a:t>Results</a:t>
             </a:r>
           </a:p>
         </p:txBody>
@@ -9666,7 +9064,7 @@
           <p:cNvPr id="3" name="Content Placeholder 2">
             <a:extLst>
               <a:ext uri="{FF2B5EF4-FFF2-40B4-BE49-F238E27FC236}">
-                <a16:creationId xmlns:a16="http://schemas.microsoft.com/office/drawing/2014/main" id="{A6D7FAC5-BF10-9D47-9CE8-14F48516D522}"/>
+                <a16:creationId xmlns:a16="http://schemas.microsoft.com/office/drawing/2014/main" id="{8D24899F-AC40-5747-B683-C297EF6FF0A5}"/>
               </a:ext>
             </a:extLst>
           </p:cNvPr>
@@ -9679,37 +9077,91 @@
         </p:nvSpPr>
         <p:spPr>
           <a:xfrm>
-            <a:off x="4810259" y="649480"/>
-            <a:ext cx="6555347" cy="4957526"/>
+            <a:off x="4696658" y="586855"/>
+            <a:ext cx="6915019" cy="1354601"/>
           </a:xfrm>
         </p:spPr>
         <p:txBody>
           <a:bodyPr anchor="ctr">
-            <a:normAutofit/>
+            <a:normAutofit fontScale="85000" lnSpcReduction="20000"/>
           </a:bodyPr>
           <a:lstStyle/>
           <a:p>
+            <a:pPr marL="0" indent="0">
+              <a:buNone/>
+            </a:pPr>
+            <a:endParaRPr lang="en-US" sz="3200" dirty="0"/>
+          </a:p>
+          <a:p>
+            <a:pPr marL="0" indent="0">
+              <a:buNone/>
+            </a:pPr>
+            <a:r>
+              <a:rPr lang="en-US" sz="3200" dirty="0" err="1"/>
+              <a:t>WordCloud</a:t>
+            </a:r>
             <a:r>
               <a:rPr lang="en-US" sz="3200" dirty="0"/>
-              <a:t>What positive things are customers saying about Apple Products or Apple Company?</a:t>
+              <a:t> for Negative Emotion Sentiment  (Google / Android)</a:t>
             </a:r>
-          </a:p>
-          <a:p>
-            <a:r>
+            <a:br>
               <a:rPr lang="en-US" sz="3200" dirty="0"/>
-              <a:t>What negative things are customers saying about Apple Products or Apple Company?</a:t>
-            </a:r>
-          </a:p>
-          <a:p>
-            <a:pPr lvl="1"/>
-            <a:endParaRPr lang="en-US" sz="1600" dirty="0"/>
-          </a:p>
-        </p:txBody>
-      </p:sp>
+            </a:br>
+            <a:endParaRPr lang="en-US" sz="2000" dirty="0"/>
+          </a:p>
+        </p:txBody>
+      </p:sp>
+      <p:pic>
+        <p:nvPicPr>
+          <p:cNvPr id="2050" name="Picture 2">
+            <a:extLst>
+              <a:ext uri="{FF2B5EF4-FFF2-40B4-BE49-F238E27FC236}">
+                <a16:creationId xmlns:a16="http://schemas.microsoft.com/office/drawing/2014/main" id="{1B716BA3-0021-F669-DA02-03899F8FE16E}"/>
+              </a:ext>
+            </a:extLst>
+          </p:cNvPr>
+          <p:cNvPicPr>
+            <a:picLocks noChangeAspect="1" noChangeArrowheads="1"/>
+          </p:cNvPicPr>
+          <p:nvPr/>
+        </p:nvPicPr>
+        <p:blipFill>
+          <a:blip r:embed="rId2">
+            <a:extLst>
+              <a:ext uri="{28A0092B-C50C-407E-A947-70E740481C1C}">
+                <a14:useLocalDpi xmlns:a14="http://schemas.microsoft.com/office/drawing/2010/main" val="0"/>
+              </a:ext>
+            </a:extLst>
+          </a:blip>
+          <a:srcRect/>
+          <a:stretch>
+            <a:fillRect/>
+          </a:stretch>
+        </p:blipFill>
+        <p:spPr bwMode="auto">
+          <a:xfrm>
+            <a:off x="4374032" y="1762699"/>
+            <a:ext cx="7316224" cy="4626738"/>
+          </a:xfrm>
+          <a:prstGeom prst="rect">
+            <a:avLst/>
+          </a:prstGeom>
+          <a:noFill/>
+          <a:extLst>
+            <a:ext uri="{909E8E84-426E-40DD-AFC4-6F175D3DCCD1}">
+              <a14:hiddenFill xmlns:a14="http://schemas.microsoft.com/office/drawing/2010/main">
+                <a:solidFill>
+                  <a:srgbClr val="FFFFFF"/>
+                </a:solidFill>
+              </a14:hiddenFill>
+            </a:ext>
+          </a:extLst>
+        </p:spPr>
+      </p:pic>
     </p:spTree>
     <p:extLst>
       <p:ext uri="{BB962C8B-B14F-4D97-AF65-F5344CB8AC3E}">
-        <p14:creationId xmlns:p14="http://schemas.microsoft.com/office/powerpoint/2010/main" val="1795258576"/>
+        <p14:creationId xmlns:p14="http://schemas.microsoft.com/office/powerpoint/2010/main" val="2261428643"/>
       </p:ext>
     </p:extLst>
   </p:cSld>
@@ -9719,7 +9171,7 @@
 </p:sld>
 </file>
 
-<file path=ppt/slides/slide5.xml><?xml version="1.0" encoding="utf-8"?>
+<file path=ppt/slides/slide13.xml><?xml version="1.0" encoding="utf-8"?>
 <p:sld xmlns:a="http://schemas.openxmlformats.org/drawingml/2006/main" xmlns:r="http://schemas.openxmlformats.org/officeDocument/2006/relationships" xmlns:p="http://schemas.openxmlformats.org/presentationml/2006/main">
   <p:cSld>
     <p:bg>
@@ -10371,7 +9823,7 @@
           <p:cNvPr id="2" name="Title 1">
             <a:extLst>
               <a:ext uri="{FF2B5EF4-FFF2-40B4-BE49-F238E27FC236}">
-                <a16:creationId xmlns:a16="http://schemas.microsoft.com/office/drawing/2014/main" id="{21613BA5-0051-8D40-B622-66501D61717A}"/>
+                <a16:creationId xmlns:a16="http://schemas.microsoft.com/office/drawing/2014/main" id="{B9A96219-0B50-DC43-9836-FD021AF451C7}"/>
               </a:ext>
             </a:extLst>
           </p:cNvPr>
@@ -10396,12 +9848,12 @@
           <a:p>
             <a:pPr algn="r"/>
             <a:r>
-              <a:rPr lang="en-US" sz="4000">
+              <a:rPr lang="en-US" sz="4000" dirty="0">
                 <a:solidFill>
                   <a:srgbClr val="FFFFFF"/>
                 </a:solidFill>
               </a:rPr>
-              <a:t>Data</a:t>
+              <a:t>Results</a:t>
             </a:r>
           </a:p>
         </p:txBody>
@@ -10411,7 +9863,7 @@
           <p:cNvPr id="3" name="Content Placeholder 2">
             <a:extLst>
               <a:ext uri="{FF2B5EF4-FFF2-40B4-BE49-F238E27FC236}">
-                <a16:creationId xmlns:a16="http://schemas.microsoft.com/office/drawing/2014/main" id="{572A965E-A3D1-0F4F-9A8B-4CF09B9CC7C8}"/>
+                <a16:creationId xmlns:a16="http://schemas.microsoft.com/office/drawing/2014/main" id="{8D24899F-AC40-5747-B683-C297EF6FF0A5}"/>
               </a:ext>
             </a:extLst>
           </p:cNvPr>
@@ -10424,54 +9876,91 @@
         </p:nvSpPr>
         <p:spPr>
           <a:xfrm>
-            <a:off x="4810259" y="649480"/>
-            <a:ext cx="6555347" cy="5546047"/>
+            <a:off x="4696658" y="586855"/>
+            <a:ext cx="6915019" cy="1354601"/>
           </a:xfrm>
         </p:spPr>
         <p:txBody>
           <a:bodyPr anchor="ctr">
-            <a:normAutofit/>
+            <a:normAutofit lnSpcReduction="10000"/>
           </a:bodyPr>
           <a:lstStyle/>
           <a:p>
+            <a:pPr marL="0" indent="0">
+              <a:buNone/>
+            </a:pPr>
+            <a:endParaRPr lang="en-US" sz="3200" dirty="0"/>
+          </a:p>
+          <a:p>
+            <a:pPr marL="0" indent="0">
+              <a:buNone/>
+            </a:pPr>
             <a:r>
-              <a:rPr lang="en-US" sz="2400" dirty="0"/>
-              <a:t>Using the tweet product dataset. Dataset has over  9000 tweets, and 3 columns.</a:t>
+              <a:rPr lang="en-US" sz="3200" dirty="0" err="1"/>
+              <a:t>WordCloud</a:t>
             </a:r>
-          </a:p>
-          <a:p>
             <a:r>
-              <a:rPr lang="en-US" sz="2400" dirty="0"/>
-              <a:t>Contains data including </a:t>
+              <a:rPr lang="en-US" sz="3200" dirty="0"/>
+              <a:t> for all Apple Sentiments</a:t>
             </a:r>
-          </a:p>
-          <a:p>
-            <a:pPr lvl="1"/>
-            <a:r>
-              <a:rPr lang="en-US" sz="1800" dirty="0"/>
-              <a:t>Tweets</a:t>
-            </a:r>
-          </a:p>
-          <a:p>
-            <a:pPr lvl="1"/>
-            <a:r>
-              <a:rPr lang="en-US" sz="1800" dirty="0"/>
-              <a:t>Focus of the tweet</a:t>
-            </a:r>
-          </a:p>
-          <a:p>
-            <a:pPr lvl="1"/>
-            <a:r>
-              <a:rPr lang="en-US" sz="1800" dirty="0"/>
-              <a:t>Sentiment</a:t>
-            </a:r>
-          </a:p>
-        </p:txBody>
-      </p:sp>
+            <a:br>
+              <a:rPr lang="en-US" sz="3200" dirty="0"/>
+            </a:br>
+            <a:endParaRPr lang="en-US" sz="2000" dirty="0"/>
+          </a:p>
+        </p:txBody>
+      </p:sp>
+      <p:pic>
+        <p:nvPicPr>
+          <p:cNvPr id="8194" name="Picture 2">
+            <a:extLst>
+              <a:ext uri="{FF2B5EF4-FFF2-40B4-BE49-F238E27FC236}">
+                <a16:creationId xmlns:a16="http://schemas.microsoft.com/office/drawing/2014/main" id="{BE0B65C5-B4C7-49DC-5016-C89180022C7B}"/>
+              </a:ext>
+            </a:extLst>
+          </p:cNvPr>
+          <p:cNvPicPr>
+            <a:picLocks noChangeAspect="1" noChangeArrowheads="1"/>
+          </p:cNvPicPr>
+          <p:nvPr/>
+        </p:nvPicPr>
+        <p:blipFill>
+          <a:blip r:embed="rId2">
+            <a:extLst>
+              <a:ext uri="{28A0092B-C50C-407E-A947-70E740481C1C}">
+                <a14:useLocalDpi xmlns:a14="http://schemas.microsoft.com/office/drawing/2010/main" val="0"/>
+              </a:ext>
+            </a:extLst>
+          </a:blip>
+          <a:srcRect/>
+          <a:stretch>
+            <a:fillRect/>
+          </a:stretch>
+        </p:blipFill>
+        <p:spPr bwMode="auto">
+          <a:xfrm>
+            <a:off x="4385159" y="1941456"/>
+            <a:ext cx="7340119" cy="4641850"/>
+          </a:xfrm>
+          <a:prstGeom prst="rect">
+            <a:avLst/>
+          </a:prstGeom>
+          <a:noFill/>
+          <a:extLst>
+            <a:ext uri="{909E8E84-426E-40DD-AFC4-6F175D3DCCD1}">
+              <a14:hiddenFill xmlns:a14="http://schemas.microsoft.com/office/drawing/2010/main">
+                <a:solidFill>
+                  <a:srgbClr val="FFFFFF"/>
+                </a:solidFill>
+              </a14:hiddenFill>
+            </a:ext>
+          </a:extLst>
+        </p:spPr>
+      </p:pic>
     </p:spTree>
     <p:extLst>
       <p:ext uri="{BB962C8B-B14F-4D97-AF65-F5344CB8AC3E}">
-        <p14:creationId xmlns:p14="http://schemas.microsoft.com/office/powerpoint/2010/main" val="3090532460"/>
+        <p14:creationId xmlns:p14="http://schemas.microsoft.com/office/powerpoint/2010/main" val="1093771142"/>
       </p:ext>
     </p:extLst>
   </p:cSld>
@@ -10481,7 +9970,7 @@
 </p:sld>
 </file>
 
-<file path=ppt/slides/slide6.xml><?xml version="1.0" encoding="utf-8"?>
+<file path=ppt/slides/slide14.xml><?xml version="1.0" encoding="utf-8"?>
 <p:sld xmlns:a="http://schemas.openxmlformats.org/drawingml/2006/main" xmlns:r="http://schemas.openxmlformats.org/officeDocument/2006/relationships" xmlns:p="http://schemas.openxmlformats.org/presentationml/2006/main">
   <p:cSld>
     <p:bg>
@@ -11158,12 +10647,12 @@
           <a:p>
             <a:pPr algn="r"/>
             <a:r>
-              <a:rPr lang="en-US" sz="4000">
+              <a:rPr lang="en-US" sz="4000" dirty="0">
                 <a:solidFill>
                   <a:srgbClr val="FFFFFF"/>
                 </a:solidFill>
               </a:rPr>
-              <a:t>Methods</a:t>
+              <a:t>Results</a:t>
             </a:r>
           </a:p>
         </p:txBody>
@@ -11186,45 +10675,91 @@
         </p:nvSpPr>
         <p:spPr>
           <a:xfrm>
-            <a:off x="4810259" y="649480"/>
-            <a:ext cx="6555347" cy="5546047"/>
+            <a:off x="4696658" y="586855"/>
+            <a:ext cx="6915019" cy="1354601"/>
           </a:xfrm>
         </p:spPr>
         <p:txBody>
           <a:bodyPr anchor="ctr">
-            <a:normAutofit/>
+            <a:normAutofit lnSpcReduction="10000"/>
           </a:bodyPr>
           <a:lstStyle/>
           <a:p>
+            <a:pPr marL="0" indent="0">
+              <a:buNone/>
+            </a:pPr>
+            <a:endParaRPr lang="en-US" sz="3200" dirty="0"/>
+          </a:p>
+          <a:p>
+            <a:pPr marL="0" indent="0">
+              <a:buNone/>
+            </a:pPr>
             <a:r>
-              <a:rPr lang="en-US" sz="2400" dirty="0"/>
-              <a:t>Removal of special characters (@,#, etc.)</a:t>
+              <a:rPr lang="en-US" sz="3200" dirty="0" err="1"/>
+              <a:t>WordCloud</a:t>
             </a:r>
-          </a:p>
-          <a:p>
             <a:r>
-              <a:rPr lang="en-US" sz="2400" dirty="0"/>
-              <a:t>Applying NLP Techniques such as Stemming, Lemmatization, and Tokenization.</a:t>
+              <a:rPr lang="en-US" sz="3200" dirty="0"/>
+              <a:t> for all Google Sentiments</a:t>
             </a:r>
-          </a:p>
-          <a:p>
-            <a:r>
-              <a:rPr lang="en-US" sz="2400" dirty="0"/>
-              <a:t>Removal of small words (less than 3 characters in length)</a:t>
-            </a:r>
-          </a:p>
-          <a:p>
-            <a:r>
-              <a:rPr lang="en-US" sz="2400" dirty="0"/>
-              <a:t>Removing stop words</a:t>
-            </a:r>
-          </a:p>
-        </p:txBody>
-      </p:sp>
+            <a:br>
+              <a:rPr lang="en-US" sz="3200" dirty="0"/>
+            </a:br>
+            <a:endParaRPr lang="en-US" sz="2000" dirty="0"/>
+          </a:p>
+        </p:txBody>
+      </p:sp>
+      <p:pic>
+        <p:nvPicPr>
+          <p:cNvPr id="3074" name="Picture 2">
+            <a:extLst>
+              <a:ext uri="{FF2B5EF4-FFF2-40B4-BE49-F238E27FC236}">
+                <a16:creationId xmlns:a16="http://schemas.microsoft.com/office/drawing/2014/main" id="{BF7F553E-573F-B401-D778-C83EF37F3E94}"/>
+              </a:ext>
+            </a:extLst>
+          </p:cNvPr>
+          <p:cNvPicPr>
+            <a:picLocks noChangeAspect="1" noChangeArrowheads="1"/>
+          </p:cNvPicPr>
+          <p:nvPr/>
+        </p:nvPicPr>
+        <p:blipFill>
+          <a:blip r:embed="rId2">
+            <a:extLst>
+              <a:ext uri="{28A0092B-C50C-407E-A947-70E740481C1C}">
+                <a14:useLocalDpi xmlns:a14="http://schemas.microsoft.com/office/drawing/2010/main" val="0"/>
+              </a:ext>
+            </a:extLst>
+          </a:blip>
+          <a:srcRect/>
+          <a:stretch>
+            <a:fillRect/>
+          </a:stretch>
+        </p:blipFill>
+        <p:spPr bwMode="auto">
+          <a:xfrm>
+            <a:off x="4504548" y="1764948"/>
+            <a:ext cx="7125612" cy="4506197"/>
+          </a:xfrm>
+          <a:prstGeom prst="rect">
+            <a:avLst/>
+          </a:prstGeom>
+          <a:noFill/>
+          <a:extLst>
+            <a:ext uri="{909E8E84-426E-40DD-AFC4-6F175D3DCCD1}">
+              <a14:hiddenFill xmlns:a14="http://schemas.microsoft.com/office/drawing/2010/main">
+                <a:solidFill>
+                  <a:srgbClr val="FFFFFF"/>
+                </a:solidFill>
+              </a14:hiddenFill>
+            </a:ext>
+          </a:extLst>
+        </p:spPr>
+      </p:pic>
     </p:spTree>
     <p:extLst>
       <p:ext uri="{BB962C8B-B14F-4D97-AF65-F5344CB8AC3E}">
-        <p14:creationId xmlns:p14="http://schemas.microsoft.com/office/powerpoint/2010/main" val="1707708481"/>
+        <p14:creationId xmlns:p14="http://schemas.microsoft.com/office/powerpoint/2010/main" val="1039438582"/>
       </p:ext>
     </p:extLst>
   </p:cSld>
@@ -11234,7 +10769,7 @@
 </p:sld>
 </file>
 
-<file path=ppt/slides/slide7.xml><?xml version="1.0" encoding="utf-8"?>
+<file path=ppt/slides/slide15.xml><?xml version="1.0" encoding="utf-8"?>
 <p:sld xmlns:a="http://schemas.openxmlformats.org/drawingml/2006/main" xmlns:r="http://schemas.openxmlformats.org/officeDocument/2006/relationships" xmlns:p="http://schemas.openxmlformats.org/presentationml/2006/main">
   <p:cSld>
     <p:bg>
@@ -11911,143 +11446,881 @@
           <a:p>
             <a:pPr algn="r"/>
             <a:r>
-              <a:rPr lang="en-US" sz="4000">
+              <a:rPr lang="en-US" sz="4000" dirty="0">
                 <a:solidFill>
                   <a:srgbClr val="FFFFFF"/>
                 </a:solidFill>
               </a:rPr>
-              <a:t>Methods</a:t>
+              <a:t>Results</a:t>
             </a:r>
           </a:p>
         </p:txBody>
       </p:sp>
+      <p:graphicFrame>
+        <p:nvGraphicFramePr>
+          <p:cNvPr id="13" name="Table 14">
+            <a:extLst>
+              <a:ext uri="{FF2B5EF4-FFF2-40B4-BE49-F238E27FC236}">
+                <a16:creationId xmlns:a16="http://schemas.microsoft.com/office/drawing/2014/main" id="{54B67F3A-E7D7-F4B7-87C3-87DD63F4C313}"/>
+              </a:ext>
+            </a:extLst>
+          </p:cNvPr>
+          <p:cNvGraphicFramePr>
+            <a:graphicFrameLocks noGrp="1"/>
+          </p:cNvGraphicFramePr>
+          <p:nvPr>
+            <p:ph idx="1"/>
+            <p:extLst>
+              <p:ext uri="{D42A27DB-BD31-4B8C-83A1-F6EECF244321}">
+                <p14:modId xmlns:p14="http://schemas.microsoft.com/office/powerpoint/2010/main" val="1303765565"/>
+              </p:ext>
+            </p:extLst>
+          </p:nvPr>
+        </p:nvGraphicFramePr>
+        <p:xfrm>
+          <a:off x="4544671" y="985327"/>
+          <a:ext cx="7218993" cy="5189166"/>
+        </p:xfrm>
+        <a:graphic>
+          <a:graphicData uri="http://schemas.openxmlformats.org/drawingml/2006/table">
+            <a:tbl>
+              <a:tblPr firstRow="1" bandRow="1">
+                <a:tableStyleId>{5C22544A-7EE6-4342-B048-85BDC9FD1C3A}</a:tableStyleId>
+              </a:tblPr>
+              <a:tblGrid>
+                <a:gridCol w="2406331">
+                  <a:extLst>
+                    <a:ext uri="{9D8B030D-6E8A-4147-A177-3AD203B41FA5}">
+                      <a16:colId xmlns:a16="http://schemas.microsoft.com/office/drawing/2014/main" val="1484232733"/>
+                    </a:ext>
+                  </a:extLst>
+                </a:gridCol>
+                <a:gridCol w="2406331">
+                  <a:extLst>
+                    <a:ext uri="{9D8B030D-6E8A-4147-A177-3AD203B41FA5}">
+                      <a16:colId xmlns:a16="http://schemas.microsoft.com/office/drawing/2014/main" val="635447551"/>
+                    </a:ext>
+                  </a:extLst>
+                </a:gridCol>
+                <a:gridCol w="2406331">
+                  <a:extLst>
+                    <a:ext uri="{9D8B030D-6E8A-4147-A177-3AD203B41FA5}">
+                      <a16:colId xmlns:a16="http://schemas.microsoft.com/office/drawing/2014/main" val="126001532"/>
+                    </a:ext>
+                  </a:extLst>
+                </a:gridCol>
+              </a:tblGrid>
+              <a:tr h="222084">
+                <a:tc>
+                  <a:txBody>
+                    <a:bodyPr/>
+                    <a:lstStyle/>
+                    <a:p>
+                      <a:pPr algn="ctr"/>
+                      <a:endParaRPr lang="en-US" dirty="0"/>
+                    </a:p>
+                  </a:txBody>
+                  <a:tcPr/>
+                </a:tc>
+                <a:tc>
+                  <a:txBody>
+                    <a:bodyPr/>
+                    <a:lstStyle/>
+                    <a:p>
+                      <a:pPr algn="ctr"/>
+                      <a:r>
+                        <a:rPr lang="en-US" dirty="0"/>
+                        <a:t>Count Vectorizer</a:t>
+                      </a:r>
+                    </a:p>
+                  </a:txBody>
+                  <a:tcPr/>
+                </a:tc>
+                <a:tc>
+                  <a:txBody>
+                    <a:bodyPr/>
+                    <a:lstStyle/>
+                    <a:p>
+                      <a:pPr algn="ctr"/>
+                      <a:r>
+                        <a:rPr lang="en-US" dirty="0"/>
+                        <a:t>TFIDF </a:t>
+                      </a:r>
+                    </a:p>
+                  </a:txBody>
+                  <a:tcPr/>
+                </a:tc>
+                <a:extLst>
+                  <a:ext uri="{0D108BD9-81ED-4DB2-BD59-A6C34878D82A}">
+                    <a16:rowId xmlns:a16="http://schemas.microsoft.com/office/drawing/2014/main" val="187427814"/>
+                  </a:ext>
+                </a:extLst>
+              </a:tr>
+              <a:tr h="344529">
+                <a:tc>
+                  <a:txBody>
+                    <a:bodyPr/>
+                    <a:lstStyle/>
+                    <a:p>
+                      <a:pPr algn="ctr"/>
+                      <a:r>
+                        <a:rPr lang="en-US" sz="1400" dirty="0"/>
+                        <a:t>PRECISION (negative Emotion)</a:t>
+                      </a:r>
+                    </a:p>
+                  </a:txBody>
+                  <a:tcPr/>
+                </a:tc>
+                <a:tc>
+                  <a:txBody>
+                    <a:bodyPr/>
+                    <a:lstStyle/>
+                    <a:p>
+                      <a:pPr algn="ctr"/>
+                      <a:r>
+                        <a:rPr lang="en-US" sz="1400" dirty="0"/>
+                        <a:t>42%</a:t>
+                      </a:r>
+                    </a:p>
+                  </a:txBody>
+                  <a:tcPr/>
+                </a:tc>
+                <a:tc>
+                  <a:txBody>
+                    <a:bodyPr/>
+                    <a:lstStyle/>
+                    <a:p>
+                      <a:pPr algn="ctr"/>
+                      <a:r>
+                        <a:rPr lang="en-US" sz="1400" dirty="0">
+                          <a:highlight>
+                            <a:srgbClr val="FFFF00"/>
+                          </a:highlight>
+                        </a:rPr>
+                        <a:t>71%</a:t>
+                      </a:r>
+                    </a:p>
+                  </a:txBody>
+                  <a:tcPr/>
+                </a:tc>
+                <a:extLst>
+                  <a:ext uri="{0D108BD9-81ED-4DB2-BD59-A6C34878D82A}">
+                    <a16:rowId xmlns:a16="http://schemas.microsoft.com/office/drawing/2014/main" val="3594898432"/>
+                  </a:ext>
+                </a:extLst>
+              </a:tr>
+              <a:tr h="344529">
+                <a:tc>
+                  <a:txBody>
+                    <a:bodyPr/>
+                    <a:lstStyle/>
+                    <a:p>
+                      <a:pPr algn="ctr"/>
+                      <a:r>
+                        <a:rPr lang="en-US" sz="1400" dirty="0"/>
+                        <a:t>PRECISION (No Emotion)</a:t>
+                      </a:r>
+                    </a:p>
+                  </a:txBody>
+                  <a:tcPr/>
+                </a:tc>
+                <a:tc>
+                  <a:txBody>
+                    <a:bodyPr/>
+                    <a:lstStyle/>
+                    <a:p>
+                      <a:pPr algn="ctr"/>
+                      <a:r>
+                        <a:rPr lang="en-US" sz="1400" dirty="0"/>
+                        <a:t>69%</a:t>
+                      </a:r>
+                    </a:p>
+                  </a:txBody>
+                  <a:tcPr/>
+                </a:tc>
+                <a:tc>
+                  <a:txBody>
+                    <a:bodyPr/>
+                    <a:lstStyle/>
+                    <a:p>
+                      <a:pPr algn="ctr"/>
+                      <a:r>
+                        <a:rPr lang="en-US" sz="1400" dirty="0">
+                          <a:highlight>
+                            <a:srgbClr val="FFFF00"/>
+                          </a:highlight>
+                        </a:rPr>
+                        <a:t>71%</a:t>
+                      </a:r>
+                    </a:p>
+                  </a:txBody>
+                  <a:tcPr/>
+                </a:tc>
+                <a:extLst>
+                  <a:ext uri="{0D108BD9-81ED-4DB2-BD59-A6C34878D82A}">
+                    <a16:rowId xmlns:a16="http://schemas.microsoft.com/office/drawing/2014/main" val="2100341513"/>
+                  </a:ext>
+                </a:extLst>
+              </a:tr>
+              <a:tr h="344529">
+                <a:tc>
+                  <a:txBody>
+                    <a:bodyPr/>
+                    <a:lstStyle/>
+                    <a:p>
+                      <a:pPr algn="ctr"/>
+                      <a:r>
+                        <a:rPr lang="en-US" sz="1400" dirty="0"/>
+                        <a:t>PRECISION (Positive Emotion)</a:t>
+                      </a:r>
+                    </a:p>
+                  </a:txBody>
+                  <a:tcPr/>
+                </a:tc>
+                <a:tc>
+                  <a:txBody>
+                    <a:bodyPr/>
+                    <a:lstStyle/>
+                    <a:p>
+                      <a:pPr algn="ctr"/>
+                      <a:r>
+                        <a:rPr lang="en-US" sz="1400" dirty="0"/>
+                        <a:t>58%</a:t>
+                      </a:r>
+                    </a:p>
+                  </a:txBody>
+                  <a:tcPr/>
+                </a:tc>
+                <a:tc>
+                  <a:txBody>
+                    <a:bodyPr/>
+                    <a:lstStyle/>
+                    <a:p>
+                      <a:pPr algn="ctr"/>
+                      <a:r>
+                        <a:rPr lang="en-US" sz="1400" dirty="0">
+                          <a:highlight>
+                            <a:srgbClr val="FFFF00"/>
+                          </a:highlight>
+                        </a:rPr>
+                        <a:t>72%</a:t>
+                      </a:r>
+                    </a:p>
+                  </a:txBody>
+                  <a:tcPr/>
+                </a:tc>
+                <a:extLst>
+                  <a:ext uri="{0D108BD9-81ED-4DB2-BD59-A6C34878D82A}">
+                    <a16:rowId xmlns:a16="http://schemas.microsoft.com/office/drawing/2014/main" val="2108351366"/>
+                  </a:ext>
+                </a:extLst>
+              </a:tr>
+              <a:tr h="344529">
+                <a:tc>
+                  <a:txBody>
+                    <a:bodyPr/>
+                    <a:lstStyle/>
+                    <a:p>
+                      <a:pPr algn="ctr"/>
+                      <a:endParaRPr lang="en-US" sz="1400" dirty="0"/>
+                    </a:p>
+                  </a:txBody>
+                  <a:tcPr/>
+                </a:tc>
+                <a:tc>
+                  <a:txBody>
+                    <a:bodyPr/>
+                    <a:lstStyle/>
+                    <a:p>
+                      <a:pPr algn="ctr"/>
+                      <a:endParaRPr lang="en-US" sz="1400"/>
+                    </a:p>
+                  </a:txBody>
+                  <a:tcPr/>
+                </a:tc>
+                <a:tc>
+                  <a:txBody>
+                    <a:bodyPr/>
+                    <a:lstStyle/>
+                    <a:p>
+                      <a:pPr algn="ctr"/>
+                      <a:endParaRPr lang="en-US" sz="1400" dirty="0"/>
+                    </a:p>
+                  </a:txBody>
+                  <a:tcPr/>
+                </a:tc>
+                <a:extLst>
+                  <a:ext uri="{0D108BD9-81ED-4DB2-BD59-A6C34878D82A}">
+                    <a16:rowId xmlns:a16="http://schemas.microsoft.com/office/drawing/2014/main" val="1048647483"/>
+                  </a:ext>
+                </a:extLst>
+              </a:tr>
+              <a:tr h="344529">
+                <a:tc>
+                  <a:txBody>
+                    <a:bodyPr/>
+                    <a:lstStyle/>
+                    <a:p>
+                      <a:pPr algn="ctr"/>
+                      <a:r>
+                        <a:rPr lang="en-US" sz="1400" dirty="0"/>
+                        <a:t>RECALL (Negative Emotion)</a:t>
+                      </a:r>
+                    </a:p>
+                  </a:txBody>
+                  <a:tcPr/>
+                </a:tc>
+                <a:tc>
+                  <a:txBody>
+                    <a:bodyPr/>
+                    <a:lstStyle/>
+                    <a:p>
+                      <a:pPr algn="ctr"/>
+                      <a:r>
+                        <a:rPr lang="en-US" sz="1400" dirty="0"/>
+                        <a:t>22%</a:t>
+                      </a:r>
+                    </a:p>
+                  </a:txBody>
+                  <a:tcPr/>
+                </a:tc>
+                <a:tc>
+                  <a:txBody>
+                    <a:bodyPr/>
+                    <a:lstStyle/>
+                    <a:p>
+                      <a:pPr algn="ctr"/>
+                      <a:r>
+                        <a:rPr lang="en-US" sz="1400" dirty="0">
+                          <a:highlight>
+                            <a:srgbClr val="FFFF00"/>
+                          </a:highlight>
+                        </a:rPr>
+                        <a:t>24%</a:t>
+                      </a:r>
+                    </a:p>
+                  </a:txBody>
+                  <a:tcPr/>
+                </a:tc>
+                <a:extLst>
+                  <a:ext uri="{0D108BD9-81ED-4DB2-BD59-A6C34878D82A}">
+                    <a16:rowId xmlns:a16="http://schemas.microsoft.com/office/drawing/2014/main" val="2613471087"/>
+                  </a:ext>
+                </a:extLst>
+              </a:tr>
+              <a:tr h="344529">
+                <a:tc>
+                  <a:txBody>
+                    <a:bodyPr/>
+                    <a:lstStyle/>
+                    <a:p>
+                      <a:pPr algn="ctr"/>
+                      <a:r>
+                        <a:rPr lang="en-US" sz="1400" dirty="0"/>
+                        <a:t>RECALL (No Emotion)</a:t>
+                      </a:r>
+                    </a:p>
+                  </a:txBody>
+                  <a:tcPr/>
+                </a:tc>
+                <a:tc>
+                  <a:txBody>
+                    <a:bodyPr/>
+                    <a:lstStyle/>
+                    <a:p>
+                      <a:pPr algn="ctr"/>
+                      <a:r>
+                        <a:rPr lang="en-US" sz="1400" dirty="0"/>
+                        <a:t>82%</a:t>
+                      </a:r>
+                    </a:p>
+                  </a:txBody>
+                  <a:tcPr/>
+                </a:tc>
+                <a:tc>
+                  <a:txBody>
+                    <a:bodyPr/>
+                    <a:lstStyle/>
+                    <a:p>
+                      <a:pPr algn="ctr"/>
+                      <a:r>
+                        <a:rPr lang="en-US" sz="1400" dirty="0">
+                          <a:highlight>
+                            <a:srgbClr val="FFFF00"/>
+                          </a:highlight>
+                        </a:rPr>
+                        <a:t>92%</a:t>
+                      </a:r>
+                    </a:p>
+                  </a:txBody>
+                  <a:tcPr/>
+                </a:tc>
+                <a:extLst>
+                  <a:ext uri="{0D108BD9-81ED-4DB2-BD59-A6C34878D82A}">
+                    <a16:rowId xmlns:a16="http://schemas.microsoft.com/office/drawing/2014/main" val="1245585168"/>
+                  </a:ext>
+                </a:extLst>
+              </a:tr>
+              <a:tr h="344529">
+                <a:tc>
+                  <a:txBody>
+                    <a:bodyPr/>
+                    <a:lstStyle/>
+                    <a:p>
+                      <a:pPr algn="ctr"/>
+                      <a:r>
+                        <a:rPr lang="en-US" sz="1400" dirty="0"/>
+                        <a:t>RECALL (Positive Emotion)</a:t>
+                      </a:r>
+                    </a:p>
+                  </a:txBody>
+                  <a:tcPr/>
+                </a:tc>
+                <a:tc>
+                  <a:txBody>
+                    <a:bodyPr/>
+                    <a:lstStyle/>
+                    <a:p>
+                      <a:pPr algn="ctr"/>
+                      <a:r>
+                        <a:rPr lang="en-US" sz="1400" dirty="0">
+                          <a:highlight>
+                            <a:srgbClr val="FFFF00"/>
+                          </a:highlight>
+                        </a:rPr>
+                        <a:t>47%</a:t>
+                      </a:r>
+                    </a:p>
+                  </a:txBody>
+                  <a:tcPr/>
+                </a:tc>
+                <a:tc>
+                  <a:txBody>
+                    <a:bodyPr/>
+                    <a:lstStyle/>
+                    <a:p>
+                      <a:pPr algn="ctr"/>
+                      <a:r>
+                        <a:rPr lang="en-US" sz="1400" dirty="0"/>
+                        <a:t>46%</a:t>
+                      </a:r>
+                    </a:p>
+                  </a:txBody>
+                  <a:tcPr/>
+                </a:tc>
+                <a:extLst>
+                  <a:ext uri="{0D108BD9-81ED-4DB2-BD59-A6C34878D82A}">
+                    <a16:rowId xmlns:a16="http://schemas.microsoft.com/office/drawing/2014/main" val="2390023078"/>
+                  </a:ext>
+                </a:extLst>
+              </a:tr>
+              <a:tr h="344529">
+                <a:tc>
+                  <a:txBody>
+                    <a:bodyPr/>
+                    <a:lstStyle/>
+                    <a:p>
+                      <a:pPr algn="ctr"/>
+                      <a:endParaRPr lang="en-US" sz="1400"/>
+                    </a:p>
+                  </a:txBody>
+                  <a:tcPr/>
+                </a:tc>
+                <a:tc>
+                  <a:txBody>
+                    <a:bodyPr/>
+                    <a:lstStyle/>
+                    <a:p>
+                      <a:pPr algn="ctr"/>
+                      <a:endParaRPr lang="en-US" sz="1400" dirty="0"/>
+                    </a:p>
+                  </a:txBody>
+                  <a:tcPr/>
+                </a:tc>
+                <a:tc>
+                  <a:txBody>
+                    <a:bodyPr/>
+                    <a:lstStyle/>
+                    <a:p>
+                      <a:pPr algn="ctr"/>
+                      <a:endParaRPr lang="en-US" sz="1400" dirty="0"/>
+                    </a:p>
+                  </a:txBody>
+                  <a:tcPr/>
+                </a:tc>
+                <a:extLst>
+                  <a:ext uri="{0D108BD9-81ED-4DB2-BD59-A6C34878D82A}">
+                    <a16:rowId xmlns:a16="http://schemas.microsoft.com/office/drawing/2014/main" val="3297070944"/>
+                  </a:ext>
+                </a:extLst>
+              </a:tr>
+              <a:tr h="344529">
+                <a:tc>
+                  <a:txBody>
+                    <a:bodyPr/>
+                    <a:lstStyle/>
+                    <a:p>
+                      <a:pPr algn="ctr"/>
+                      <a:r>
+                        <a:rPr lang="en-US" sz="1400" dirty="0"/>
+                        <a:t>F1 SCORE (Negative Emotion)</a:t>
+                      </a:r>
+                    </a:p>
+                  </a:txBody>
+                  <a:tcPr/>
+                </a:tc>
+                <a:tc>
+                  <a:txBody>
+                    <a:bodyPr/>
+                    <a:lstStyle/>
+                    <a:p>
+                      <a:pPr algn="ctr"/>
+                      <a:r>
+                        <a:rPr lang="en-US" sz="1400" dirty="0"/>
+                        <a:t>0.29</a:t>
+                      </a:r>
+                    </a:p>
+                  </a:txBody>
+                  <a:tcPr/>
+                </a:tc>
+                <a:tc>
+                  <a:txBody>
+                    <a:bodyPr/>
+                    <a:lstStyle/>
+                    <a:p>
+                      <a:pPr algn="ctr"/>
+                      <a:r>
+                        <a:rPr lang="en-US" sz="1400" dirty="0">
+                          <a:highlight>
+                            <a:srgbClr val="FFFF00"/>
+                          </a:highlight>
+                        </a:rPr>
+                        <a:t>0.36</a:t>
+                      </a:r>
+                    </a:p>
+                  </a:txBody>
+                  <a:tcPr/>
+                </a:tc>
+                <a:extLst>
+                  <a:ext uri="{0D108BD9-81ED-4DB2-BD59-A6C34878D82A}">
+                    <a16:rowId xmlns:a16="http://schemas.microsoft.com/office/drawing/2014/main" val="4075636298"/>
+                  </a:ext>
+                </a:extLst>
+              </a:tr>
+              <a:tr h="344529">
+                <a:tc>
+                  <a:txBody>
+                    <a:bodyPr/>
+                    <a:lstStyle/>
+                    <a:p>
+                      <a:pPr marL="0" marR="0" lvl="0" indent="0" algn="ctr" defTabSz="914400" rtl="0" eaLnBrk="1" fontAlgn="auto" latinLnBrk="0" hangingPunct="1">
+                        <a:lnSpc>
+                          <a:spcPct val="100000"/>
+                        </a:lnSpc>
+                        <a:spcBef>
+                          <a:spcPts val="0"/>
+                        </a:spcBef>
+                        <a:spcAft>
+                          <a:spcPts val="0"/>
+                        </a:spcAft>
+                        <a:buClrTx/>
+                        <a:buSzTx/>
+                        <a:buFontTx/>
+                        <a:buNone/>
+                        <a:tabLst/>
+                        <a:defRPr/>
+                      </a:pPr>
+                      <a:r>
+                        <a:rPr lang="en-US" sz="1400" dirty="0"/>
+                        <a:t>F1 SCORE (No Emotion)</a:t>
+                      </a:r>
+                    </a:p>
+                  </a:txBody>
+                  <a:tcPr/>
+                </a:tc>
+                <a:tc>
+                  <a:txBody>
+                    <a:bodyPr/>
+                    <a:lstStyle/>
+                    <a:p>
+                      <a:pPr algn="ctr"/>
+                      <a:r>
+                        <a:rPr lang="en-US" sz="1400" dirty="0"/>
+                        <a:t>0.75</a:t>
+                      </a:r>
+                    </a:p>
+                  </a:txBody>
+                  <a:tcPr/>
+                </a:tc>
+                <a:tc>
+                  <a:txBody>
+                    <a:bodyPr/>
+                    <a:lstStyle/>
+                    <a:p>
+                      <a:pPr algn="ctr"/>
+                      <a:r>
+                        <a:rPr lang="en-US" sz="1400" dirty="0">
+                          <a:highlight>
+                            <a:srgbClr val="FFFF00"/>
+                          </a:highlight>
+                        </a:rPr>
+                        <a:t>0.80</a:t>
+                      </a:r>
+                    </a:p>
+                  </a:txBody>
+                  <a:tcPr/>
+                </a:tc>
+                <a:extLst>
+                  <a:ext uri="{0D108BD9-81ED-4DB2-BD59-A6C34878D82A}">
+                    <a16:rowId xmlns:a16="http://schemas.microsoft.com/office/drawing/2014/main" val="3582157128"/>
+                  </a:ext>
+                </a:extLst>
+              </a:tr>
+              <a:tr h="344529">
+                <a:tc>
+                  <a:txBody>
+                    <a:bodyPr/>
+                    <a:lstStyle/>
+                    <a:p>
+                      <a:pPr marL="0" marR="0" lvl="0" indent="0" algn="ctr" defTabSz="914400" rtl="0" eaLnBrk="1" fontAlgn="auto" latinLnBrk="0" hangingPunct="1">
+                        <a:lnSpc>
+                          <a:spcPct val="100000"/>
+                        </a:lnSpc>
+                        <a:spcBef>
+                          <a:spcPts val="0"/>
+                        </a:spcBef>
+                        <a:spcAft>
+                          <a:spcPts val="0"/>
+                        </a:spcAft>
+                        <a:buClrTx/>
+                        <a:buSzTx/>
+                        <a:buFontTx/>
+                        <a:buNone/>
+                        <a:tabLst/>
+                        <a:defRPr/>
+                      </a:pPr>
+                      <a:r>
+                        <a:rPr lang="en-US" sz="1400" dirty="0"/>
+                        <a:t>F1 SCORE (Positive Emotion)</a:t>
+                      </a:r>
+                    </a:p>
+                  </a:txBody>
+                  <a:tcPr/>
+                </a:tc>
+                <a:tc>
+                  <a:txBody>
+                    <a:bodyPr/>
+                    <a:lstStyle/>
+                    <a:p>
+                      <a:pPr algn="ctr"/>
+                      <a:r>
+                        <a:rPr lang="en-US" sz="1400" dirty="0"/>
+                        <a:t>0.52</a:t>
+                      </a:r>
+                    </a:p>
+                  </a:txBody>
+                  <a:tcPr/>
+                </a:tc>
+                <a:tc>
+                  <a:txBody>
+                    <a:bodyPr/>
+                    <a:lstStyle/>
+                    <a:p>
+                      <a:pPr algn="ctr"/>
+                      <a:r>
+                        <a:rPr lang="en-US" sz="1400" dirty="0">
+                          <a:highlight>
+                            <a:srgbClr val="FFFF00"/>
+                          </a:highlight>
+                        </a:rPr>
+                        <a:t>0.56</a:t>
+                      </a:r>
+                    </a:p>
+                  </a:txBody>
+                  <a:tcPr/>
+                </a:tc>
+                <a:extLst>
+                  <a:ext uri="{0D108BD9-81ED-4DB2-BD59-A6C34878D82A}">
+                    <a16:rowId xmlns:a16="http://schemas.microsoft.com/office/drawing/2014/main" val="652675671"/>
+                  </a:ext>
+                </a:extLst>
+              </a:tr>
+              <a:tr h="344529">
+                <a:tc>
+                  <a:txBody>
+                    <a:bodyPr/>
+                    <a:lstStyle/>
+                    <a:p>
+                      <a:pPr algn="ctr"/>
+                      <a:endParaRPr lang="en-US" sz="1400"/>
+                    </a:p>
+                  </a:txBody>
+                  <a:tcPr/>
+                </a:tc>
+                <a:tc>
+                  <a:txBody>
+                    <a:bodyPr/>
+                    <a:lstStyle/>
+                    <a:p>
+                      <a:pPr algn="ctr"/>
+                      <a:endParaRPr lang="en-US" sz="1400"/>
+                    </a:p>
+                  </a:txBody>
+                  <a:tcPr/>
+                </a:tc>
+                <a:tc>
+                  <a:txBody>
+                    <a:bodyPr/>
+                    <a:lstStyle/>
+                    <a:p>
+                      <a:pPr algn="ctr"/>
+                      <a:endParaRPr lang="en-US" sz="1400" dirty="0"/>
+                    </a:p>
+                  </a:txBody>
+                  <a:tcPr/>
+                </a:tc>
+                <a:extLst>
+                  <a:ext uri="{0D108BD9-81ED-4DB2-BD59-A6C34878D82A}">
+                    <a16:rowId xmlns:a16="http://schemas.microsoft.com/office/drawing/2014/main" val="1647392657"/>
+                  </a:ext>
+                </a:extLst>
+              </a:tr>
+              <a:tr h="344529">
+                <a:tc>
+                  <a:txBody>
+                    <a:bodyPr/>
+                    <a:lstStyle/>
+                    <a:p>
+                      <a:pPr algn="ctr"/>
+                      <a:r>
+                        <a:rPr lang="en-US" sz="1400" dirty="0"/>
+                        <a:t>ACCURACY</a:t>
+                      </a:r>
+                    </a:p>
+                  </a:txBody>
+                  <a:tcPr/>
+                </a:tc>
+                <a:tc>
+                  <a:txBody>
+                    <a:bodyPr/>
+                    <a:lstStyle/>
+                    <a:p>
+                      <a:pPr algn="ctr"/>
+                      <a:r>
+                        <a:rPr lang="en-US" sz="1400" dirty="0"/>
+                        <a:t>65%</a:t>
+                      </a:r>
+                    </a:p>
+                  </a:txBody>
+                  <a:tcPr/>
+                </a:tc>
+                <a:tc>
+                  <a:txBody>
+                    <a:bodyPr/>
+                    <a:lstStyle/>
+                    <a:p>
+                      <a:pPr algn="ctr"/>
+                      <a:r>
+                        <a:rPr lang="en-US" sz="1400" dirty="0">
+                          <a:highlight>
+                            <a:srgbClr val="FFFF00"/>
+                          </a:highlight>
+                        </a:rPr>
+                        <a:t>71%</a:t>
+                      </a:r>
+                    </a:p>
+                  </a:txBody>
+                  <a:tcPr/>
+                </a:tc>
+                <a:extLst>
+                  <a:ext uri="{0D108BD9-81ED-4DB2-BD59-A6C34878D82A}">
+                    <a16:rowId xmlns:a16="http://schemas.microsoft.com/office/drawing/2014/main" val="3628580517"/>
+                  </a:ext>
+                </a:extLst>
+              </a:tr>
+              <a:tr h="344529">
+                <a:tc>
+                  <a:txBody>
+                    <a:bodyPr/>
+                    <a:lstStyle/>
+                    <a:p>
+                      <a:pPr algn="ctr"/>
+                      <a:endParaRPr lang="en-US" sz="1400" dirty="0"/>
+                    </a:p>
+                  </a:txBody>
+                  <a:tcPr/>
+                </a:tc>
+                <a:tc>
+                  <a:txBody>
+                    <a:bodyPr/>
+                    <a:lstStyle/>
+                    <a:p>
+                      <a:pPr algn="ctr"/>
+                      <a:endParaRPr lang="en-US" sz="1400"/>
+                    </a:p>
+                  </a:txBody>
+                  <a:tcPr/>
+                </a:tc>
+                <a:tc>
+                  <a:txBody>
+                    <a:bodyPr/>
+                    <a:lstStyle/>
+                    <a:p>
+                      <a:pPr algn="ctr"/>
+                      <a:endParaRPr lang="en-US" sz="1400" dirty="0"/>
+                    </a:p>
+                  </a:txBody>
+                  <a:tcPr/>
+                </a:tc>
+                <a:extLst>
+                  <a:ext uri="{0D108BD9-81ED-4DB2-BD59-A6C34878D82A}">
+                    <a16:rowId xmlns:a16="http://schemas.microsoft.com/office/drawing/2014/main" val="174067952"/>
+                  </a:ext>
+                </a:extLst>
+              </a:tr>
+            </a:tbl>
+          </a:graphicData>
+        </a:graphic>
+      </p:graphicFrame>
       <p:sp>
         <p:nvSpPr>
-          <p:cNvPr id="3" name="Content Placeholder 2">
-            <a:extLst>
-              <a:ext uri="{FF2B5EF4-FFF2-40B4-BE49-F238E27FC236}">
-                <a16:creationId xmlns:a16="http://schemas.microsoft.com/office/drawing/2014/main" id="{8D24899F-AC40-5747-B683-C297EF6FF0A5}"/>
-              </a:ext>
-            </a:extLst>
-          </p:cNvPr>
-          <p:cNvSpPr>
-            <a:spLocks noGrp="1"/>
-          </p:cNvSpPr>
-          <p:nvPr>
-            <p:ph idx="1"/>
-          </p:nvPr>
+          <p:cNvPr id="3" name="TextBox 2">
+            <a:extLst>
+              <a:ext uri="{FF2B5EF4-FFF2-40B4-BE49-F238E27FC236}">
+                <a16:creationId xmlns:a16="http://schemas.microsoft.com/office/drawing/2014/main" id="{09E2529E-ECE2-103E-9D8D-ABE794B5073A}"/>
+              </a:ext>
+            </a:extLst>
+          </p:cNvPr>
+          <p:cNvSpPr txBox="1"/>
+          <p:nvPr/>
         </p:nvSpPr>
         <p:spPr>
           <a:xfrm>
-            <a:off x="4810259" y="649480"/>
-            <a:ext cx="6555347" cy="5546047"/>
+            <a:off x="4905054" y="586855"/>
+            <a:ext cx="5451520" cy="369332"/>
           </a:xfrm>
+          <a:prstGeom prst="rect">
+            <a:avLst/>
+          </a:prstGeom>
+          <a:noFill/>
         </p:spPr>
         <p:txBody>
-          <a:bodyPr anchor="ctr">
-            <a:normAutofit/>
+          <a:bodyPr wrap="square" rtlCol="0">
+            <a:spAutoFit/>
           </a:bodyPr>
           <a:lstStyle/>
           <a:p>
-            <a:pPr marL="0" indent="0">
-              <a:buNone/>
-            </a:pPr>
             <a:r>
-              <a:rPr lang="en-US" sz="2000" dirty="0"/>
-              <a:t>Build machine learning models with Word Vectorizers to predict future sentiments (using </a:t>
+              <a:rPr lang="en-US" dirty="0"/>
+              <a:t>Evaluation of the Count Vectorizer and TFIDF Model</a:t>
             </a:r>
-            <a:r>
-              <a:rPr lang="en-US" sz="2000" dirty="0" err="1"/>
-              <a:t>CountVectorizer</a:t>
-            </a:r>
-            <a:r>
-              <a:rPr lang="en-US" sz="2000" dirty="0"/>
-              <a:t> and Term Frequency - Inverse Document Frequency (TFIDF)</a:t>
-            </a:r>
-          </a:p>
-          <a:p>
-            <a:pPr marL="0" indent="0">
-              <a:buNone/>
-            </a:pPr>
-            <a:endParaRPr lang="en-US" sz="2000" dirty="0"/>
-          </a:p>
-          <a:p>
-            <a:pPr marL="0" indent="0">
-              <a:buNone/>
-            </a:pPr>
-            <a:r>
-              <a:rPr lang="en-US" sz="2000" dirty="0">
-                <a:effectLst/>
-                <a:latin typeface="Calibri" panose="020F0502020204030204" pitchFamily="34" charset="0"/>
-              </a:rPr>
-              <a:t>Developed several models to evaluate performance </a:t>
-            </a:r>
-            <a:endParaRPr lang="en-US" sz="1800" dirty="0">
-              <a:effectLst/>
-            </a:endParaRPr>
-          </a:p>
-          <a:p>
-            <a:pPr lvl="1"/>
-            <a:r>
-              <a:rPr lang="en-US" sz="1600" dirty="0">
-                <a:effectLst/>
-                <a:latin typeface="Calibri" panose="020F0502020204030204" pitchFamily="34" charset="0"/>
-              </a:rPr>
-              <a:t>Precision – correct predictions vs total predictions </a:t>
-            </a:r>
-            <a:endParaRPr lang="en-US" sz="1600" dirty="0">
-              <a:effectLst/>
-              <a:latin typeface="ArialMT"/>
-            </a:endParaRPr>
-          </a:p>
-          <a:p>
-            <a:pPr lvl="1"/>
-            <a:r>
-              <a:rPr lang="en-US" sz="1600" dirty="0">
-                <a:effectLst/>
-                <a:latin typeface="Calibri" panose="020F0502020204030204" pitchFamily="34" charset="0"/>
-              </a:rPr>
-              <a:t>Recall – Correct predictions vs actual positive predictions </a:t>
-            </a:r>
-            <a:endParaRPr lang="en-US" sz="1600" dirty="0">
-              <a:effectLst/>
-              <a:latin typeface="ArialMT"/>
-            </a:endParaRPr>
-          </a:p>
-          <a:p>
-            <a:pPr lvl="1"/>
-            <a:r>
-              <a:rPr lang="en-US" sz="1600" dirty="0">
-                <a:effectLst/>
-                <a:latin typeface="Calibri" panose="020F0502020204030204" pitchFamily="34" charset="0"/>
-              </a:rPr>
-              <a:t>F1 score – harmonic mean of Precision and Recall </a:t>
-            </a:r>
-            <a:r>
-              <a:rPr lang="en-US" sz="1600" dirty="0">
-                <a:effectLst/>
-                <a:latin typeface="ArialMT"/>
-              </a:rPr>
-              <a:t>• </a:t>
-            </a:r>
-            <a:r>
-              <a:rPr lang="en-US" sz="1600" dirty="0">
-                <a:effectLst/>
-                <a:latin typeface="Calibri" panose="020F0502020204030204" pitchFamily="34" charset="0"/>
-              </a:rPr>
-              <a:t>Accuracy </a:t>
-            </a:r>
-            <a:endParaRPr lang="en-US" sz="1600" dirty="0">
-              <a:effectLst/>
-              <a:latin typeface="ArialMT"/>
-            </a:endParaRPr>
           </a:p>
         </p:txBody>
       </p:sp>
     </p:spTree>
     <p:extLst>
       <p:ext uri="{BB962C8B-B14F-4D97-AF65-F5344CB8AC3E}">
-        <p14:creationId xmlns:p14="http://schemas.microsoft.com/office/powerpoint/2010/main" val="2558670529"/>
+        <p14:creationId xmlns:p14="http://schemas.microsoft.com/office/powerpoint/2010/main" val="3582694519"/>
       </p:ext>
     </p:extLst>
   </p:cSld>
@@ -12057,7 +12330,7 @@
 </p:sld>
 </file>
 
-<file path=ppt/slides/slide8.xml><?xml version="1.0" encoding="utf-8"?>
+<file path=ppt/slides/slide16.xml><?xml version="1.0" encoding="utf-8"?>
 <p:sld xmlns:a="http://schemas.openxmlformats.org/drawingml/2006/main" xmlns:r="http://schemas.openxmlformats.org/officeDocument/2006/relationships" xmlns:p="http://schemas.openxmlformats.org/presentationml/2006/main">
   <p:cSld>
     <p:bg>
@@ -12762,91 +13035,102 @@
         </p:nvSpPr>
         <p:spPr>
           <a:xfrm>
-            <a:off x="4696658" y="586855"/>
-            <a:ext cx="6915019" cy="1354601"/>
+            <a:off x="4810259" y="649480"/>
+            <a:ext cx="6555347" cy="5546047"/>
           </a:xfrm>
         </p:spPr>
         <p:txBody>
           <a:bodyPr anchor="ctr">
-            <a:normAutofit fontScale="92500"/>
+            <a:normAutofit/>
           </a:bodyPr>
           <a:lstStyle/>
-          <a:p>
-            <a:pPr marL="0" indent="0">
-              <a:buNone/>
-            </a:pPr>
-            <a:endParaRPr lang="en-US" sz="3200" dirty="0"/>
-          </a:p>
           <a:p>
             <a:pPr marL="0" indent="0">
               <a:buNone/>
             </a:pPr>
             <a:r>
-              <a:rPr lang="en-US" sz="3200" dirty="0" err="1"/>
-              <a:t>WordCloud</a:t>
+              <a:rPr lang="en-US" sz="2000" dirty="0"/>
+              <a:t>DRUM ROLL!!! AND THE WINNER IS….</a:t>
+            </a:r>
+          </a:p>
+          <a:p>
+            <a:pPr marL="0" indent="0">
+              <a:buNone/>
+            </a:pPr>
+            <a:endParaRPr lang="en-US" sz="2000" dirty="0">
+              <a:effectLst/>
+              <a:latin typeface="ArialMT"/>
+            </a:endParaRPr>
+          </a:p>
+          <a:p>
+            <a:pPr marL="0" indent="0">
+              <a:buNone/>
+            </a:pPr>
+            <a:endParaRPr lang="en-US" sz="2000" dirty="0">
+              <a:latin typeface="ArialMT"/>
+            </a:endParaRPr>
+          </a:p>
+          <a:p>
+            <a:pPr marL="0" indent="0">
+              <a:buNone/>
+            </a:pPr>
+            <a:r>
+              <a:rPr lang="en-US" sz="2000" dirty="0">
+                <a:effectLst/>
+                <a:latin typeface="ArialMT"/>
+              </a:rPr>
+              <a:t>TFI</a:t>
             </a:r>
             <a:r>
-              <a:rPr lang="en-US" sz="3200" dirty="0"/>
-              <a:t> for positive Emotion Sentiment</a:t>
+              <a:rPr lang="en-US" sz="2000" dirty="0">
+                <a:latin typeface="ArialMT"/>
+              </a:rPr>
+              <a:t>DF Vectorizer!</a:t>
             </a:r>
+          </a:p>
+          <a:p>
+            <a:pPr marL="0" indent="0">
+              <a:buNone/>
+            </a:pPr>
+            <a:r>
+              <a:rPr lang="en-US" sz="2000" dirty="0">
+                <a:effectLst/>
+                <a:latin typeface="ArialMT"/>
+              </a:rPr>
+              <a:t>	Ou</a:t>
+            </a:r>
+            <a:r>
+              <a:rPr lang="en-US" sz="2000" dirty="0">
+                <a:latin typeface="ArialMT"/>
+              </a:rPr>
+              <a:t>tperformed in all sections</a:t>
+            </a:r>
+            <a:endParaRPr lang="en-US" sz="1600" dirty="0">
+              <a:effectLst/>
+              <a:latin typeface="ArialMT"/>
+            </a:endParaRPr>
+          </a:p>
+          <a:p>
+            <a:pPr marL="0" indent="0">
+              <a:buNone/>
+            </a:pPr>
             <a:br>
-              <a:rPr lang="en-US" sz="3200" dirty="0"/>
+              <a:rPr lang="en-US" sz="1600" u="sng" dirty="0">
+                <a:effectLst/>
+                <a:latin typeface="ArialMT"/>
+              </a:rPr>
             </a:br>
-            <a:endParaRPr lang="en-US" sz="2000" dirty="0"/>
-          </a:p>
-        </p:txBody>
-      </p:sp>
-      <p:pic>
-        <p:nvPicPr>
-          <p:cNvPr id="2050" name="Picture 2">
-            <a:extLst>
-              <a:ext uri="{FF2B5EF4-FFF2-40B4-BE49-F238E27FC236}">
-                <a16:creationId xmlns:a16="http://schemas.microsoft.com/office/drawing/2014/main" id="{44DFAA19-5277-A5E9-51D6-6BD7EE701B7B}"/>
-              </a:ext>
-            </a:extLst>
-          </p:cNvPr>
-          <p:cNvPicPr>
-            <a:picLocks noChangeAspect="1" noChangeArrowheads="1"/>
-          </p:cNvPicPr>
-          <p:nvPr/>
-        </p:nvPicPr>
-        <p:blipFill>
-          <a:blip r:embed="rId2">
-            <a:extLst>
-              <a:ext uri="{28A0092B-C50C-407E-A947-70E740481C1C}">
-                <a14:useLocalDpi xmlns:a14="http://schemas.microsoft.com/office/drawing/2010/main" val="0"/>
-              </a:ext>
-            </a:extLst>
-          </a:blip>
-          <a:srcRect/>
-          <a:stretch>
-            <a:fillRect/>
-          </a:stretch>
-        </p:blipFill>
-        <p:spPr bwMode="auto">
-          <a:xfrm>
-            <a:off x="4462408" y="2128300"/>
-            <a:ext cx="7183581" cy="4542856"/>
-          </a:xfrm>
-          <a:prstGeom prst="rect">
-            <a:avLst/>
-          </a:prstGeom>
-          <a:noFill/>
-          <a:extLst>
-            <a:ext uri="{909E8E84-426E-40DD-AFC4-6F175D3DCCD1}">
-              <a14:hiddenFill xmlns:a14="http://schemas.microsoft.com/office/drawing/2010/main">
-                <a:solidFill>
-                  <a:srgbClr val="FFFFFF"/>
-                </a:solidFill>
-              </a14:hiddenFill>
-            </a:ext>
-          </a:extLst>
-        </p:spPr>
-      </p:pic>
+            <a:endParaRPr lang="en-US" sz="1600" dirty="0">
+              <a:effectLst/>
+              <a:latin typeface="ArialMT"/>
+            </a:endParaRPr>
+          </a:p>
+        </p:txBody>
+      </p:sp>
     </p:spTree>
     <p:extLst>
       <p:ext uri="{BB962C8B-B14F-4D97-AF65-F5344CB8AC3E}">
-        <p14:creationId xmlns:p14="http://schemas.microsoft.com/office/powerpoint/2010/main" val="1556871693"/>
+        <p14:creationId xmlns:p14="http://schemas.microsoft.com/office/powerpoint/2010/main" val="3713627426"/>
       </p:ext>
     </p:extLst>
   </p:cSld>
@@ -12856,7 +13140,7 @@
 </p:sld>
 </file>
 
-<file path=ppt/slides/slide9.xml><?xml version="1.0" encoding="utf-8"?>
+<file path=ppt/slides/slide17.xml><?xml version="1.0" encoding="utf-8"?>
 <p:sld xmlns:a="http://schemas.openxmlformats.org/drawingml/2006/main" xmlns:r="http://schemas.openxmlformats.org/officeDocument/2006/relationships" xmlns:p="http://schemas.openxmlformats.org/presentationml/2006/main">
   <p:cSld>
     <p:bg>
@@ -13508,6 +13792,6140 @@
           <p:cNvPr id="2" name="Title 1">
             <a:extLst>
               <a:ext uri="{FF2B5EF4-FFF2-40B4-BE49-F238E27FC236}">
+                <a16:creationId xmlns:a16="http://schemas.microsoft.com/office/drawing/2014/main" id="{46E91C97-A06F-AC4A-8D1E-7409EF5640B1}"/>
+              </a:ext>
+            </a:extLst>
+          </p:cNvPr>
+          <p:cNvSpPr>
+            <a:spLocks noGrp="1"/>
+          </p:cNvSpPr>
+          <p:nvPr>
+            <p:ph type="title"/>
+          </p:nvPr>
+        </p:nvSpPr>
+        <p:spPr>
+          <a:xfrm>
+            <a:off x="466722" y="586855"/>
+            <a:ext cx="3201366" cy="3387497"/>
+          </a:xfrm>
+        </p:spPr>
+        <p:txBody>
+          <a:bodyPr anchor="b">
+            <a:normAutofit/>
+          </a:bodyPr>
+          <a:lstStyle/>
+          <a:p>
+            <a:pPr algn="r"/>
+            <a:r>
+              <a:rPr lang="en-US" sz="4000" dirty="0">
+                <a:solidFill>
+                  <a:srgbClr val="FFFFFF"/>
+                </a:solidFill>
+              </a:rPr>
+              <a:t>Summary of Findings / Conclusion</a:t>
+            </a:r>
+          </a:p>
+        </p:txBody>
+      </p:sp>
+      <p:sp>
+        <p:nvSpPr>
+          <p:cNvPr id="3" name="Content Placeholder 2">
+            <a:extLst>
+              <a:ext uri="{FF2B5EF4-FFF2-40B4-BE49-F238E27FC236}">
+                <a16:creationId xmlns:a16="http://schemas.microsoft.com/office/drawing/2014/main" id="{F0879E51-3025-FD47-A6D2-158E9D009E69}"/>
+              </a:ext>
+            </a:extLst>
+          </p:cNvPr>
+          <p:cNvSpPr>
+            <a:spLocks noGrp="1"/>
+          </p:cNvSpPr>
+          <p:nvPr>
+            <p:ph idx="1"/>
+          </p:nvPr>
+        </p:nvSpPr>
+        <p:spPr>
+          <a:xfrm>
+            <a:off x="4810259" y="649480"/>
+            <a:ext cx="6555347" cy="5546047"/>
+          </a:xfrm>
+        </p:spPr>
+        <p:txBody>
+          <a:bodyPr anchor="ctr">
+            <a:normAutofit/>
+          </a:bodyPr>
+          <a:lstStyle/>
+          <a:p>
+            <a:r>
+              <a:rPr lang="en-US" sz="2000" dirty="0"/>
+              <a:t>Most positive words were associated with events for Google and Apple</a:t>
+            </a:r>
+          </a:p>
+          <a:p>
+            <a:r>
+              <a:rPr lang="en-US" sz="2000" dirty="0"/>
+              <a:t>Most negative words associated with the product or negative words (such as battery) for Apple. </a:t>
+            </a:r>
+          </a:p>
+          <a:p>
+            <a:r>
+              <a:rPr lang="en-US" sz="2000" dirty="0"/>
+              <a:t>Most negative words were associated with the event for Google. </a:t>
+            </a:r>
+          </a:p>
+          <a:p>
+            <a:r>
+              <a:rPr lang="en-US" sz="2000" dirty="0"/>
+              <a:t>The TFIDF Vectorizer is the best for predicting future sentiments. </a:t>
+            </a:r>
+          </a:p>
+          <a:p>
+            <a:pPr lvl="2"/>
+            <a:r>
+              <a:rPr lang="en-US" dirty="0"/>
+              <a:t>TFIDF Vectorizer outperformed Precision, Recall, F1 score against </a:t>
+            </a:r>
+            <a:r>
+              <a:rPr lang="en-US" dirty="0" err="1"/>
+              <a:t>CountVectorizer</a:t>
+            </a:r>
+            <a:endParaRPr lang="en-US" dirty="0"/>
+          </a:p>
+          <a:p>
+            <a:endParaRPr lang="en-US" dirty="0"/>
+          </a:p>
+        </p:txBody>
+      </p:sp>
+    </p:spTree>
+    <p:extLst>
+      <p:ext uri="{BB962C8B-B14F-4D97-AF65-F5344CB8AC3E}">
+        <p14:creationId xmlns:p14="http://schemas.microsoft.com/office/powerpoint/2010/main" val="1690659996"/>
+      </p:ext>
+    </p:extLst>
+  </p:cSld>
+  <p:clrMapOvr>
+    <a:masterClrMapping/>
+  </p:clrMapOvr>
+</p:sld>
+</file>
+
+<file path=ppt/slides/slide18.xml><?xml version="1.0" encoding="utf-8"?>
+<p:sld xmlns:a="http://schemas.openxmlformats.org/drawingml/2006/main" xmlns:r="http://schemas.openxmlformats.org/officeDocument/2006/relationships" xmlns:p="http://schemas.openxmlformats.org/presentationml/2006/main">
+  <p:cSld>
+    <p:bg>
+      <p:bgPr>
+        <a:solidFill>
+          <a:schemeClr val="bg1"/>
+        </a:solidFill>
+        <a:effectLst/>
+      </p:bgPr>
+    </p:bg>
+    <p:spTree>
+      <p:nvGrpSpPr>
+        <p:cNvPr id="1" name=""/>
+        <p:cNvGrpSpPr/>
+        <p:nvPr/>
+      </p:nvGrpSpPr>
+      <p:grpSpPr>
+        <a:xfrm>
+          <a:off x="0" y="0"/>
+          <a:ext cx="0" cy="0"/>
+          <a:chOff x="0" y="0"/>
+          <a:chExt cx="0" cy="0"/>
+        </a:xfrm>
+      </p:grpSpPr>
+      <p:sp useBgFill="1">
+        <p:nvSpPr>
+          <p:cNvPr id="8" name="Rectangle 7">
+            <a:extLst>
+              <a:ext uri="{FF2B5EF4-FFF2-40B4-BE49-F238E27FC236}">
+                <a16:creationId xmlns:a16="http://schemas.microsoft.com/office/drawing/2014/main" id="{09588DA8-065E-4F6F-8EFD-43104AB2E0CF}"/>
+              </a:ext>
+              <a:ext uri="{C183D7F6-B498-43B3-948B-1728B52AA6E4}">
+                <adec:decorative xmlns:adec="http://schemas.microsoft.com/office/drawing/2017/decorative" val="1"/>
+              </a:ext>
+            </a:extLst>
+          </p:cNvPr>
+          <p:cNvSpPr>
+            <a:spLocks noGrp="1" noRot="1" noChangeAspect="1" noMove="1" noResize="1" noEditPoints="1" noAdjustHandles="1" noChangeArrowheads="1" noChangeShapeType="1" noTextEdit="1"/>
+          </p:cNvSpPr>
+          <p:nvPr>
+            <p:extLst>
+              <p:ext uri="{386F3935-93C4-4BCD-93E2-E3B085C9AB24}">
+                <p16:designElem xmlns:p16="http://schemas.microsoft.com/office/powerpoint/2015/main" val="1"/>
+              </p:ext>
+            </p:extLst>
+          </p:nvPr>
+        </p:nvSpPr>
+        <p:spPr>
+          <a:xfrm>
+            <a:off x="0" y="0"/>
+            <a:ext cx="12192000" cy="6858000"/>
+          </a:xfrm>
+          <a:prstGeom prst="rect">
+            <a:avLst/>
+          </a:prstGeom>
+          <a:ln w="12700" cap="flat" cmpd="sng" algn="ctr">
+            <a:noFill/>
+            <a:prstDash val="solid"/>
+            <a:miter lim="800000"/>
+          </a:ln>
+          <a:effectLst/>
+          <a:extLst>
+            <a:ext uri="{91240B29-F687-4F45-9708-019B960494DF}">
+              <a14:hiddenLine xmlns:a14="http://schemas.microsoft.com/office/drawing/2010/main" w="12700" cap="flat" cmpd="sng" algn="ctr">
+                <a:solidFill>
+                  <a:schemeClr val="accent1">
+                    <a:shade val="50000"/>
+                  </a:schemeClr>
+                </a:solidFill>
+                <a:prstDash val="solid"/>
+                <a:miter lim="800000"/>
+              </a14:hiddenLine>
+            </a:ext>
+          </a:extLst>
+        </p:spPr>
+        <p:style>
+          <a:lnRef idx="2">
+            <a:schemeClr val="accent1">
+              <a:shade val="50000"/>
+            </a:schemeClr>
+          </a:lnRef>
+          <a:fillRef idx="1">
+            <a:schemeClr val="accent1"/>
+          </a:fillRef>
+          <a:effectRef idx="0">
+            <a:schemeClr val="accent1"/>
+          </a:effectRef>
+          <a:fontRef idx="minor">
+            <a:schemeClr val="lt1"/>
+          </a:fontRef>
+        </p:style>
+        <p:txBody>
+          <a:bodyPr rtlCol="0" anchor="ctr"/>
+          <a:lstStyle/>
+          <a:p>
+            <a:pPr algn="ctr"/>
+            <a:endParaRPr lang="en-US"/>
+          </a:p>
+        </p:txBody>
+      </p:sp>
+      <p:sp useBgFill="1">
+        <p:nvSpPr>
+          <p:cNvPr id="10" name="Rectangle 9">
+            <a:extLst>
+              <a:ext uri="{FF2B5EF4-FFF2-40B4-BE49-F238E27FC236}">
+                <a16:creationId xmlns:a16="http://schemas.microsoft.com/office/drawing/2014/main" id="{C4285719-470E-454C-AF62-8323075F1F5B}"/>
+              </a:ext>
+              <a:ext uri="{C183D7F6-B498-43B3-948B-1728B52AA6E4}">
+                <adec:decorative xmlns:adec="http://schemas.microsoft.com/office/drawing/2017/decorative" val="1"/>
+              </a:ext>
+            </a:extLst>
+          </p:cNvPr>
+          <p:cNvSpPr>
+            <a:spLocks noGrp="1" noRot="1" noChangeAspect="1" noMove="1" noResize="1" noEditPoints="1" noAdjustHandles="1" noChangeArrowheads="1" noChangeShapeType="1" noTextEdit="1"/>
+          </p:cNvSpPr>
+          <p:nvPr>
+            <p:extLst>
+              <p:ext uri="{386F3935-93C4-4BCD-93E2-E3B085C9AB24}">
+                <p16:designElem xmlns:p16="http://schemas.microsoft.com/office/powerpoint/2015/main" val="1"/>
+              </p:ext>
+            </p:extLst>
+          </p:nvPr>
+        </p:nvSpPr>
+        <p:spPr>
+          <a:xfrm>
+            <a:off x="0" y="0"/>
+            <a:ext cx="12188952" cy="6858000"/>
+          </a:xfrm>
+          <a:prstGeom prst="rect">
+            <a:avLst/>
+          </a:prstGeom>
+          <a:ln w="12700" cap="flat" cmpd="sng" algn="ctr">
+            <a:noFill/>
+            <a:prstDash val="solid"/>
+            <a:miter lim="800000"/>
+          </a:ln>
+          <a:effectLst/>
+          <a:extLst>
+            <a:ext uri="{91240B29-F687-4F45-9708-019B960494DF}">
+              <a14:hiddenLine xmlns:a14="http://schemas.microsoft.com/office/drawing/2010/main" w="12700" cap="flat" cmpd="sng" algn="ctr">
+                <a:solidFill>
+                  <a:schemeClr val="accent1">
+                    <a:shade val="50000"/>
+                  </a:schemeClr>
+                </a:solidFill>
+                <a:prstDash val="solid"/>
+                <a:miter lim="800000"/>
+              </a14:hiddenLine>
+            </a:ext>
+          </a:extLst>
+        </p:spPr>
+        <p:style>
+          <a:lnRef idx="2">
+            <a:schemeClr val="accent1">
+              <a:shade val="50000"/>
+            </a:schemeClr>
+          </a:lnRef>
+          <a:fillRef idx="1">
+            <a:schemeClr val="accent1"/>
+          </a:fillRef>
+          <a:effectRef idx="0">
+            <a:schemeClr val="accent1"/>
+          </a:effectRef>
+          <a:fontRef idx="minor">
+            <a:schemeClr val="lt1"/>
+          </a:fontRef>
+        </p:style>
+        <p:txBody>
+          <a:bodyPr rtlCol="0" anchor="ctr"/>
+          <a:lstStyle/>
+          <a:p>
+            <a:pPr algn="ctr"/>
+            <a:endParaRPr lang="en-US"/>
+          </a:p>
+        </p:txBody>
+      </p:sp>
+      <p:sp>
+        <p:nvSpPr>
+          <p:cNvPr id="12" name="Rectangle 11">
+            <a:extLst>
+              <a:ext uri="{FF2B5EF4-FFF2-40B4-BE49-F238E27FC236}">
+                <a16:creationId xmlns:a16="http://schemas.microsoft.com/office/drawing/2014/main" id="{CD9FE4EF-C4D8-49A0-B2FF-81D8DB7D8A24}"/>
+              </a:ext>
+              <a:ext uri="{C183D7F6-B498-43B3-948B-1728B52AA6E4}">
+                <adec:decorative xmlns:adec="http://schemas.microsoft.com/office/drawing/2017/decorative" val="1"/>
+              </a:ext>
+            </a:extLst>
+          </p:cNvPr>
+          <p:cNvSpPr>
+            <a:spLocks noGrp="1" noRot="1" noChangeAspect="1" noMove="1" noResize="1" noEditPoints="1" noAdjustHandles="1" noChangeArrowheads="1" noChangeShapeType="1" noTextEdit="1"/>
+          </p:cNvSpPr>
+          <p:nvPr>
+            <p:extLst>
+              <p:ext uri="{386F3935-93C4-4BCD-93E2-E3B085C9AB24}">
+                <p16:designElem xmlns:p16="http://schemas.microsoft.com/office/powerpoint/2015/main" val="1"/>
+              </p:ext>
+            </p:extLst>
+          </p:nvPr>
+        </p:nvSpPr>
+        <p:spPr>
+          <a:xfrm rot="5400000" flipH="1">
+            <a:off x="-1410084" y="1410082"/>
+            <a:ext cx="6858000" cy="4037836"/>
+          </a:xfrm>
+          <a:prstGeom prst="rect">
+            <a:avLst/>
+          </a:prstGeom>
+          <a:gradFill>
+            <a:gsLst>
+              <a:gs pos="8000">
+                <a:srgbClr val="000000"/>
+              </a:gs>
+              <a:gs pos="100000">
+                <a:schemeClr val="accent1">
+                  <a:lumMod val="75000"/>
+                </a:schemeClr>
+              </a:gs>
+            </a:gsLst>
+            <a:lin ang="3000000" scaled="0"/>
+          </a:gradFill>
+          <a:ln>
+            <a:noFill/>
+          </a:ln>
+        </p:spPr>
+        <p:style>
+          <a:lnRef idx="2">
+            <a:schemeClr val="accent1">
+              <a:shade val="50000"/>
+            </a:schemeClr>
+          </a:lnRef>
+          <a:fillRef idx="1">
+            <a:schemeClr val="accent1"/>
+          </a:fillRef>
+          <a:effectRef idx="0">
+            <a:schemeClr val="accent1"/>
+          </a:effectRef>
+          <a:fontRef idx="minor">
+            <a:schemeClr val="lt1"/>
+          </a:fontRef>
+        </p:style>
+        <p:txBody>
+          <a:bodyPr rtlCol="0" anchor="ctr"/>
+          <a:lstStyle/>
+          <a:p>
+            <a:pPr algn="ctr"/>
+            <a:endParaRPr lang="en-US"/>
+          </a:p>
+        </p:txBody>
+      </p:sp>
+      <p:sp>
+        <p:nvSpPr>
+          <p:cNvPr id="14" name="Rectangle 13">
+            <a:extLst>
+              <a:ext uri="{FF2B5EF4-FFF2-40B4-BE49-F238E27FC236}">
+                <a16:creationId xmlns:a16="http://schemas.microsoft.com/office/drawing/2014/main" id="{4300840D-0A0B-4512-BACA-B439D5B9C57C}"/>
+              </a:ext>
+              <a:ext uri="{C183D7F6-B498-43B3-948B-1728B52AA6E4}">
+                <adec:decorative xmlns:adec="http://schemas.microsoft.com/office/drawing/2017/decorative" val="1"/>
+              </a:ext>
+            </a:extLst>
+          </p:cNvPr>
+          <p:cNvSpPr>
+            <a:spLocks noGrp="1" noRot="1" noChangeAspect="1" noMove="1" noResize="1" noEditPoints="1" noAdjustHandles="1" noChangeArrowheads="1" noChangeShapeType="1" noTextEdit="1"/>
+          </p:cNvSpPr>
+          <p:nvPr>
+            <p:extLst>
+              <p:ext uri="{386F3935-93C4-4BCD-93E2-E3B085C9AB24}">
+                <p16:designElem xmlns:p16="http://schemas.microsoft.com/office/powerpoint/2015/main" val="1"/>
+              </p:ext>
+            </p:extLst>
+          </p:nvPr>
+        </p:nvSpPr>
+        <p:spPr>
+          <a:xfrm rot="5400000" flipH="1">
+            <a:off x="-1410085" y="1420219"/>
+            <a:ext cx="6857999" cy="4037839"/>
+          </a:xfrm>
+          <a:prstGeom prst="rect">
+            <a:avLst/>
+          </a:prstGeom>
+          <a:gradFill>
+            <a:gsLst>
+              <a:gs pos="0">
+                <a:srgbClr val="000000">
+                  <a:alpha val="0"/>
+                </a:srgbClr>
+              </a:gs>
+              <a:gs pos="99000">
+                <a:schemeClr val="accent1">
+                  <a:alpha val="46000"/>
+                </a:schemeClr>
+              </a:gs>
+            </a:gsLst>
+            <a:lin ang="1800000" scaled="0"/>
+          </a:gradFill>
+          <a:ln>
+            <a:noFill/>
+          </a:ln>
+        </p:spPr>
+        <p:style>
+          <a:lnRef idx="2">
+            <a:schemeClr val="accent1">
+              <a:shade val="50000"/>
+            </a:schemeClr>
+          </a:lnRef>
+          <a:fillRef idx="1">
+            <a:schemeClr val="accent1"/>
+          </a:fillRef>
+          <a:effectRef idx="0">
+            <a:schemeClr val="accent1"/>
+          </a:effectRef>
+          <a:fontRef idx="minor">
+            <a:schemeClr val="lt1"/>
+          </a:fontRef>
+        </p:style>
+        <p:txBody>
+          <a:bodyPr rtlCol="0" anchor="ctr"/>
+          <a:lstStyle/>
+          <a:p>
+            <a:pPr algn="ctr"/>
+            <a:endParaRPr lang="en-US"/>
+          </a:p>
+        </p:txBody>
+      </p:sp>
+      <p:sp>
+        <p:nvSpPr>
+          <p:cNvPr id="16" name="Rectangle 15">
+            <a:extLst>
+              <a:ext uri="{FF2B5EF4-FFF2-40B4-BE49-F238E27FC236}">
+                <a16:creationId xmlns:a16="http://schemas.microsoft.com/office/drawing/2014/main" id="{D2B78728-A580-49A7-84F9-6EF6F583ADE0}"/>
+              </a:ext>
+              <a:ext uri="{C183D7F6-B498-43B3-948B-1728B52AA6E4}">
+                <adec:decorative xmlns:adec="http://schemas.microsoft.com/office/drawing/2017/decorative" val="1"/>
+              </a:ext>
+            </a:extLst>
+          </p:cNvPr>
+          <p:cNvSpPr>
+            <a:spLocks noGrp="1" noRot="1" noChangeAspect="1" noMove="1" noResize="1" noEditPoints="1" noAdjustHandles="1" noChangeArrowheads="1" noChangeShapeType="1" noTextEdit="1"/>
+          </p:cNvSpPr>
+          <p:nvPr>
+            <p:extLst>
+              <p:ext uri="{386F3935-93C4-4BCD-93E2-E3B085C9AB24}">
+                <p16:designElem xmlns:p16="http://schemas.microsoft.com/office/powerpoint/2015/main" val="1"/>
+              </p:ext>
+            </p:extLst>
+          </p:nvPr>
+        </p:nvSpPr>
+        <p:spPr>
+          <a:xfrm rot="5400000" flipH="1">
+            <a:off x="767923" y="3588085"/>
+            <a:ext cx="2501979" cy="4037841"/>
+          </a:xfrm>
+          <a:prstGeom prst="rect">
+            <a:avLst/>
+          </a:prstGeom>
+          <a:gradFill>
+            <a:gsLst>
+              <a:gs pos="2000">
+                <a:schemeClr val="accent1">
+                  <a:alpha val="29000"/>
+                </a:schemeClr>
+              </a:gs>
+              <a:gs pos="100000">
+                <a:srgbClr val="000000">
+                  <a:alpha val="30000"/>
+                </a:srgbClr>
+              </a:gs>
+            </a:gsLst>
+            <a:lin ang="7800000" scaled="0"/>
+          </a:gradFill>
+          <a:ln>
+            <a:noFill/>
+          </a:ln>
+        </p:spPr>
+        <p:style>
+          <a:lnRef idx="2">
+            <a:schemeClr val="accent1">
+              <a:shade val="50000"/>
+            </a:schemeClr>
+          </a:lnRef>
+          <a:fillRef idx="1">
+            <a:schemeClr val="accent1"/>
+          </a:fillRef>
+          <a:effectRef idx="0">
+            <a:schemeClr val="accent1"/>
+          </a:effectRef>
+          <a:fontRef idx="minor">
+            <a:schemeClr val="lt1"/>
+          </a:fontRef>
+        </p:style>
+        <p:txBody>
+          <a:bodyPr rtlCol="0" anchor="ctr"/>
+          <a:lstStyle/>
+          <a:p>
+            <a:pPr algn="ctr"/>
+            <a:endParaRPr lang="en-US" dirty="0"/>
+          </a:p>
+        </p:txBody>
+      </p:sp>
+      <p:sp>
+        <p:nvSpPr>
+          <p:cNvPr id="18" name="Freeform: Shape 17">
+            <a:extLst>
+              <a:ext uri="{FF2B5EF4-FFF2-40B4-BE49-F238E27FC236}">
+                <a16:creationId xmlns:a16="http://schemas.microsoft.com/office/drawing/2014/main" id="{38FAA1A1-D861-433F-88FA-1E9D6FD31D11}"/>
+              </a:ext>
+              <a:ext uri="{C183D7F6-B498-43B3-948B-1728B52AA6E4}">
+                <adec:decorative xmlns:adec="http://schemas.microsoft.com/office/drawing/2017/decorative" val="1"/>
+              </a:ext>
+            </a:extLst>
+          </p:cNvPr>
+          <p:cNvSpPr>
+            <a:spLocks noGrp="1" noRot="1" noChangeAspect="1" noMove="1" noResize="1" noEditPoints="1" noAdjustHandles="1" noChangeArrowheads="1" noChangeShapeType="1" noTextEdit="1"/>
+          </p:cNvSpPr>
+          <p:nvPr>
+            <p:extLst>
+              <p:ext uri="{386F3935-93C4-4BCD-93E2-E3B085C9AB24}">
+                <p16:designElem xmlns:p16="http://schemas.microsoft.com/office/powerpoint/2015/main" val="1"/>
+              </p:ext>
+            </p:extLst>
+          </p:nvPr>
+        </p:nvSpPr>
+        <p:spPr>
+          <a:xfrm rot="20635413">
+            <a:off x="-501737" y="969718"/>
+            <a:ext cx="3900357" cy="4178958"/>
+          </a:xfrm>
+          <a:custGeom>
+            <a:avLst/>
+            <a:gdLst>
+              <a:gd name="connsiteX0" fmla="*/ 2432225 w 3900357"/>
+              <a:gd name="connsiteY0" fmla="*/ 93939 h 4178958"/>
+              <a:gd name="connsiteX1" fmla="*/ 3900357 w 3900357"/>
+              <a:gd name="connsiteY1" fmla="*/ 2089479 h 4178958"/>
+              <a:gd name="connsiteX2" fmla="*/ 1810878 w 3900357"/>
+              <a:gd name="connsiteY2" fmla="*/ 4178958 h 4178958"/>
+              <a:gd name="connsiteX3" fmla="*/ 78249 w 3900357"/>
+              <a:gd name="connsiteY3" fmla="*/ 3257727 h 4178958"/>
+              <a:gd name="connsiteX4" fmla="*/ 0 w 3900357"/>
+              <a:gd name="connsiteY4" fmla="*/ 3128923 h 4178958"/>
+              <a:gd name="connsiteX5" fmla="*/ 831324 w 3900357"/>
+              <a:gd name="connsiteY5" fmla="*/ 244281 h 4178958"/>
+              <a:gd name="connsiteX6" fmla="*/ 997559 w 3900357"/>
+              <a:gd name="connsiteY6" fmla="*/ 164202 h 4178958"/>
+              <a:gd name="connsiteX7" fmla="*/ 1810878 w 3900357"/>
+              <a:gd name="connsiteY7" fmla="*/ 0 h 4178958"/>
+              <a:gd name="connsiteX8" fmla="*/ 2432225 w 3900357"/>
+              <a:gd name="connsiteY8" fmla="*/ 93939 h 4178958"/>
+            </a:gdLst>
+            <a:ahLst/>
+            <a:cxnLst>
+              <a:cxn ang="0">
+                <a:pos x="connsiteX0" y="connsiteY0"/>
+              </a:cxn>
+              <a:cxn ang="0">
+                <a:pos x="connsiteX1" y="connsiteY1"/>
+              </a:cxn>
+              <a:cxn ang="0">
+                <a:pos x="connsiteX2" y="connsiteY2"/>
+              </a:cxn>
+              <a:cxn ang="0">
+                <a:pos x="connsiteX3" y="connsiteY3"/>
+              </a:cxn>
+              <a:cxn ang="0">
+                <a:pos x="connsiteX4" y="connsiteY4"/>
+              </a:cxn>
+              <a:cxn ang="0">
+                <a:pos x="connsiteX5" y="connsiteY5"/>
+              </a:cxn>
+              <a:cxn ang="0">
+                <a:pos x="connsiteX6" y="connsiteY6"/>
+              </a:cxn>
+              <a:cxn ang="0">
+                <a:pos x="connsiteX7" y="connsiteY7"/>
+              </a:cxn>
+              <a:cxn ang="0">
+                <a:pos x="connsiteX8" y="connsiteY8"/>
+              </a:cxn>
+            </a:cxnLst>
+            <a:rect l="l" t="t" r="r" b="b"/>
+            <a:pathLst>
+              <a:path w="3900357" h="4178958">
+                <a:moveTo>
+                  <a:pt x="2432225" y="93939"/>
+                </a:moveTo>
+                <a:cubicBezTo>
+                  <a:pt x="3282786" y="358491"/>
+                  <a:pt x="3900357" y="1151865"/>
+                  <a:pt x="3900357" y="2089479"/>
+                </a:cubicBezTo>
+                <a:cubicBezTo>
+                  <a:pt x="3900357" y="3243466"/>
+                  <a:pt x="2964865" y="4178958"/>
+                  <a:pt x="1810878" y="4178958"/>
+                </a:cubicBezTo>
+                <a:cubicBezTo>
+                  <a:pt x="1089636" y="4178958"/>
+                  <a:pt x="453744" y="3813531"/>
+                  <a:pt x="78249" y="3257727"/>
+                </a:cubicBezTo>
+                <a:lnTo>
+                  <a:pt x="0" y="3128923"/>
+                </a:lnTo>
+                <a:lnTo>
+                  <a:pt x="831324" y="244281"/>
+                </a:lnTo>
+                <a:lnTo>
+                  <a:pt x="997559" y="164202"/>
+                </a:lnTo>
+                <a:cubicBezTo>
+                  <a:pt x="1247540" y="58468"/>
+                  <a:pt x="1522381" y="0"/>
+                  <a:pt x="1810878" y="0"/>
+                </a:cubicBezTo>
+                <a:cubicBezTo>
+                  <a:pt x="2027251" y="0"/>
+                  <a:pt x="2235942" y="32888"/>
+                  <a:pt x="2432225" y="93939"/>
+                </a:cubicBezTo>
+                <a:close/>
+              </a:path>
+            </a:pathLst>
+          </a:custGeom>
+          <a:gradFill>
+            <a:gsLst>
+              <a:gs pos="29000">
+                <a:srgbClr val="000000">
+                  <a:alpha val="0"/>
+                </a:srgbClr>
+              </a:gs>
+              <a:gs pos="100000">
+                <a:schemeClr val="accent1">
+                  <a:alpha val="43000"/>
+                </a:schemeClr>
+              </a:gs>
+            </a:gsLst>
+            <a:lin ang="1800000" scaled="0"/>
+          </a:gradFill>
+          <a:ln>
+            <a:noFill/>
+          </a:ln>
+        </p:spPr>
+        <p:style>
+          <a:lnRef idx="2">
+            <a:schemeClr val="accent1">
+              <a:shade val="50000"/>
+            </a:schemeClr>
+          </a:lnRef>
+          <a:fillRef idx="1">
+            <a:schemeClr val="accent1"/>
+          </a:fillRef>
+          <a:effectRef idx="0">
+            <a:schemeClr val="accent1"/>
+          </a:effectRef>
+          <a:fontRef idx="minor">
+            <a:schemeClr val="lt1"/>
+          </a:fontRef>
+        </p:style>
+        <p:txBody>
+          <a:bodyPr wrap="square" rtlCol="0" anchor="ctr">
+            <a:noAutofit/>
+          </a:bodyPr>
+          <a:lstStyle/>
+          <a:p>
+            <a:pPr algn="ctr"/>
+            <a:endParaRPr lang="en-US" dirty="0"/>
+          </a:p>
+        </p:txBody>
+      </p:sp>
+      <p:sp>
+        <p:nvSpPr>
+          <p:cNvPr id="20" name="Rectangle 19">
+            <a:extLst>
+              <a:ext uri="{FF2B5EF4-FFF2-40B4-BE49-F238E27FC236}">
+                <a16:creationId xmlns:a16="http://schemas.microsoft.com/office/drawing/2014/main" id="{8D71EDA1-87BF-4D5D-AB79-F346FD19278A}"/>
+              </a:ext>
+              <a:ext uri="{C183D7F6-B498-43B3-948B-1728B52AA6E4}">
+                <adec:decorative xmlns:adec="http://schemas.microsoft.com/office/drawing/2017/decorative" val="1"/>
+              </a:ext>
+            </a:extLst>
+          </p:cNvPr>
+          <p:cNvSpPr>
+            <a:spLocks noGrp="1" noRot="1" noChangeAspect="1" noMove="1" noResize="1" noEditPoints="1" noAdjustHandles="1" noChangeArrowheads="1" noChangeShapeType="1" noTextEdit="1"/>
+          </p:cNvSpPr>
+          <p:nvPr>
+            <p:extLst>
+              <p:ext uri="{386F3935-93C4-4BCD-93E2-E3B085C9AB24}">
+                <p16:designElem xmlns:p16="http://schemas.microsoft.com/office/powerpoint/2015/main" val="1"/>
+              </p:ext>
+            </p:extLst>
+          </p:nvPr>
+        </p:nvSpPr>
+        <p:spPr>
+          <a:xfrm rot="5400000" flipH="1">
+            <a:off x="-1410093" y="1399943"/>
+            <a:ext cx="6858003" cy="4037835"/>
+          </a:xfrm>
+          <a:prstGeom prst="rect">
+            <a:avLst/>
+          </a:prstGeom>
+          <a:gradFill>
+            <a:gsLst>
+              <a:gs pos="0">
+                <a:srgbClr val="000000">
+                  <a:alpha val="0"/>
+                </a:srgbClr>
+              </a:gs>
+              <a:gs pos="99000">
+                <a:schemeClr val="accent1">
+                  <a:lumMod val="60000"/>
+                  <a:lumOff val="40000"/>
+                  <a:alpha val="11000"/>
+                </a:schemeClr>
+              </a:gs>
+            </a:gsLst>
+            <a:lin ang="7200000" scaled="0"/>
+          </a:gradFill>
+          <a:ln>
+            <a:noFill/>
+          </a:ln>
+        </p:spPr>
+        <p:style>
+          <a:lnRef idx="2">
+            <a:schemeClr val="accent1">
+              <a:shade val="50000"/>
+            </a:schemeClr>
+          </a:lnRef>
+          <a:fillRef idx="1">
+            <a:schemeClr val="accent1"/>
+          </a:fillRef>
+          <a:effectRef idx="0">
+            <a:schemeClr val="accent1"/>
+          </a:effectRef>
+          <a:fontRef idx="minor">
+            <a:schemeClr val="lt1"/>
+          </a:fontRef>
+        </p:style>
+        <p:txBody>
+          <a:bodyPr rtlCol="0" anchor="ctr"/>
+          <a:lstStyle/>
+          <a:p>
+            <a:pPr algn="ctr"/>
+            <a:endParaRPr lang="en-US"/>
+          </a:p>
+        </p:txBody>
+      </p:sp>
+      <p:sp>
+        <p:nvSpPr>
+          <p:cNvPr id="2" name="Title 1">
+            <a:extLst>
+              <a:ext uri="{FF2B5EF4-FFF2-40B4-BE49-F238E27FC236}">
+                <a16:creationId xmlns:a16="http://schemas.microsoft.com/office/drawing/2014/main" id="{46E91C97-A06F-AC4A-8D1E-7409EF5640B1}"/>
+              </a:ext>
+            </a:extLst>
+          </p:cNvPr>
+          <p:cNvSpPr>
+            <a:spLocks noGrp="1"/>
+          </p:cNvSpPr>
+          <p:nvPr>
+            <p:ph type="title"/>
+          </p:nvPr>
+        </p:nvSpPr>
+        <p:spPr>
+          <a:xfrm>
+            <a:off x="466722" y="586855"/>
+            <a:ext cx="3201366" cy="3387497"/>
+          </a:xfrm>
+        </p:spPr>
+        <p:txBody>
+          <a:bodyPr anchor="b">
+            <a:normAutofit/>
+          </a:bodyPr>
+          <a:lstStyle/>
+          <a:p>
+            <a:pPr algn="r"/>
+            <a:r>
+              <a:rPr lang="en-US" sz="4000" dirty="0">
+                <a:solidFill>
+                  <a:srgbClr val="FFFFFF"/>
+                </a:solidFill>
+              </a:rPr>
+              <a:t>Next Steps…</a:t>
+            </a:r>
+          </a:p>
+        </p:txBody>
+      </p:sp>
+      <p:sp>
+        <p:nvSpPr>
+          <p:cNvPr id="3" name="Content Placeholder 2">
+            <a:extLst>
+              <a:ext uri="{FF2B5EF4-FFF2-40B4-BE49-F238E27FC236}">
+                <a16:creationId xmlns:a16="http://schemas.microsoft.com/office/drawing/2014/main" id="{F0879E51-3025-FD47-A6D2-158E9D009E69}"/>
+              </a:ext>
+            </a:extLst>
+          </p:cNvPr>
+          <p:cNvSpPr>
+            <a:spLocks noGrp="1"/>
+          </p:cNvSpPr>
+          <p:nvPr>
+            <p:ph idx="1"/>
+          </p:nvPr>
+        </p:nvSpPr>
+        <p:spPr>
+          <a:xfrm>
+            <a:off x="4810259" y="649480"/>
+            <a:ext cx="6555347" cy="5546047"/>
+          </a:xfrm>
+        </p:spPr>
+        <p:txBody>
+          <a:bodyPr anchor="ctr">
+            <a:normAutofit/>
+          </a:bodyPr>
+          <a:lstStyle/>
+          <a:p>
+            <a:pPr marL="0" indent="0">
+              <a:buNone/>
+            </a:pPr>
+            <a:r>
+              <a:rPr lang="en-US" sz="2000" dirty="0"/>
+              <a:t>Next steps...</a:t>
+            </a:r>
+          </a:p>
+          <a:p>
+            <a:pPr marL="0" indent="0">
+              <a:buNone/>
+            </a:pPr>
+            <a:r>
+              <a:rPr lang="en-US" sz="2000" dirty="0"/>
+              <a:t>1) Perform Sentiment analysis at 6 months then a year to see how much better or worse the product has improved.</a:t>
+            </a:r>
+          </a:p>
+          <a:p>
+            <a:pPr marL="0" indent="0">
+              <a:buNone/>
+            </a:pPr>
+            <a:endParaRPr lang="en-US" sz="2000" dirty="0"/>
+          </a:p>
+          <a:p>
+            <a:pPr marL="0" indent="0">
+              <a:buNone/>
+            </a:pPr>
+            <a:r>
+              <a:rPr lang="en-US" sz="2000" dirty="0"/>
+              <a:t>2) Based on </a:t>
+            </a:r>
+            <a:r>
+              <a:rPr lang="en-US" sz="2000"/>
+              <a:t>the reviews</a:t>
+            </a:r>
+            <a:r>
+              <a:rPr lang="en-US" sz="2000" dirty="0"/>
+              <a:t>, make improvements to product to please customer.</a:t>
+            </a:r>
+          </a:p>
+          <a:p>
+            <a:pPr marL="0" indent="0">
+              <a:buNone/>
+            </a:pPr>
+            <a:endParaRPr lang="en-US" sz="2000" dirty="0"/>
+          </a:p>
+          <a:p>
+            <a:pPr marL="0" indent="0">
+              <a:buNone/>
+            </a:pPr>
+            <a:r>
+              <a:rPr lang="en-US" sz="2000" dirty="0"/>
+              <a:t>3) Perform on other companies that make smart phones such as Nokia, Samsung, Huawei see how they are doing using sentiment analysis</a:t>
+            </a:r>
+            <a:endParaRPr lang="en-US" dirty="0"/>
+          </a:p>
+        </p:txBody>
+      </p:sp>
+    </p:spTree>
+    <p:extLst>
+      <p:ext uri="{BB962C8B-B14F-4D97-AF65-F5344CB8AC3E}">
+        <p14:creationId xmlns:p14="http://schemas.microsoft.com/office/powerpoint/2010/main" val="1615981459"/>
+      </p:ext>
+    </p:extLst>
+  </p:cSld>
+  <p:clrMapOvr>
+    <a:masterClrMapping/>
+  </p:clrMapOvr>
+</p:sld>
+</file>
+
+<file path=ppt/slides/slide19.xml><?xml version="1.0" encoding="utf-8"?>
+<p:sld xmlns:a="http://schemas.openxmlformats.org/drawingml/2006/main" xmlns:r="http://schemas.openxmlformats.org/officeDocument/2006/relationships" xmlns:p="http://schemas.openxmlformats.org/presentationml/2006/main">
+  <p:cSld>
+    <p:bg>
+      <p:bgPr>
+        <a:solidFill>
+          <a:schemeClr val="bg1">
+            <a:tint val="95000"/>
+            <a:satMod val="170000"/>
+          </a:schemeClr>
+        </a:solidFill>
+        <a:effectLst/>
+      </p:bgPr>
+    </p:bg>
+    <p:spTree>
+      <p:nvGrpSpPr>
+        <p:cNvPr id="1" name=""/>
+        <p:cNvGrpSpPr/>
+        <p:nvPr/>
+      </p:nvGrpSpPr>
+      <p:grpSpPr>
+        <a:xfrm>
+          <a:off x="0" y="0"/>
+          <a:ext cx="0" cy="0"/>
+          <a:chOff x="0" y="0"/>
+          <a:chExt cx="0" cy="0"/>
+        </a:xfrm>
+      </p:grpSpPr>
+      <p:sp>
+        <p:nvSpPr>
+          <p:cNvPr id="2" name="Title 1">
+            <a:extLst>
+              <a:ext uri="{FF2B5EF4-FFF2-40B4-BE49-F238E27FC236}">
+                <a16:creationId xmlns:a16="http://schemas.microsoft.com/office/drawing/2014/main" id="{9B084033-13FC-4C4D-9949-214B40020603}"/>
+              </a:ext>
+            </a:extLst>
+          </p:cNvPr>
+          <p:cNvSpPr>
+            <a:spLocks noGrp="1"/>
+          </p:cNvSpPr>
+          <p:nvPr>
+            <p:ph type="title"/>
+          </p:nvPr>
+        </p:nvSpPr>
+        <p:spPr>
+          <a:xfrm>
+            <a:off x="7464614" y="1783959"/>
+            <a:ext cx="4087306" cy="2889114"/>
+          </a:xfrm>
+        </p:spPr>
+        <p:txBody>
+          <a:bodyPr vert="horz" lIns="91440" tIns="45720" rIns="91440" bIns="45720" rtlCol="0" anchor="b">
+            <a:normAutofit/>
+          </a:bodyPr>
+          <a:lstStyle/>
+          <a:p>
+            <a:r>
+              <a:rPr lang="en-US" sz="5400"/>
+              <a:t>Thank you!</a:t>
+            </a:r>
+          </a:p>
+        </p:txBody>
+      </p:sp>
+      <p:sp>
+        <p:nvSpPr>
+          <p:cNvPr id="9" name="Freeform: Shape 8">
+            <a:extLst>
+              <a:ext uri="{FF2B5EF4-FFF2-40B4-BE49-F238E27FC236}">
+                <a16:creationId xmlns:a16="http://schemas.microsoft.com/office/drawing/2014/main" id="{E49CC64F-7275-4E33-961B-0C5CDC439875}"/>
+              </a:ext>
+              <a:ext uri="{C183D7F6-B498-43B3-948B-1728B52AA6E4}">
+                <adec:decorative xmlns:adec="http://schemas.microsoft.com/office/drawing/2017/decorative" val="1"/>
+              </a:ext>
+            </a:extLst>
+          </p:cNvPr>
+          <p:cNvSpPr>
+            <a:spLocks noGrp="1" noRot="1" noChangeAspect="1" noMove="1" noResize="1" noEditPoints="1" noAdjustHandles="1" noChangeArrowheads="1" noChangeShapeType="1" noTextEdit="1"/>
+          </p:cNvSpPr>
+          <p:nvPr>
+            <p:extLst>
+              <p:ext uri="{386F3935-93C4-4BCD-93E2-E3B085C9AB24}">
+                <p16:designElem xmlns:p16="http://schemas.microsoft.com/office/powerpoint/2015/main" val="1"/>
+              </p:ext>
+            </p:extLst>
+          </p:nvPr>
+        </p:nvSpPr>
+        <p:spPr>
+          <a:xfrm flipH="1" flipV="1">
+            <a:off x="1" y="0"/>
+            <a:ext cx="7188051" cy="6858000"/>
+          </a:xfrm>
+          <a:custGeom>
+            <a:avLst/>
+            <a:gdLst>
+              <a:gd name="connsiteX0" fmla="*/ 7188051 w 7188051"/>
+              <a:gd name="connsiteY0" fmla="*/ 6858000 h 6858000"/>
+              <a:gd name="connsiteX1" fmla="*/ 108694 w 7188051"/>
+              <a:gd name="connsiteY1" fmla="*/ 6858000 h 6858000"/>
+              <a:gd name="connsiteX2" fmla="*/ 79127 w 7188051"/>
+              <a:gd name="connsiteY2" fmla="*/ 6681235 h 6858000"/>
+              <a:gd name="connsiteX3" fmla="*/ 0 w 7188051"/>
+              <a:gd name="connsiteY3" fmla="*/ 5565888 h 6858000"/>
+              <a:gd name="connsiteX4" fmla="*/ 2190696 w 7188051"/>
+              <a:gd name="connsiteY4" fmla="*/ 145339 h 6858000"/>
+              <a:gd name="connsiteX5" fmla="*/ 2339431 w 7188051"/>
+              <a:gd name="connsiteY5" fmla="*/ 0 h 6858000"/>
+              <a:gd name="connsiteX6" fmla="*/ 7188051 w 7188051"/>
+              <a:gd name="connsiteY6" fmla="*/ 0 h 6858000"/>
+            </a:gdLst>
+            <a:ahLst/>
+            <a:cxnLst>
+              <a:cxn ang="0">
+                <a:pos x="connsiteX0" y="connsiteY0"/>
+              </a:cxn>
+              <a:cxn ang="0">
+                <a:pos x="connsiteX1" y="connsiteY1"/>
+              </a:cxn>
+              <a:cxn ang="0">
+                <a:pos x="connsiteX2" y="connsiteY2"/>
+              </a:cxn>
+              <a:cxn ang="0">
+                <a:pos x="connsiteX3" y="connsiteY3"/>
+              </a:cxn>
+              <a:cxn ang="0">
+                <a:pos x="connsiteX4" y="connsiteY4"/>
+              </a:cxn>
+              <a:cxn ang="0">
+                <a:pos x="connsiteX5" y="connsiteY5"/>
+              </a:cxn>
+              <a:cxn ang="0">
+                <a:pos x="connsiteX6" y="connsiteY6"/>
+              </a:cxn>
+            </a:cxnLst>
+            <a:rect l="l" t="t" r="r" b="b"/>
+            <a:pathLst>
+              <a:path w="7188051" h="6858000">
+                <a:moveTo>
+                  <a:pt x="7188051" y="6858000"/>
+                </a:moveTo>
+                <a:lnTo>
+                  <a:pt x="108694" y="6858000"/>
+                </a:lnTo>
+                <a:lnTo>
+                  <a:pt x="79127" y="6681235"/>
+                </a:lnTo>
+                <a:cubicBezTo>
+                  <a:pt x="26981" y="6316967"/>
+                  <a:pt x="0" y="5944579"/>
+                  <a:pt x="0" y="5565888"/>
+                </a:cubicBezTo>
+                <a:cubicBezTo>
+                  <a:pt x="0" y="3459953"/>
+                  <a:pt x="834428" y="1548908"/>
+                  <a:pt x="2190696" y="145339"/>
+                </a:cubicBezTo>
+                <a:lnTo>
+                  <a:pt x="2339431" y="0"/>
+                </a:lnTo>
+                <a:lnTo>
+                  <a:pt x="7188051" y="0"/>
+                </a:lnTo>
+                <a:close/>
+              </a:path>
+            </a:pathLst>
+          </a:custGeom>
+          <a:solidFill>
+            <a:schemeClr val="tx1">
+              <a:alpha val="80000"/>
+            </a:schemeClr>
+          </a:solidFill>
+          <a:ln>
+            <a:noFill/>
+          </a:ln>
+        </p:spPr>
+        <p:style>
+          <a:lnRef idx="2">
+            <a:schemeClr val="accent1">
+              <a:shade val="50000"/>
+            </a:schemeClr>
+          </a:lnRef>
+          <a:fillRef idx="1">
+            <a:schemeClr val="accent1"/>
+          </a:fillRef>
+          <a:effectRef idx="0">
+            <a:schemeClr val="accent1"/>
+          </a:effectRef>
+          <a:fontRef idx="minor">
+            <a:schemeClr val="lt1"/>
+          </a:fontRef>
+        </p:style>
+        <p:txBody>
+          <a:bodyPr wrap="square" rtlCol="0" anchor="ctr">
+            <a:noAutofit/>
+          </a:bodyPr>
+          <a:lstStyle/>
+          <a:p>
+            <a:pPr algn="ctr"/>
+            <a:endParaRPr lang="en-US"/>
+          </a:p>
+        </p:txBody>
+      </p:sp>
+      <p:pic>
+        <p:nvPicPr>
+          <p:cNvPr id="5" name="Picture 4" descr="Aerial view of a highway near the ocean">
+            <a:extLst>
+              <a:ext uri="{FF2B5EF4-FFF2-40B4-BE49-F238E27FC236}">
+                <a16:creationId xmlns:a16="http://schemas.microsoft.com/office/drawing/2014/main" id="{1261D5C9-ECCF-4CB6-BDA8-D7BB7D99EE31}"/>
+              </a:ext>
+            </a:extLst>
+          </p:cNvPr>
+          <p:cNvPicPr>
+            <a:picLocks noChangeAspect="1"/>
+          </p:cNvPicPr>
+          <p:nvPr/>
+        </p:nvPicPr>
+        <p:blipFill rotWithShape="1">
+          <a:blip r:embed="rId2"/>
+          <a:srcRect l="15115" r="8020"/>
+          <a:stretch/>
+        </p:blipFill>
+        <p:spPr>
+          <a:xfrm>
+            <a:off x="1" y="10"/>
+            <a:ext cx="7028495" cy="6857990"/>
+          </a:xfrm>
+          <a:custGeom>
+            <a:avLst/>
+            <a:gdLst/>
+            <a:ahLst/>
+            <a:cxnLst/>
+            <a:rect l="l" t="t" r="r" b="b"/>
+            <a:pathLst>
+              <a:path w="7028495" h="6858000">
+                <a:moveTo>
+                  <a:pt x="0" y="0"/>
+                </a:moveTo>
+                <a:lnTo>
+                  <a:pt x="6915668" y="0"/>
+                </a:lnTo>
+                <a:lnTo>
+                  <a:pt x="6952411" y="219663"/>
+                </a:lnTo>
+                <a:cubicBezTo>
+                  <a:pt x="7002551" y="569921"/>
+                  <a:pt x="7028495" y="927986"/>
+                  <a:pt x="7028495" y="1292112"/>
+                </a:cubicBezTo>
+                <a:cubicBezTo>
+                  <a:pt x="7028495" y="3343346"/>
+                  <a:pt x="6205186" y="5202289"/>
+                  <a:pt x="4870994" y="6556512"/>
+                </a:cubicBezTo>
+                <a:lnTo>
+                  <a:pt x="4556185" y="6858000"/>
+                </a:lnTo>
+                <a:lnTo>
+                  <a:pt x="0" y="6858000"/>
+                </a:lnTo>
+                <a:close/>
+              </a:path>
+            </a:pathLst>
+          </a:custGeom>
+        </p:spPr>
+      </p:pic>
+    </p:spTree>
+    <p:extLst>
+      <p:ext uri="{BB962C8B-B14F-4D97-AF65-F5344CB8AC3E}">
+        <p14:creationId xmlns:p14="http://schemas.microsoft.com/office/powerpoint/2010/main" val="2050843898"/>
+      </p:ext>
+    </p:extLst>
+  </p:cSld>
+  <p:clrMapOvr>
+    <a:overrideClrMapping bg1="dk1" tx1="lt1" bg2="dk2" tx2="lt2" accent1="accent1" accent2="accent2" accent3="accent3" accent4="accent4" accent5="accent5" accent6="accent6" hlink="hlink" folHlink="folHlink"/>
+  </p:clrMapOvr>
+</p:sld>
+</file>
+
+<file path=ppt/slides/slide2.xml><?xml version="1.0" encoding="utf-8"?>
+<p:sld xmlns:a="http://schemas.openxmlformats.org/drawingml/2006/main" xmlns:r="http://schemas.openxmlformats.org/officeDocument/2006/relationships" xmlns:p="http://schemas.openxmlformats.org/presentationml/2006/main">
+  <p:cSld>
+    <p:bg>
+      <p:bgPr>
+        <a:solidFill>
+          <a:schemeClr val="bg1"/>
+        </a:solidFill>
+        <a:effectLst/>
+      </p:bgPr>
+    </p:bg>
+    <p:spTree>
+      <p:nvGrpSpPr>
+        <p:cNvPr id="1" name=""/>
+        <p:cNvGrpSpPr/>
+        <p:nvPr/>
+      </p:nvGrpSpPr>
+      <p:grpSpPr>
+        <a:xfrm>
+          <a:off x="0" y="0"/>
+          <a:ext cx="0" cy="0"/>
+          <a:chOff x="0" y="0"/>
+          <a:chExt cx="0" cy="0"/>
+        </a:xfrm>
+      </p:grpSpPr>
+      <p:sp>
+        <p:nvSpPr>
+          <p:cNvPr id="9" name="Rectangle 8">
+            <a:extLst>
+              <a:ext uri="{FF2B5EF4-FFF2-40B4-BE49-F238E27FC236}">
+                <a16:creationId xmlns:a16="http://schemas.microsoft.com/office/drawing/2014/main" id="{B819A166-7571-4003-A6B8-B62034C3ED30}"/>
+              </a:ext>
+              <a:ext uri="{C183D7F6-B498-43B3-948B-1728B52AA6E4}">
+                <adec:decorative xmlns:adec="http://schemas.microsoft.com/office/drawing/2017/decorative" val="1"/>
+              </a:ext>
+            </a:extLst>
+          </p:cNvPr>
+          <p:cNvSpPr>
+            <a:spLocks noGrp="1" noRot="1" noChangeAspect="1" noMove="1" noResize="1" noEditPoints="1" noAdjustHandles="1" noChangeArrowheads="1" noChangeShapeType="1" noTextEdit="1"/>
+          </p:cNvSpPr>
+          <p:nvPr>
+            <p:extLst>
+              <p:ext uri="{386F3935-93C4-4BCD-93E2-E3B085C9AB24}">
+                <p16:designElem xmlns:p16="http://schemas.microsoft.com/office/powerpoint/2015/main" val="1"/>
+              </p:ext>
+            </p:extLst>
+          </p:nvPr>
+        </p:nvSpPr>
+        <p:spPr>
+          <a:xfrm>
+            <a:off x="-1" y="0"/>
+            <a:ext cx="5093209" cy="6858000"/>
+          </a:xfrm>
+          <a:prstGeom prst="rect">
+            <a:avLst/>
+          </a:prstGeom>
+          <a:solidFill>
+            <a:schemeClr val="accent1"/>
+          </a:solidFill>
+          <a:ln>
+            <a:noFill/>
+          </a:ln>
+        </p:spPr>
+        <p:style>
+          <a:lnRef idx="2">
+            <a:schemeClr val="accent1">
+              <a:shade val="50000"/>
+            </a:schemeClr>
+          </a:lnRef>
+          <a:fillRef idx="1">
+            <a:schemeClr val="accent1"/>
+          </a:fillRef>
+          <a:effectRef idx="0">
+            <a:schemeClr val="accent1"/>
+          </a:effectRef>
+          <a:fontRef idx="minor">
+            <a:schemeClr val="lt1"/>
+          </a:fontRef>
+        </p:style>
+        <p:txBody>
+          <a:bodyPr rtlCol="0" anchor="ctr"/>
+          <a:lstStyle/>
+          <a:p>
+            <a:pPr algn="ctr"/>
+            <a:endParaRPr lang="en-US" dirty="0"/>
+          </a:p>
+        </p:txBody>
+      </p:sp>
+      <p:sp>
+        <p:nvSpPr>
+          <p:cNvPr id="2" name="Title 1">
+            <a:extLst>
+              <a:ext uri="{FF2B5EF4-FFF2-40B4-BE49-F238E27FC236}">
+                <a16:creationId xmlns:a16="http://schemas.microsoft.com/office/drawing/2014/main" id="{09CDC13B-4BA8-9F49-9709-0E961F8D583F}"/>
+              </a:ext>
+            </a:extLst>
+          </p:cNvPr>
+          <p:cNvSpPr>
+            <a:spLocks noGrp="1"/>
+          </p:cNvSpPr>
+          <p:nvPr>
+            <p:ph type="title"/>
+          </p:nvPr>
+        </p:nvSpPr>
+        <p:spPr>
+          <a:xfrm>
+            <a:off x="524741" y="620392"/>
+            <a:ext cx="3808268" cy="5504688"/>
+          </a:xfrm>
+        </p:spPr>
+        <p:txBody>
+          <a:bodyPr>
+            <a:normAutofit/>
+          </a:bodyPr>
+          <a:lstStyle/>
+          <a:p>
+            <a:r>
+              <a:rPr lang="en-US" sz="6000">
+                <a:solidFill>
+                  <a:schemeClr val="bg1"/>
+                </a:solidFill>
+              </a:rPr>
+              <a:t>Outline</a:t>
+            </a:r>
+          </a:p>
+        </p:txBody>
+      </p:sp>
+      <p:graphicFrame>
+        <p:nvGraphicFramePr>
+          <p:cNvPr id="5" name="Content Placeholder 2">
+            <a:extLst>
+              <a:ext uri="{FF2B5EF4-FFF2-40B4-BE49-F238E27FC236}">
+                <a16:creationId xmlns:a16="http://schemas.microsoft.com/office/drawing/2014/main" id="{F41589F1-FB7D-406E-8E41-0C198746D284}"/>
+              </a:ext>
+            </a:extLst>
+          </p:cNvPr>
+          <p:cNvGraphicFramePr>
+            <a:graphicFrameLocks noGrp="1"/>
+          </p:cNvGraphicFramePr>
+          <p:nvPr>
+            <p:ph idx="1"/>
+            <p:extLst>
+              <p:ext uri="{D42A27DB-BD31-4B8C-83A1-F6EECF244321}">
+                <p14:modId xmlns:p14="http://schemas.microsoft.com/office/powerpoint/2010/main" val="3275262890"/>
+              </p:ext>
+            </p:extLst>
+          </p:nvPr>
+        </p:nvGraphicFramePr>
+        <p:xfrm>
+          <a:off x="5468389" y="620392"/>
+          <a:ext cx="6263640" cy="5504688"/>
+        </p:xfrm>
+        <a:graphic>
+          <a:graphicData uri="http://schemas.openxmlformats.org/drawingml/2006/diagram">
+            <dgm:relIds xmlns:dgm="http://schemas.openxmlformats.org/drawingml/2006/diagram" xmlns:r="http://schemas.openxmlformats.org/officeDocument/2006/relationships" r:dm="rId2" r:lo="rId3" r:qs="rId4" r:cs="rId5"/>
+          </a:graphicData>
+        </a:graphic>
+      </p:graphicFrame>
+    </p:spTree>
+    <p:extLst>
+      <p:ext uri="{BB962C8B-B14F-4D97-AF65-F5344CB8AC3E}">
+        <p14:creationId xmlns:p14="http://schemas.microsoft.com/office/powerpoint/2010/main" val="3820430782"/>
+      </p:ext>
+    </p:extLst>
+  </p:cSld>
+  <p:clrMapOvr>
+    <a:masterClrMapping/>
+  </p:clrMapOvr>
+</p:sld>
+</file>
+
+<file path=ppt/slides/slide3.xml><?xml version="1.0" encoding="utf-8"?>
+<p:sld xmlns:a="http://schemas.openxmlformats.org/drawingml/2006/main" xmlns:r="http://schemas.openxmlformats.org/officeDocument/2006/relationships" xmlns:p="http://schemas.openxmlformats.org/presentationml/2006/main">
+  <p:cSld>
+    <p:bg>
+      <p:bgPr>
+        <a:solidFill>
+          <a:schemeClr val="bg1"/>
+        </a:solidFill>
+        <a:effectLst/>
+      </p:bgPr>
+    </p:bg>
+    <p:spTree>
+      <p:nvGrpSpPr>
+        <p:cNvPr id="1" name=""/>
+        <p:cNvGrpSpPr/>
+        <p:nvPr/>
+      </p:nvGrpSpPr>
+      <p:grpSpPr>
+        <a:xfrm>
+          <a:off x="0" y="0"/>
+          <a:ext cx="0" cy="0"/>
+          <a:chOff x="0" y="0"/>
+          <a:chExt cx="0" cy="0"/>
+        </a:xfrm>
+      </p:grpSpPr>
+      <p:sp>
+        <p:nvSpPr>
+          <p:cNvPr id="2" name="Title 1">
+            <a:extLst>
+              <a:ext uri="{FF2B5EF4-FFF2-40B4-BE49-F238E27FC236}">
+                <a16:creationId xmlns:a16="http://schemas.microsoft.com/office/drawing/2014/main" id="{036889FD-31F8-744B-849A-1E6652BB52C1}"/>
+              </a:ext>
+            </a:extLst>
+          </p:cNvPr>
+          <p:cNvSpPr>
+            <a:spLocks noGrp="1"/>
+          </p:cNvSpPr>
+          <p:nvPr>
+            <p:ph type="title"/>
+          </p:nvPr>
+        </p:nvSpPr>
+        <p:spPr>
+          <a:xfrm>
+            <a:off x="4965430" y="629268"/>
+            <a:ext cx="6586491" cy="1286160"/>
+          </a:xfrm>
+        </p:spPr>
+        <p:txBody>
+          <a:bodyPr anchor="b">
+            <a:normAutofit/>
+          </a:bodyPr>
+          <a:lstStyle/>
+          <a:p>
+            <a:r>
+              <a:rPr lang="en-US" dirty="0"/>
+              <a:t>Background</a:t>
+            </a:r>
+          </a:p>
+        </p:txBody>
+      </p:sp>
+      <p:sp>
+        <p:nvSpPr>
+          <p:cNvPr id="3" name="Content Placeholder 2">
+            <a:extLst>
+              <a:ext uri="{FF2B5EF4-FFF2-40B4-BE49-F238E27FC236}">
+                <a16:creationId xmlns:a16="http://schemas.microsoft.com/office/drawing/2014/main" id="{D02A6774-4342-3947-A4BF-456CA6E71817}"/>
+              </a:ext>
+            </a:extLst>
+          </p:cNvPr>
+          <p:cNvSpPr>
+            <a:spLocks noGrp="1"/>
+          </p:cNvSpPr>
+          <p:nvPr>
+            <p:ph idx="1"/>
+          </p:nvPr>
+        </p:nvSpPr>
+        <p:spPr>
+          <a:xfrm>
+            <a:off x="4965431" y="2438400"/>
+            <a:ext cx="6586489" cy="3785419"/>
+          </a:xfrm>
+        </p:spPr>
+        <p:txBody>
+          <a:bodyPr>
+            <a:normAutofit/>
+          </a:bodyPr>
+          <a:lstStyle/>
+          <a:p>
+            <a:r>
+              <a:rPr lang="en-US" sz="2000" dirty="0"/>
+              <a:t>A new iPhone and Android has just been released. </a:t>
+            </a:r>
+          </a:p>
+          <a:p>
+            <a:r>
+              <a:rPr lang="en-US" sz="2000" dirty="0"/>
+              <a:t>Attendees are voicing their opinions on twitter. </a:t>
+            </a:r>
+          </a:p>
+          <a:p>
+            <a:r>
+              <a:rPr lang="en-US" sz="2000" dirty="0"/>
+              <a:t>Using Natural Language Processing (NLP), we can determine what are the most common words being used and what tone. </a:t>
+            </a:r>
+          </a:p>
+          <a:p>
+            <a:r>
+              <a:rPr lang="en-US" sz="2000" dirty="0"/>
+              <a:t> Identify the best model for future predictions. </a:t>
+            </a:r>
+          </a:p>
+        </p:txBody>
+      </p:sp>
+      <p:pic>
+        <p:nvPicPr>
+          <p:cNvPr id="5" name="Picture 4" descr="Different numbers in 3D">
+            <a:extLst>
+              <a:ext uri="{FF2B5EF4-FFF2-40B4-BE49-F238E27FC236}">
+                <a16:creationId xmlns:a16="http://schemas.microsoft.com/office/drawing/2014/main" id="{AE7B3AC8-F20F-4597-94E7-7EDCBC195057}"/>
+              </a:ext>
+            </a:extLst>
+          </p:cNvPr>
+          <p:cNvPicPr>
+            <a:picLocks noChangeAspect="1"/>
+          </p:cNvPicPr>
+          <p:nvPr/>
+        </p:nvPicPr>
+        <p:blipFill rotWithShape="1">
+          <a:blip r:embed="rId2"/>
+          <a:srcRect l="33649" r="28330"/>
+          <a:stretch/>
+        </p:blipFill>
+        <p:spPr>
+          <a:xfrm>
+            <a:off x="20" y="10"/>
+            <a:ext cx="4635571" cy="6857990"/>
+          </a:xfrm>
+          <a:prstGeom prst="rect">
+            <a:avLst/>
+          </a:prstGeom>
+          <a:effectLst/>
+        </p:spPr>
+      </p:pic>
+      <p:cxnSp>
+        <p:nvCxnSpPr>
+          <p:cNvPr id="9" name="Straight Connector 8">
+            <a:extLst>
+              <a:ext uri="{FF2B5EF4-FFF2-40B4-BE49-F238E27FC236}">
+                <a16:creationId xmlns:a16="http://schemas.microsoft.com/office/drawing/2014/main" id="{A7F400EE-A8A5-48AF-B4D6-291B52C6F0B0}"/>
+              </a:ext>
+              <a:ext uri="{C183D7F6-B498-43B3-948B-1728B52AA6E4}">
+                <adec:decorative xmlns:adec="http://schemas.microsoft.com/office/drawing/2017/decorative" val="1"/>
+              </a:ext>
+            </a:extLst>
+          </p:cNvPr>
+          <p:cNvCxnSpPr>
+            <a:cxnSpLocks noGrp="1" noRot="1" noChangeAspect="1" noMove="1" noResize="1" noEditPoints="1" noAdjustHandles="1" noChangeArrowheads="1" noChangeShapeType="1"/>
+          </p:cNvCxnSpPr>
+          <p:nvPr>
+            <p:extLst>
+              <p:ext uri="{386F3935-93C4-4BCD-93E2-E3B085C9AB24}">
+                <p16:designElem xmlns:p16="http://schemas.microsoft.com/office/powerpoint/2015/main" val="1"/>
+              </p:ext>
+            </p:extLst>
+          </p:nvPr>
+        </p:nvCxnSpPr>
+        <p:spPr>
+          <a:xfrm>
+            <a:off x="5080934" y="2115117"/>
+            <a:ext cx="6309360" cy="0"/>
+          </a:xfrm>
+          <a:prstGeom prst="line">
+            <a:avLst/>
+          </a:prstGeom>
+          <a:ln w="19050">
+            <a:solidFill>
+              <a:srgbClr val="63C3D0"/>
+            </a:solidFill>
+          </a:ln>
+        </p:spPr>
+        <p:style>
+          <a:lnRef idx="1">
+            <a:schemeClr val="accent1"/>
+          </a:lnRef>
+          <a:fillRef idx="0">
+            <a:schemeClr val="accent1"/>
+          </a:fillRef>
+          <a:effectRef idx="0">
+            <a:schemeClr val="accent1"/>
+          </a:effectRef>
+          <a:fontRef idx="minor">
+            <a:schemeClr val="tx1"/>
+          </a:fontRef>
+        </p:style>
+      </p:cxnSp>
+    </p:spTree>
+    <p:extLst>
+      <p:ext uri="{BB962C8B-B14F-4D97-AF65-F5344CB8AC3E}">
+        <p14:creationId xmlns:p14="http://schemas.microsoft.com/office/powerpoint/2010/main" val="1414301555"/>
+      </p:ext>
+    </p:extLst>
+  </p:cSld>
+  <p:clrMapOvr>
+    <a:masterClrMapping/>
+  </p:clrMapOvr>
+</p:sld>
+</file>
+
+<file path=ppt/slides/slide4.xml><?xml version="1.0" encoding="utf-8"?>
+<p:sld xmlns:a="http://schemas.openxmlformats.org/drawingml/2006/main" xmlns:r="http://schemas.openxmlformats.org/officeDocument/2006/relationships" xmlns:p="http://schemas.openxmlformats.org/presentationml/2006/main">
+  <p:cSld>
+    <p:bg>
+      <p:bgPr>
+        <a:solidFill>
+          <a:schemeClr val="bg1"/>
+        </a:solidFill>
+        <a:effectLst/>
+      </p:bgPr>
+    </p:bg>
+    <p:spTree>
+      <p:nvGrpSpPr>
+        <p:cNvPr id="1" name=""/>
+        <p:cNvGrpSpPr/>
+        <p:nvPr/>
+      </p:nvGrpSpPr>
+      <p:grpSpPr>
+        <a:xfrm>
+          <a:off x="0" y="0"/>
+          <a:ext cx="0" cy="0"/>
+          <a:chOff x="0" y="0"/>
+          <a:chExt cx="0" cy="0"/>
+        </a:xfrm>
+      </p:grpSpPr>
+      <p:sp useBgFill="1">
+        <p:nvSpPr>
+          <p:cNvPr id="8" name="Rectangle 7">
+            <a:extLst>
+              <a:ext uri="{FF2B5EF4-FFF2-40B4-BE49-F238E27FC236}">
+                <a16:creationId xmlns:a16="http://schemas.microsoft.com/office/drawing/2014/main" id="{09588DA8-065E-4F6F-8EFD-43104AB2E0CF}"/>
+              </a:ext>
+              <a:ext uri="{C183D7F6-B498-43B3-948B-1728B52AA6E4}">
+                <adec:decorative xmlns:adec="http://schemas.microsoft.com/office/drawing/2017/decorative" val="1"/>
+              </a:ext>
+            </a:extLst>
+          </p:cNvPr>
+          <p:cNvSpPr>
+            <a:spLocks noGrp="1" noRot="1" noChangeAspect="1" noMove="1" noResize="1" noEditPoints="1" noAdjustHandles="1" noChangeArrowheads="1" noChangeShapeType="1" noTextEdit="1"/>
+          </p:cNvSpPr>
+          <p:nvPr>
+            <p:extLst>
+              <p:ext uri="{386F3935-93C4-4BCD-93E2-E3B085C9AB24}">
+                <p16:designElem xmlns:p16="http://schemas.microsoft.com/office/powerpoint/2015/main" val="1"/>
+              </p:ext>
+            </p:extLst>
+          </p:nvPr>
+        </p:nvSpPr>
+        <p:spPr>
+          <a:xfrm>
+            <a:off x="0" y="0"/>
+            <a:ext cx="12192000" cy="6858000"/>
+          </a:xfrm>
+          <a:prstGeom prst="rect">
+            <a:avLst/>
+          </a:prstGeom>
+          <a:ln w="12700" cap="flat" cmpd="sng" algn="ctr">
+            <a:noFill/>
+            <a:prstDash val="solid"/>
+            <a:miter lim="800000"/>
+          </a:ln>
+          <a:effectLst/>
+          <a:extLst>
+            <a:ext uri="{91240B29-F687-4F45-9708-019B960494DF}">
+              <a14:hiddenLine xmlns:a14="http://schemas.microsoft.com/office/drawing/2010/main" w="12700" cap="flat" cmpd="sng" algn="ctr">
+                <a:solidFill>
+                  <a:schemeClr val="accent1">
+                    <a:shade val="50000"/>
+                  </a:schemeClr>
+                </a:solidFill>
+                <a:prstDash val="solid"/>
+                <a:miter lim="800000"/>
+              </a14:hiddenLine>
+            </a:ext>
+          </a:extLst>
+        </p:spPr>
+        <p:style>
+          <a:lnRef idx="2">
+            <a:schemeClr val="accent1">
+              <a:shade val="50000"/>
+            </a:schemeClr>
+          </a:lnRef>
+          <a:fillRef idx="1">
+            <a:schemeClr val="accent1"/>
+          </a:fillRef>
+          <a:effectRef idx="0">
+            <a:schemeClr val="accent1"/>
+          </a:effectRef>
+          <a:fontRef idx="minor">
+            <a:schemeClr val="lt1"/>
+          </a:fontRef>
+        </p:style>
+        <p:txBody>
+          <a:bodyPr rtlCol="0" anchor="ctr"/>
+          <a:lstStyle/>
+          <a:p>
+            <a:pPr algn="ctr"/>
+            <a:endParaRPr lang="en-US"/>
+          </a:p>
+        </p:txBody>
+      </p:sp>
+      <p:sp useBgFill="1">
+        <p:nvSpPr>
+          <p:cNvPr id="10" name="Rectangle 9">
+            <a:extLst>
+              <a:ext uri="{FF2B5EF4-FFF2-40B4-BE49-F238E27FC236}">
+                <a16:creationId xmlns:a16="http://schemas.microsoft.com/office/drawing/2014/main" id="{C4285719-470E-454C-AF62-8323075F1F5B}"/>
+              </a:ext>
+              <a:ext uri="{C183D7F6-B498-43B3-948B-1728B52AA6E4}">
+                <adec:decorative xmlns:adec="http://schemas.microsoft.com/office/drawing/2017/decorative" val="1"/>
+              </a:ext>
+            </a:extLst>
+          </p:cNvPr>
+          <p:cNvSpPr>
+            <a:spLocks noGrp="1" noRot="1" noChangeAspect="1" noMove="1" noResize="1" noEditPoints="1" noAdjustHandles="1" noChangeArrowheads="1" noChangeShapeType="1" noTextEdit="1"/>
+          </p:cNvSpPr>
+          <p:nvPr>
+            <p:extLst>
+              <p:ext uri="{386F3935-93C4-4BCD-93E2-E3B085C9AB24}">
+                <p16:designElem xmlns:p16="http://schemas.microsoft.com/office/powerpoint/2015/main" val="1"/>
+              </p:ext>
+            </p:extLst>
+          </p:nvPr>
+        </p:nvSpPr>
+        <p:spPr>
+          <a:xfrm>
+            <a:off x="0" y="0"/>
+            <a:ext cx="12188952" cy="6858000"/>
+          </a:xfrm>
+          <a:prstGeom prst="rect">
+            <a:avLst/>
+          </a:prstGeom>
+          <a:ln w="12700" cap="flat" cmpd="sng" algn="ctr">
+            <a:noFill/>
+            <a:prstDash val="solid"/>
+            <a:miter lim="800000"/>
+          </a:ln>
+          <a:effectLst/>
+          <a:extLst>
+            <a:ext uri="{91240B29-F687-4F45-9708-019B960494DF}">
+              <a14:hiddenLine xmlns:a14="http://schemas.microsoft.com/office/drawing/2010/main" w="12700" cap="flat" cmpd="sng" algn="ctr">
+                <a:solidFill>
+                  <a:schemeClr val="accent1">
+                    <a:shade val="50000"/>
+                  </a:schemeClr>
+                </a:solidFill>
+                <a:prstDash val="solid"/>
+                <a:miter lim="800000"/>
+              </a14:hiddenLine>
+            </a:ext>
+          </a:extLst>
+        </p:spPr>
+        <p:style>
+          <a:lnRef idx="2">
+            <a:schemeClr val="accent1">
+              <a:shade val="50000"/>
+            </a:schemeClr>
+          </a:lnRef>
+          <a:fillRef idx="1">
+            <a:schemeClr val="accent1"/>
+          </a:fillRef>
+          <a:effectRef idx="0">
+            <a:schemeClr val="accent1"/>
+          </a:effectRef>
+          <a:fontRef idx="minor">
+            <a:schemeClr val="lt1"/>
+          </a:fontRef>
+        </p:style>
+        <p:txBody>
+          <a:bodyPr rtlCol="0" anchor="ctr"/>
+          <a:lstStyle/>
+          <a:p>
+            <a:pPr algn="ctr"/>
+            <a:endParaRPr lang="en-US"/>
+          </a:p>
+        </p:txBody>
+      </p:sp>
+      <p:sp>
+        <p:nvSpPr>
+          <p:cNvPr id="12" name="Rectangle 11">
+            <a:extLst>
+              <a:ext uri="{FF2B5EF4-FFF2-40B4-BE49-F238E27FC236}">
+                <a16:creationId xmlns:a16="http://schemas.microsoft.com/office/drawing/2014/main" id="{CD9FE4EF-C4D8-49A0-B2FF-81D8DB7D8A24}"/>
+              </a:ext>
+              <a:ext uri="{C183D7F6-B498-43B3-948B-1728B52AA6E4}">
+                <adec:decorative xmlns:adec="http://schemas.microsoft.com/office/drawing/2017/decorative" val="1"/>
+              </a:ext>
+            </a:extLst>
+          </p:cNvPr>
+          <p:cNvSpPr>
+            <a:spLocks noGrp="1" noRot="1" noChangeAspect="1" noMove="1" noResize="1" noEditPoints="1" noAdjustHandles="1" noChangeArrowheads="1" noChangeShapeType="1" noTextEdit="1"/>
+          </p:cNvSpPr>
+          <p:nvPr>
+            <p:extLst>
+              <p:ext uri="{386F3935-93C4-4BCD-93E2-E3B085C9AB24}">
+                <p16:designElem xmlns:p16="http://schemas.microsoft.com/office/powerpoint/2015/main" val="1"/>
+              </p:ext>
+            </p:extLst>
+          </p:nvPr>
+        </p:nvSpPr>
+        <p:spPr>
+          <a:xfrm rot="5400000" flipH="1">
+            <a:off x="-1410084" y="1410082"/>
+            <a:ext cx="6858000" cy="4037836"/>
+          </a:xfrm>
+          <a:prstGeom prst="rect">
+            <a:avLst/>
+          </a:prstGeom>
+          <a:gradFill>
+            <a:gsLst>
+              <a:gs pos="8000">
+                <a:srgbClr val="000000"/>
+              </a:gs>
+              <a:gs pos="100000">
+                <a:schemeClr val="accent1">
+                  <a:lumMod val="75000"/>
+                </a:schemeClr>
+              </a:gs>
+            </a:gsLst>
+            <a:lin ang="3000000" scaled="0"/>
+          </a:gradFill>
+          <a:ln>
+            <a:noFill/>
+          </a:ln>
+        </p:spPr>
+        <p:style>
+          <a:lnRef idx="2">
+            <a:schemeClr val="accent1">
+              <a:shade val="50000"/>
+            </a:schemeClr>
+          </a:lnRef>
+          <a:fillRef idx="1">
+            <a:schemeClr val="accent1"/>
+          </a:fillRef>
+          <a:effectRef idx="0">
+            <a:schemeClr val="accent1"/>
+          </a:effectRef>
+          <a:fontRef idx="minor">
+            <a:schemeClr val="lt1"/>
+          </a:fontRef>
+        </p:style>
+        <p:txBody>
+          <a:bodyPr rtlCol="0" anchor="ctr"/>
+          <a:lstStyle/>
+          <a:p>
+            <a:pPr algn="ctr"/>
+            <a:endParaRPr lang="en-US"/>
+          </a:p>
+        </p:txBody>
+      </p:sp>
+      <p:sp>
+        <p:nvSpPr>
+          <p:cNvPr id="14" name="Rectangle 13">
+            <a:extLst>
+              <a:ext uri="{FF2B5EF4-FFF2-40B4-BE49-F238E27FC236}">
+                <a16:creationId xmlns:a16="http://schemas.microsoft.com/office/drawing/2014/main" id="{4300840D-0A0B-4512-BACA-B439D5B9C57C}"/>
+              </a:ext>
+              <a:ext uri="{C183D7F6-B498-43B3-948B-1728B52AA6E4}">
+                <adec:decorative xmlns:adec="http://schemas.microsoft.com/office/drawing/2017/decorative" val="1"/>
+              </a:ext>
+            </a:extLst>
+          </p:cNvPr>
+          <p:cNvSpPr>
+            <a:spLocks noGrp="1" noRot="1" noChangeAspect="1" noMove="1" noResize="1" noEditPoints="1" noAdjustHandles="1" noChangeArrowheads="1" noChangeShapeType="1" noTextEdit="1"/>
+          </p:cNvSpPr>
+          <p:nvPr>
+            <p:extLst>
+              <p:ext uri="{386F3935-93C4-4BCD-93E2-E3B085C9AB24}">
+                <p16:designElem xmlns:p16="http://schemas.microsoft.com/office/powerpoint/2015/main" val="1"/>
+              </p:ext>
+            </p:extLst>
+          </p:nvPr>
+        </p:nvSpPr>
+        <p:spPr>
+          <a:xfrm rot="5400000" flipH="1">
+            <a:off x="-1410085" y="1420219"/>
+            <a:ext cx="6857999" cy="4037839"/>
+          </a:xfrm>
+          <a:prstGeom prst="rect">
+            <a:avLst/>
+          </a:prstGeom>
+          <a:gradFill>
+            <a:gsLst>
+              <a:gs pos="0">
+                <a:srgbClr val="000000">
+                  <a:alpha val="0"/>
+                </a:srgbClr>
+              </a:gs>
+              <a:gs pos="99000">
+                <a:schemeClr val="accent1">
+                  <a:alpha val="46000"/>
+                </a:schemeClr>
+              </a:gs>
+            </a:gsLst>
+            <a:lin ang="1800000" scaled="0"/>
+          </a:gradFill>
+          <a:ln>
+            <a:noFill/>
+          </a:ln>
+        </p:spPr>
+        <p:style>
+          <a:lnRef idx="2">
+            <a:schemeClr val="accent1">
+              <a:shade val="50000"/>
+            </a:schemeClr>
+          </a:lnRef>
+          <a:fillRef idx="1">
+            <a:schemeClr val="accent1"/>
+          </a:fillRef>
+          <a:effectRef idx="0">
+            <a:schemeClr val="accent1"/>
+          </a:effectRef>
+          <a:fontRef idx="minor">
+            <a:schemeClr val="lt1"/>
+          </a:fontRef>
+        </p:style>
+        <p:txBody>
+          <a:bodyPr rtlCol="0" anchor="ctr"/>
+          <a:lstStyle/>
+          <a:p>
+            <a:pPr algn="ctr"/>
+            <a:endParaRPr lang="en-US"/>
+          </a:p>
+        </p:txBody>
+      </p:sp>
+      <p:sp>
+        <p:nvSpPr>
+          <p:cNvPr id="16" name="Rectangle 15">
+            <a:extLst>
+              <a:ext uri="{FF2B5EF4-FFF2-40B4-BE49-F238E27FC236}">
+                <a16:creationId xmlns:a16="http://schemas.microsoft.com/office/drawing/2014/main" id="{D2B78728-A580-49A7-84F9-6EF6F583ADE0}"/>
+              </a:ext>
+              <a:ext uri="{C183D7F6-B498-43B3-948B-1728B52AA6E4}">
+                <adec:decorative xmlns:adec="http://schemas.microsoft.com/office/drawing/2017/decorative" val="1"/>
+              </a:ext>
+            </a:extLst>
+          </p:cNvPr>
+          <p:cNvSpPr>
+            <a:spLocks noGrp="1" noRot="1" noChangeAspect="1" noMove="1" noResize="1" noEditPoints="1" noAdjustHandles="1" noChangeArrowheads="1" noChangeShapeType="1" noTextEdit="1"/>
+          </p:cNvSpPr>
+          <p:nvPr>
+            <p:extLst>
+              <p:ext uri="{386F3935-93C4-4BCD-93E2-E3B085C9AB24}">
+                <p16:designElem xmlns:p16="http://schemas.microsoft.com/office/powerpoint/2015/main" val="1"/>
+              </p:ext>
+            </p:extLst>
+          </p:nvPr>
+        </p:nvSpPr>
+        <p:spPr>
+          <a:xfrm rot="5400000" flipH="1">
+            <a:off x="767923" y="3588085"/>
+            <a:ext cx="2501979" cy="4037841"/>
+          </a:xfrm>
+          <a:prstGeom prst="rect">
+            <a:avLst/>
+          </a:prstGeom>
+          <a:gradFill>
+            <a:gsLst>
+              <a:gs pos="2000">
+                <a:schemeClr val="accent1">
+                  <a:alpha val="29000"/>
+                </a:schemeClr>
+              </a:gs>
+              <a:gs pos="100000">
+                <a:srgbClr val="000000">
+                  <a:alpha val="30000"/>
+                </a:srgbClr>
+              </a:gs>
+            </a:gsLst>
+            <a:lin ang="7800000" scaled="0"/>
+          </a:gradFill>
+          <a:ln>
+            <a:noFill/>
+          </a:ln>
+        </p:spPr>
+        <p:style>
+          <a:lnRef idx="2">
+            <a:schemeClr val="accent1">
+              <a:shade val="50000"/>
+            </a:schemeClr>
+          </a:lnRef>
+          <a:fillRef idx="1">
+            <a:schemeClr val="accent1"/>
+          </a:fillRef>
+          <a:effectRef idx="0">
+            <a:schemeClr val="accent1"/>
+          </a:effectRef>
+          <a:fontRef idx="minor">
+            <a:schemeClr val="lt1"/>
+          </a:fontRef>
+        </p:style>
+        <p:txBody>
+          <a:bodyPr rtlCol="0" anchor="ctr"/>
+          <a:lstStyle/>
+          <a:p>
+            <a:pPr algn="ctr"/>
+            <a:endParaRPr lang="en-US" dirty="0"/>
+          </a:p>
+        </p:txBody>
+      </p:sp>
+      <p:sp>
+        <p:nvSpPr>
+          <p:cNvPr id="18" name="Freeform: Shape 17">
+            <a:extLst>
+              <a:ext uri="{FF2B5EF4-FFF2-40B4-BE49-F238E27FC236}">
+                <a16:creationId xmlns:a16="http://schemas.microsoft.com/office/drawing/2014/main" id="{38FAA1A1-D861-433F-88FA-1E9D6FD31D11}"/>
+              </a:ext>
+              <a:ext uri="{C183D7F6-B498-43B3-948B-1728B52AA6E4}">
+                <adec:decorative xmlns:adec="http://schemas.microsoft.com/office/drawing/2017/decorative" val="1"/>
+              </a:ext>
+            </a:extLst>
+          </p:cNvPr>
+          <p:cNvSpPr>
+            <a:spLocks noGrp="1" noRot="1" noChangeAspect="1" noMove="1" noResize="1" noEditPoints="1" noAdjustHandles="1" noChangeArrowheads="1" noChangeShapeType="1" noTextEdit="1"/>
+          </p:cNvSpPr>
+          <p:nvPr>
+            <p:extLst>
+              <p:ext uri="{386F3935-93C4-4BCD-93E2-E3B085C9AB24}">
+                <p16:designElem xmlns:p16="http://schemas.microsoft.com/office/powerpoint/2015/main" val="1"/>
+              </p:ext>
+            </p:extLst>
+          </p:nvPr>
+        </p:nvSpPr>
+        <p:spPr>
+          <a:xfrm rot="20635413">
+            <a:off x="-501737" y="969718"/>
+            <a:ext cx="3900357" cy="4178958"/>
+          </a:xfrm>
+          <a:custGeom>
+            <a:avLst/>
+            <a:gdLst>
+              <a:gd name="connsiteX0" fmla="*/ 2432225 w 3900357"/>
+              <a:gd name="connsiteY0" fmla="*/ 93939 h 4178958"/>
+              <a:gd name="connsiteX1" fmla="*/ 3900357 w 3900357"/>
+              <a:gd name="connsiteY1" fmla="*/ 2089479 h 4178958"/>
+              <a:gd name="connsiteX2" fmla="*/ 1810878 w 3900357"/>
+              <a:gd name="connsiteY2" fmla="*/ 4178958 h 4178958"/>
+              <a:gd name="connsiteX3" fmla="*/ 78249 w 3900357"/>
+              <a:gd name="connsiteY3" fmla="*/ 3257727 h 4178958"/>
+              <a:gd name="connsiteX4" fmla="*/ 0 w 3900357"/>
+              <a:gd name="connsiteY4" fmla="*/ 3128923 h 4178958"/>
+              <a:gd name="connsiteX5" fmla="*/ 831324 w 3900357"/>
+              <a:gd name="connsiteY5" fmla="*/ 244281 h 4178958"/>
+              <a:gd name="connsiteX6" fmla="*/ 997559 w 3900357"/>
+              <a:gd name="connsiteY6" fmla="*/ 164202 h 4178958"/>
+              <a:gd name="connsiteX7" fmla="*/ 1810878 w 3900357"/>
+              <a:gd name="connsiteY7" fmla="*/ 0 h 4178958"/>
+              <a:gd name="connsiteX8" fmla="*/ 2432225 w 3900357"/>
+              <a:gd name="connsiteY8" fmla="*/ 93939 h 4178958"/>
+            </a:gdLst>
+            <a:ahLst/>
+            <a:cxnLst>
+              <a:cxn ang="0">
+                <a:pos x="connsiteX0" y="connsiteY0"/>
+              </a:cxn>
+              <a:cxn ang="0">
+                <a:pos x="connsiteX1" y="connsiteY1"/>
+              </a:cxn>
+              <a:cxn ang="0">
+                <a:pos x="connsiteX2" y="connsiteY2"/>
+              </a:cxn>
+              <a:cxn ang="0">
+                <a:pos x="connsiteX3" y="connsiteY3"/>
+              </a:cxn>
+              <a:cxn ang="0">
+                <a:pos x="connsiteX4" y="connsiteY4"/>
+              </a:cxn>
+              <a:cxn ang="0">
+                <a:pos x="connsiteX5" y="connsiteY5"/>
+              </a:cxn>
+              <a:cxn ang="0">
+                <a:pos x="connsiteX6" y="connsiteY6"/>
+              </a:cxn>
+              <a:cxn ang="0">
+                <a:pos x="connsiteX7" y="connsiteY7"/>
+              </a:cxn>
+              <a:cxn ang="0">
+                <a:pos x="connsiteX8" y="connsiteY8"/>
+              </a:cxn>
+            </a:cxnLst>
+            <a:rect l="l" t="t" r="r" b="b"/>
+            <a:pathLst>
+              <a:path w="3900357" h="4178958">
+                <a:moveTo>
+                  <a:pt x="2432225" y="93939"/>
+                </a:moveTo>
+                <a:cubicBezTo>
+                  <a:pt x="3282786" y="358491"/>
+                  <a:pt x="3900357" y="1151865"/>
+                  <a:pt x="3900357" y="2089479"/>
+                </a:cubicBezTo>
+                <a:cubicBezTo>
+                  <a:pt x="3900357" y="3243466"/>
+                  <a:pt x="2964865" y="4178958"/>
+                  <a:pt x="1810878" y="4178958"/>
+                </a:cubicBezTo>
+                <a:cubicBezTo>
+                  <a:pt x="1089636" y="4178958"/>
+                  <a:pt x="453744" y="3813531"/>
+                  <a:pt x="78249" y="3257727"/>
+                </a:cubicBezTo>
+                <a:lnTo>
+                  <a:pt x="0" y="3128923"/>
+                </a:lnTo>
+                <a:lnTo>
+                  <a:pt x="831324" y="244281"/>
+                </a:lnTo>
+                <a:lnTo>
+                  <a:pt x="997559" y="164202"/>
+                </a:lnTo>
+                <a:cubicBezTo>
+                  <a:pt x="1247540" y="58468"/>
+                  <a:pt x="1522381" y="0"/>
+                  <a:pt x="1810878" y="0"/>
+                </a:cubicBezTo>
+                <a:cubicBezTo>
+                  <a:pt x="2027251" y="0"/>
+                  <a:pt x="2235942" y="32888"/>
+                  <a:pt x="2432225" y="93939"/>
+                </a:cubicBezTo>
+                <a:close/>
+              </a:path>
+            </a:pathLst>
+          </a:custGeom>
+          <a:gradFill>
+            <a:gsLst>
+              <a:gs pos="29000">
+                <a:srgbClr val="000000">
+                  <a:alpha val="0"/>
+                </a:srgbClr>
+              </a:gs>
+              <a:gs pos="100000">
+                <a:schemeClr val="accent1">
+                  <a:alpha val="43000"/>
+                </a:schemeClr>
+              </a:gs>
+            </a:gsLst>
+            <a:lin ang="1800000" scaled="0"/>
+          </a:gradFill>
+          <a:ln>
+            <a:noFill/>
+          </a:ln>
+        </p:spPr>
+        <p:style>
+          <a:lnRef idx="2">
+            <a:schemeClr val="accent1">
+              <a:shade val="50000"/>
+            </a:schemeClr>
+          </a:lnRef>
+          <a:fillRef idx="1">
+            <a:schemeClr val="accent1"/>
+          </a:fillRef>
+          <a:effectRef idx="0">
+            <a:schemeClr val="accent1"/>
+          </a:effectRef>
+          <a:fontRef idx="minor">
+            <a:schemeClr val="lt1"/>
+          </a:fontRef>
+        </p:style>
+        <p:txBody>
+          <a:bodyPr wrap="square" rtlCol="0" anchor="ctr">
+            <a:noAutofit/>
+          </a:bodyPr>
+          <a:lstStyle/>
+          <a:p>
+            <a:pPr algn="ctr"/>
+            <a:endParaRPr lang="en-US" dirty="0"/>
+          </a:p>
+        </p:txBody>
+      </p:sp>
+      <p:sp>
+        <p:nvSpPr>
+          <p:cNvPr id="20" name="Rectangle 19">
+            <a:extLst>
+              <a:ext uri="{FF2B5EF4-FFF2-40B4-BE49-F238E27FC236}">
+                <a16:creationId xmlns:a16="http://schemas.microsoft.com/office/drawing/2014/main" id="{8D71EDA1-87BF-4D5D-AB79-F346FD19278A}"/>
+              </a:ext>
+              <a:ext uri="{C183D7F6-B498-43B3-948B-1728B52AA6E4}">
+                <adec:decorative xmlns:adec="http://schemas.microsoft.com/office/drawing/2017/decorative" val="1"/>
+              </a:ext>
+            </a:extLst>
+          </p:cNvPr>
+          <p:cNvSpPr>
+            <a:spLocks noGrp="1" noRot="1" noChangeAspect="1" noMove="1" noResize="1" noEditPoints="1" noAdjustHandles="1" noChangeArrowheads="1" noChangeShapeType="1" noTextEdit="1"/>
+          </p:cNvSpPr>
+          <p:nvPr>
+            <p:extLst>
+              <p:ext uri="{386F3935-93C4-4BCD-93E2-E3B085C9AB24}">
+                <p16:designElem xmlns:p16="http://schemas.microsoft.com/office/powerpoint/2015/main" val="1"/>
+              </p:ext>
+            </p:extLst>
+          </p:nvPr>
+        </p:nvSpPr>
+        <p:spPr>
+          <a:xfrm rot="5400000" flipH="1">
+            <a:off x="-1410093" y="1399943"/>
+            <a:ext cx="6858003" cy="4037835"/>
+          </a:xfrm>
+          <a:prstGeom prst="rect">
+            <a:avLst/>
+          </a:prstGeom>
+          <a:gradFill>
+            <a:gsLst>
+              <a:gs pos="0">
+                <a:srgbClr val="000000">
+                  <a:alpha val="0"/>
+                </a:srgbClr>
+              </a:gs>
+              <a:gs pos="99000">
+                <a:schemeClr val="accent1">
+                  <a:lumMod val="60000"/>
+                  <a:lumOff val="40000"/>
+                  <a:alpha val="11000"/>
+                </a:schemeClr>
+              </a:gs>
+            </a:gsLst>
+            <a:lin ang="7200000" scaled="0"/>
+          </a:gradFill>
+          <a:ln>
+            <a:noFill/>
+          </a:ln>
+        </p:spPr>
+        <p:style>
+          <a:lnRef idx="2">
+            <a:schemeClr val="accent1">
+              <a:shade val="50000"/>
+            </a:schemeClr>
+          </a:lnRef>
+          <a:fillRef idx="1">
+            <a:schemeClr val="accent1"/>
+          </a:fillRef>
+          <a:effectRef idx="0">
+            <a:schemeClr val="accent1"/>
+          </a:effectRef>
+          <a:fontRef idx="minor">
+            <a:schemeClr val="lt1"/>
+          </a:fontRef>
+        </p:style>
+        <p:txBody>
+          <a:bodyPr rtlCol="0" anchor="ctr"/>
+          <a:lstStyle/>
+          <a:p>
+            <a:pPr algn="ctr"/>
+            <a:endParaRPr lang="en-US"/>
+          </a:p>
+        </p:txBody>
+      </p:sp>
+      <p:sp>
+        <p:nvSpPr>
+          <p:cNvPr id="2" name="Title 1">
+            <a:extLst>
+              <a:ext uri="{FF2B5EF4-FFF2-40B4-BE49-F238E27FC236}">
+                <a16:creationId xmlns:a16="http://schemas.microsoft.com/office/drawing/2014/main" id="{F1D83F11-C380-2C4C-B0C5-18B276A1C18B}"/>
+              </a:ext>
+            </a:extLst>
+          </p:cNvPr>
+          <p:cNvSpPr>
+            <a:spLocks noGrp="1"/>
+          </p:cNvSpPr>
+          <p:nvPr>
+            <p:ph type="title"/>
+          </p:nvPr>
+        </p:nvSpPr>
+        <p:spPr>
+          <a:xfrm>
+            <a:off x="466722" y="586855"/>
+            <a:ext cx="3201366" cy="3387497"/>
+          </a:xfrm>
+        </p:spPr>
+        <p:txBody>
+          <a:bodyPr anchor="b">
+            <a:normAutofit/>
+          </a:bodyPr>
+          <a:lstStyle/>
+          <a:p>
+            <a:pPr algn="r"/>
+            <a:r>
+              <a:rPr lang="en-US" sz="4000">
+                <a:solidFill>
+                  <a:srgbClr val="FFFFFF"/>
+                </a:solidFill>
+              </a:rPr>
+              <a:t>Business Problem</a:t>
+            </a:r>
+          </a:p>
+        </p:txBody>
+      </p:sp>
+      <p:sp>
+        <p:nvSpPr>
+          <p:cNvPr id="3" name="Content Placeholder 2">
+            <a:extLst>
+              <a:ext uri="{FF2B5EF4-FFF2-40B4-BE49-F238E27FC236}">
+                <a16:creationId xmlns:a16="http://schemas.microsoft.com/office/drawing/2014/main" id="{A6D7FAC5-BF10-9D47-9CE8-14F48516D522}"/>
+              </a:ext>
+            </a:extLst>
+          </p:cNvPr>
+          <p:cNvSpPr>
+            <a:spLocks noGrp="1"/>
+          </p:cNvSpPr>
+          <p:nvPr>
+            <p:ph idx="1"/>
+          </p:nvPr>
+        </p:nvSpPr>
+        <p:spPr>
+          <a:xfrm>
+            <a:off x="4810259" y="649480"/>
+            <a:ext cx="6555347" cy="4957526"/>
+          </a:xfrm>
+        </p:spPr>
+        <p:txBody>
+          <a:bodyPr anchor="ctr">
+            <a:normAutofit/>
+          </a:bodyPr>
+          <a:lstStyle/>
+          <a:p>
+            <a:r>
+              <a:rPr lang="en-US" sz="3200" dirty="0"/>
+              <a:t>We are a marketing company , contracted to evaluate these customers tweets based on sentiment. </a:t>
+            </a:r>
+          </a:p>
+          <a:p>
+            <a:r>
+              <a:rPr lang="en-US" sz="3200" dirty="0"/>
+              <a:t>Identify what customers are saying about the new phones and company. </a:t>
+            </a:r>
+            <a:endParaRPr lang="en-US" sz="1600" dirty="0"/>
+          </a:p>
+          <a:p>
+            <a:endParaRPr lang="en-US" sz="3200" dirty="0"/>
+          </a:p>
+        </p:txBody>
+      </p:sp>
+    </p:spTree>
+    <p:extLst>
+      <p:ext uri="{BB962C8B-B14F-4D97-AF65-F5344CB8AC3E}">
+        <p14:creationId xmlns:p14="http://schemas.microsoft.com/office/powerpoint/2010/main" val="1795258576"/>
+      </p:ext>
+    </p:extLst>
+  </p:cSld>
+  <p:clrMapOvr>
+    <a:masterClrMapping/>
+  </p:clrMapOvr>
+</p:sld>
+</file>
+
+<file path=ppt/slides/slide5.xml><?xml version="1.0" encoding="utf-8"?>
+<p:sld xmlns:a="http://schemas.openxmlformats.org/drawingml/2006/main" xmlns:r="http://schemas.openxmlformats.org/officeDocument/2006/relationships" xmlns:p="http://schemas.openxmlformats.org/presentationml/2006/main">
+  <p:cSld>
+    <p:bg>
+      <p:bgPr>
+        <a:solidFill>
+          <a:schemeClr val="bg1"/>
+        </a:solidFill>
+        <a:effectLst/>
+      </p:bgPr>
+    </p:bg>
+    <p:spTree>
+      <p:nvGrpSpPr>
+        <p:cNvPr id="1" name=""/>
+        <p:cNvGrpSpPr/>
+        <p:nvPr/>
+      </p:nvGrpSpPr>
+      <p:grpSpPr>
+        <a:xfrm>
+          <a:off x="0" y="0"/>
+          <a:ext cx="0" cy="0"/>
+          <a:chOff x="0" y="0"/>
+          <a:chExt cx="0" cy="0"/>
+        </a:xfrm>
+      </p:grpSpPr>
+      <p:sp useBgFill="1">
+        <p:nvSpPr>
+          <p:cNvPr id="8" name="Rectangle 7">
+            <a:extLst>
+              <a:ext uri="{FF2B5EF4-FFF2-40B4-BE49-F238E27FC236}">
+                <a16:creationId xmlns:a16="http://schemas.microsoft.com/office/drawing/2014/main" id="{09588DA8-065E-4F6F-8EFD-43104AB2E0CF}"/>
+              </a:ext>
+              <a:ext uri="{C183D7F6-B498-43B3-948B-1728B52AA6E4}">
+                <adec:decorative xmlns:adec="http://schemas.microsoft.com/office/drawing/2017/decorative" val="1"/>
+              </a:ext>
+            </a:extLst>
+          </p:cNvPr>
+          <p:cNvSpPr>
+            <a:spLocks noGrp="1" noRot="1" noChangeAspect="1" noMove="1" noResize="1" noEditPoints="1" noAdjustHandles="1" noChangeArrowheads="1" noChangeShapeType="1" noTextEdit="1"/>
+          </p:cNvSpPr>
+          <p:nvPr>
+            <p:extLst>
+              <p:ext uri="{386F3935-93C4-4BCD-93E2-E3B085C9AB24}">
+                <p16:designElem xmlns:p16="http://schemas.microsoft.com/office/powerpoint/2015/main" val="1"/>
+              </p:ext>
+            </p:extLst>
+          </p:nvPr>
+        </p:nvSpPr>
+        <p:spPr>
+          <a:xfrm>
+            <a:off x="0" y="0"/>
+            <a:ext cx="12192000" cy="6858000"/>
+          </a:xfrm>
+          <a:prstGeom prst="rect">
+            <a:avLst/>
+          </a:prstGeom>
+          <a:ln w="12700" cap="flat" cmpd="sng" algn="ctr">
+            <a:noFill/>
+            <a:prstDash val="solid"/>
+            <a:miter lim="800000"/>
+          </a:ln>
+          <a:effectLst/>
+          <a:extLst>
+            <a:ext uri="{91240B29-F687-4F45-9708-019B960494DF}">
+              <a14:hiddenLine xmlns:a14="http://schemas.microsoft.com/office/drawing/2010/main" w="12700" cap="flat" cmpd="sng" algn="ctr">
+                <a:solidFill>
+                  <a:schemeClr val="accent1">
+                    <a:shade val="50000"/>
+                  </a:schemeClr>
+                </a:solidFill>
+                <a:prstDash val="solid"/>
+                <a:miter lim="800000"/>
+              </a14:hiddenLine>
+            </a:ext>
+          </a:extLst>
+        </p:spPr>
+        <p:style>
+          <a:lnRef idx="2">
+            <a:schemeClr val="accent1">
+              <a:shade val="50000"/>
+            </a:schemeClr>
+          </a:lnRef>
+          <a:fillRef idx="1">
+            <a:schemeClr val="accent1"/>
+          </a:fillRef>
+          <a:effectRef idx="0">
+            <a:schemeClr val="accent1"/>
+          </a:effectRef>
+          <a:fontRef idx="minor">
+            <a:schemeClr val="lt1"/>
+          </a:fontRef>
+        </p:style>
+        <p:txBody>
+          <a:bodyPr rtlCol="0" anchor="ctr"/>
+          <a:lstStyle/>
+          <a:p>
+            <a:pPr algn="ctr"/>
+            <a:endParaRPr lang="en-US"/>
+          </a:p>
+        </p:txBody>
+      </p:sp>
+      <p:sp useBgFill="1">
+        <p:nvSpPr>
+          <p:cNvPr id="10" name="Rectangle 9">
+            <a:extLst>
+              <a:ext uri="{FF2B5EF4-FFF2-40B4-BE49-F238E27FC236}">
+                <a16:creationId xmlns:a16="http://schemas.microsoft.com/office/drawing/2014/main" id="{C4285719-470E-454C-AF62-8323075F1F5B}"/>
+              </a:ext>
+              <a:ext uri="{C183D7F6-B498-43B3-948B-1728B52AA6E4}">
+                <adec:decorative xmlns:adec="http://schemas.microsoft.com/office/drawing/2017/decorative" val="1"/>
+              </a:ext>
+            </a:extLst>
+          </p:cNvPr>
+          <p:cNvSpPr>
+            <a:spLocks noGrp="1" noRot="1" noChangeAspect="1" noMove="1" noResize="1" noEditPoints="1" noAdjustHandles="1" noChangeArrowheads="1" noChangeShapeType="1" noTextEdit="1"/>
+          </p:cNvSpPr>
+          <p:nvPr>
+            <p:extLst>
+              <p:ext uri="{386F3935-93C4-4BCD-93E2-E3B085C9AB24}">
+                <p16:designElem xmlns:p16="http://schemas.microsoft.com/office/powerpoint/2015/main" val="1"/>
+              </p:ext>
+            </p:extLst>
+          </p:nvPr>
+        </p:nvSpPr>
+        <p:spPr>
+          <a:xfrm>
+            <a:off x="0" y="0"/>
+            <a:ext cx="12188952" cy="6858000"/>
+          </a:xfrm>
+          <a:prstGeom prst="rect">
+            <a:avLst/>
+          </a:prstGeom>
+          <a:ln w="12700" cap="flat" cmpd="sng" algn="ctr">
+            <a:noFill/>
+            <a:prstDash val="solid"/>
+            <a:miter lim="800000"/>
+          </a:ln>
+          <a:effectLst/>
+          <a:extLst>
+            <a:ext uri="{91240B29-F687-4F45-9708-019B960494DF}">
+              <a14:hiddenLine xmlns:a14="http://schemas.microsoft.com/office/drawing/2010/main" w="12700" cap="flat" cmpd="sng" algn="ctr">
+                <a:solidFill>
+                  <a:schemeClr val="accent1">
+                    <a:shade val="50000"/>
+                  </a:schemeClr>
+                </a:solidFill>
+                <a:prstDash val="solid"/>
+                <a:miter lim="800000"/>
+              </a14:hiddenLine>
+            </a:ext>
+          </a:extLst>
+        </p:spPr>
+        <p:style>
+          <a:lnRef idx="2">
+            <a:schemeClr val="accent1">
+              <a:shade val="50000"/>
+            </a:schemeClr>
+          </a:lnRef>
+          <a:fillRef idx="1">
+            <a:schemeClr val="accent1"/>
+          </a:fillRef>
+          <a:effectRef idx="0">
+            <a:schemeClr val="accent1"/>
+          </a:effectRef>
+          <a:fontRef idx="minor">
+            <a:schemeClr val="lt1"/>
+          </a:fontRef>
+        </p:style>
+        <p:txBody>
+          <a:bodyPr rtlCol="0" anchor="ctr"/>
+          <a:lstStyle/>
+          <a:p>
+            <a:pPr algn="ctr"/>
+            <a:endParaRPr lang="en-US"/>
+          </a:p>
+        </p:txBody>
+      </p:sp>
+      <p:sp>
+        <p:nvSpPr>
+          <p:cNvPr id="12" name="Rectangle 11">
+            <a:extLst>
+              <a:ext uri="{FF2B5EF4-FFF2-40B4-BE49-F238E27FC236}">
+                <a16:creationId xmlns:a16="http://schemas.microsoft.com/office/drawing/2014/main" id="{CD9FE4EF-C4D8-49A0-B2FF-81D8DB7D8A24}"/>
+              </a:ext>
+              <a:ext uri="{C183D7F6-B498-43B3-948B-1728B52AA6E4}">
+                <adec:decorative xmlns:adec="http://schemas.microsoft.com/office/drawing/2017/decorative" val="1"/>
+              </a:ext>
+            </a:extLst>
+          </p:cNvPr>
+          <p:cNvSpPr>
+            <a:spLocks noGrp="1" noRot="1" noChangeAspect="1" noMove="1" noResize="1" noEditPoints="1" noAdjustHandles="1" noChangeArrowheads="1" noChangeShapeType="1" noTextEdit="1"/>
+          </p:cNvSpPr>
+          <p:nvPr>
+            <p:extLst>
+              <p:ext uri="{386F3935-93C4-4BCD-93E2-E3B085C9AB24}">
+                <p16:designElem xmlns:p16="http://schemas.microsoft.com/office/powerpoint/2015/main" val="1"/>
+              </p:ext>
+            </p:extLst>
+          </p:nvPr>
+        </p:nvSpPr>
+        <p:spPr>
+          <a:xfrm rot="5400000" flipH="1">
+            <a:off x="-1410084" y="1410082"/>
+            <a:ext cx="6858000" cy="4037836"/>
+          </a:xfrm>
+          <a:prstGeom prst="rect">
+            <a:avLst/>
+          </a:prstGeom>
+          <a:gradFill>
+            <a:gsLst>
+              <a:gs pos="8000">
+                <a:srgbClr val="000000"/>
+              </a:gs>
+              <a:gs pos="100000">
+                <a:schemeClr val="accent1">
+                  <a:lumMod val="75000"/>
+                </a:schemeClr>
+              </a:gs>
+            </a:gsLst>
+            <a:lin ang="3000000" scaled="0"/>
+          </a:gradFill>
+          <a:ln>
+            <a:noFill/>
+          </a:ln>
+        </p:spPr>
+        <p:style>
+          <a:lnRef idx="2">
+            <a:schemeClr val="accent1">
+              <a:shade val="50000"/>
+            </a:schemeClr>
+          </a:lnRef>
+          <a:fillRef idx="1">
+            <a:schemeClr val="accent1"/>
+          </a:fillRef>
+          <a:effectRef idx="0">
+            <a:schemeClr val="accent1"/>
+          </a:effectRef>
+          <a:fontRef idx="minor">
+            <a:schemeClr val="lt1"/>
+          </a:fontRef>
+        </p:style>
+        <p:txBody>
+          <a:bodyPr rtlCol="0" anchor="ctr"/>
+          <a:lstStyle/>
+          <a:p>
+            <a:pPr algn="ctr"/>
+            <a:endParaRPr lang="en-US"/>
+          </a:p>
+        </p:txBody>
+      </p:sp>
+      <p:sp>
+        <p:nvSpPr>
+          <p:cNvPr id="14" name="Rectangle 13">
+            <a:extLst>
+              <a:ext uri="{FF2B5EF4-FFF2-40B4-BE49-F238E27FC236}">
+                <a16:creationId xmlns:a16="http://schemas.microsoft.com/office/drawing/2014/main" id="{4300840D-0A0B-4512-BACA-B439D5B9C57C}"/>
+              </a:ext>
+              <a:ext uri="{C183D7F6-B498-43B3-948B-1728B52AA6E4}">
+                <adec:decorative xmlns:adec="http://schemas.microsoft.com/office/drawing/2017/decorative" val="1"/>
+              </a:ext>
+            </a:extLst>
+          </p:cNvPr>
+          <p:cNvSpPr>
+            <a:spLocks noGrp="1" noRot="1" noChangeAspect="1" noMove="1" noResize="1" noEditPoints="1" noAdjustHandles="1" noChangeArrowheads="1" noChangeShapeType="1" noTextEdit="1"/>
+          </p:cNvSpPr>
+          <p:nvPr>
+            <p:extLst>
+              <p:ext uri="{386F3935-93C4-4BCD-93E2-E3B085C9AB24}">
+                <p16:designElem xmlns:p16="http://schemas.microsoft.com/office/powerpoint/2015/main" val="1"/>
+              </p:ext>
+            </p:extLst>
+          </p:nvPr>
+        </p:nvSpPr>
+        <p:spPr>
+          <a:xfrm rot="5400000" flipH="1">
+            <a:off x="-1410085" y="1420219"/>
+            <a:ext cx="6857999" cy="4037839"/>
+          </a:xfrm>
+          <a:prstGeom prst="rect">
+            <a:avLst/>
+          </a:prstGeom>
+          <a:gradFill>
+            <a:gsLst>
+              <a:gs pos="0">
+                <a:srgbClr val="000000">
+                  <a:alpha val="0"/>
+                </a:srgbClr>
+              </a:gs>
+              <a:gs pos="99000">
+                <a:schemeClr val="accent1">
+                  <a:alpha val="46000"/>
+                </a:schemeClr>
+              </a:gs>
+            </a:gsLst>
+            <a:lin ang="1800000" scaled="0"/>
+          </a:gradFill>
+          <a:ln>
+            <a:noFill/>
+          </a:ln>
+        </p:spPr>
+        <p:style>
+          <a:lnRef idx="2">
+            <a:schemeClr val="accent1">
+              <a:shade val="50000"/>
+            </a:schemeClr>
+          </a:lnRef>
+          <a:fillRef idx="1">
+            <a:schemeClr val="accent1"/>
+          </a:fillRef>
+          <a:effectRef idx="0">
+            <a:schemeClr val="accent1"/>
+          </a:effectRef>
+          <a:fontRef idx="minor">
+            <a:schemeClr val="lt1"/>
+          </a:fontRef>
+        </p:style>
+        <p:txBody>
+          <a:bodyPr rtlCol="0" anchor="ctr"/>
+          <a:lstStyle/>
+          <a:p>
+            <a:pPr algn="ctr"/>
+            <a:endParaRPr lang="en-US"/>
+          </a:p>
+        </p:txBody>
+      </p:sp>
+      <p:sp>
+        <p:nvSpPr>
+          <p:cNvPr id="16" name="Rectangle 15">
+            <a:extLst>
+              <a:ext uri="{FF2B5EF4-FFF2-40B4-BE49-F238E27FC236}">
+                <a16:creationId xmlns:a16="http://schemas.microsoft.com/office/drawing/2014/main" id="{D2B78728-A580-49A7-84F9-6EF6F583ADE0}"/>
+              </a:ext>
+              <a:ext uri="{C183D7F6-B498-43B3-948B-1728B52AA6E4}">
+                <adec:decorative xmlns:adec="http://schemas.microsoft.com/office/drawing/2017/decorative" val="1"/>
+              </a:ext>
+            </a:extLst>
+          </p:cNvPr>
+          <p:cNvSpPr>
+            <a:spLocks noGrp="1" noRot="1" noChangeAspect="1" noMove="1" noResize="1" noEditPoints="1" noAdjustHandles="1" noChangeArrowheads="1" noChangeShapeType="1" noTextEdit="1"/>
+          </p:cNvSpPr>
+          <p:nvPr>
+            <p:extLst>
+              <p:ext uri="{386F3935-93C4-4BCD-93E2-E3B085C9AB24}">
+                <p16:designElem xmlns:p16="http://schemas.microsoft.com/office/powerpoint/2015/main" val="1"/>
+              </p:ext>
+            </p:extLst>
+          </p:nvPr>
+        </p:nvSpPr>
+        <p:spPr>
+          <a:xfrm rot="5400000" flipH="1">
+            <a:off x="767923" y="3588085"/>
+            <a:ext cx="2501979" cy="4037841"/>
+          </a:xfrm>
+          <a:prstGeom prst="rect">
+            <a:avLst/>
+          </a:prstGeom>
+          <a:gradFill>
+            <a:gsLst>
+              <a:gs pos="2000">
+                <a:schemeClr val="accent1">
+                  <a:alpha val="29000"/>
+                </a:schemeClr>
+              </a:gs>
+              <a:gs pos="100000">
+                <a:srgbClr val="000000">
+                  <a:alpha val="30000"/>
+                </a:srgbClr>
+              </a:gs>
+            </a:gsLst>
+            <a:lin ang="7800000" scaled="0"/>
+          </a:gradFill>
+          <a:ln>
+            <a:noFill/>
+          </a:ln>
+        </p:spPr>
+        <p:style>
+          <a:lnRef idx="2">
+            <a:schemeClr val="accent1">
+              <a:shade val="50000"/>
+            </a:schemeClr>
+          </a:lnRef>
+          <a:fillRef idx="1">
+            <a:schemeClr val="accent1"/>
+          </a:fillRef>
+          <a:effectRef idx="0">
+            <a:schemeClr val="accent1"/>
+          </a:effectRef>
+          <a:fontRef idx="minor">
+            <a:schemeClr val="lt1"/>
+          </a:fontRef>
+        </p:style>
+        <p:txBody>
+          <a:bodyPr rtlCol="0" anchor="ctr"/>
+          <a:lstStyle/>
+          <a:p>
+            <a:pPr algn="ctr"/>
+            <a:endParaRPr lang="en-US" dirty="0"/>
+          </a:p>
+        </p:txBody>
+      </p:sp>
+      <p:sp>
+        <p:nvSpPr>
+          <p:cNvPr id="18" name="Freeform: Shape 17">
+            <a:extLst>
+              <a:ext uri="{FF2B5EF4-FFF2-40B4-BE49-F238E27FC236}">
+                <a16:creationId xmlns:a16="http://schemas.microsoft.com/office/drawing/2014/main" id="{38FAA1A1-D861-433F-88FA-1E9D6FD31D11}"/>
+              </a:ext>
+              <a:ext uri="{C183D7F6-B498-43B3-948B-1728B52AA6E4}">
+                <adec:decorative xmlns:adec="http://schemas.microsoft.com/office/drawing/2017/decorative" val="1"/>
+              </a:ext>
+            </a:extLst>
+          </p:cNvPr>
+          <p:cNvSpPr>
+            <a:spLocks noGrp="1" noRot="1" noChangeAspect="1" noMove="1" noResize="1" noEditPoints="1" noAdjustHandles="1" noChangeArrowheads="1" noChangeShapeType="1" noTextEdit="1"/>
+          </p:cNvSpPr>
+          <p:nvPr>
+            <p:extLst>
+              <p:ext uri="{386F3935-93C4-4BCD-93E2-E3B085C9AB24}">
+                <p16:designElem xmlns:p16="http://schemas.microsoft.com/office/powerpoint/2015/main" val="1"/>
+              </p:ext>
+            </p:extLst>
+          </p:nvPr>
+        </p:nvSpPr>
+        <p:spPr>
+          <a:xfrm rot="20635413">
+            <a:off x="-501737" y="969718"/>
+            <a:ext cx="3900357" cy="4178958"/>
+          </a:xfrm>
+          <a:custGeom>
+            <a:avLst/>
+            <a:gdLst>
+              <a:gd name="connsiteX0" fmla="*/ 2432225 w 3900357"/>
+              <a:gd name="connsiteY0" fmla="*/ 93939 h 4178958"/>
+              <a:gd name="connsiteX1" fmla="*/ 3900357 w 3900357"/>
+              <a:gd name="connsiteY1" fmla="*/ 2089479 h 4178958"/>
+              <a:gd name="connsiteX2" fmla="*/ 1810878 w 3900357"/>
+              <a:gd name="connsiteY2" fmla="*/ 4178958 h 4178958"/>
+              <a:gd name="connsiteX3" fmla="*/ 78249 w 3900357"/>
+              <a:gd name="connsiteY3" fmla="*/ 3257727 h 4178958"/>
+              <a:gd name="connsiteX4" fmla="*/ 0 w 3900357"/>
+              <a:gd name="connsiteY4" fmla="*/ 3128923 h 4178958"/>
+              <a:gd name="connsiteX5" fmla="*/ 831324 w 3900357"/>
+              <a:gd name="connsiteY5" fmla="*/ 244281 h 4178958"/>
+              <a:gd name="connsiteX6" fmla="*/ 997559 w 3900357"/>
+              <a:gd name="connsiteY6" fmla="*/ 164202 h 4178958"/>
+              <a:gd name="connsiteX7" fmla="*/ 1810878 w 3900357"/>
+              <a:gd name="connsiteY7" fmla="*/ 0 h 4178958"/>
+              <a:gd name="connsiteX8" fmla="*/ 2432225 w 3900357"/>
+              <a:gd name="connsiteY8" fmla="*/ 93939 h 4178958"/>
+            </a:gdLst>
+            <a:ahLst/>
+            <a:cxnLst>
+              <a:cxn ang="0">
+                <a:pos x="connsiteX0" y="connsiteY0"/>
+              </a:cxn>
+              <a:cxn ang="0">
+                <a:pos x="connsiteX1" y="connsiteY1"/>
+              </a:cxn>
+              <a:cxn ang="0">
+                <a:pos x="connsiteX2" y="connsiteY2"/>
+              </a:cxn>
+              <a:cxn ang="0">
+                <a:pos x="connsiteX3" y="connsiteY3"/>
+              </a:cxn>
+              <a:cxn ang="0">
+                <a:pos x="connsiteX4" y="connsiteY4"/>
+              </a:cxn>
+              <a:cxn ang="0">
+                <a:pos x="connsiteX5" y="connsiteY5"/>
+              </a:cxn>
+              <a:cxn ang="0">
+                <a:pos x="connsiteX6" y="connsiteY6"/>
+              </a:cxn>
+              <a:cxn ang="0">
+                <a:pos x="connsiteX7" y="connsiteY7"/>
+              </a:cxn>
+              <a:cxn ang="0">
+                <a:pos x="connsiteX8" y="connsiteY8"/>
+              </a:cxn>
+            </a:cxnLst>
+            <a:rect l="l" t="t" r="r" b="b"/>
+            <a:pathLst>
+              <a:path w="3900357" h="4178958">
+                <a:moveTo>
+                  <a:pt x="2432225" y="93939"/>
+                </a:moveTo>
+                <a:cubicBezTo>
+                  <a:pt x="3282786" y="358491"/>
+                  <a:pt x="3900357" y="1151865"/>
+                  <a:pt x="3900357" y="2089479"/>
+                </a:cubicBezTo>
+                <a:cubicBezTo>
+                  <a:pt x="3900357" y="3243466"/>
+                  <a:pt x="2964865" y="4178958"/>
+                  <a:pt x="1810878" y="4178958"/>
+                </a:cubicBezTo>
+                <a:cubicBezTo>
+                  <a:pt x="1089636" y="4178958"/>
+                  <a:pt x="453744" y="3813531"/>
+                  <a:pt x="78249" y="3257727"/>
+                </a:cubicBezTo>
+                <a:lnTo>
+                  <a:pt x="0" y="3128923"/>
+                </a:lnTo>
+                <a:lnTo>
+                  <a:pt x="831324" y="244281"/>
+                </a:lnTo>
+                <a:lnTo>
+                  <a:pt x="997559" y="164202"/>
+                </a:lnTo>
+                <a:cubicBezTo>
+                  <a:pt x="1247540" y="58468"/>
+                  <a:pt x="1522381" y="0"/>
+                  <a:pt x="1810878" y="0"/>
+                </a:cubicBezTo>
+                <a:cubicBezTo>
+                  <a:pt x="2027251" y="0"/>
+                  <a:pt x="2235942" y="32888"/>
+                  <a:pt x="2432225" y="93939"/>
+                </a:cubicBezTo>
+                <a:close/>
+              </a:path>
+            </a:pathLst>
+          </a:custGeom>
+          <a:gradFill>
+            <a:gsLst>
+              <a:gs pos="29000">
+                <a:srgbClr val="000000">
+                  <a:alpha val="0"/>
+                </a:srgbClr>
+              </a:gs>
+              <a:gs pos="100000">
+                <a:schemeClr val="accent1">
+                  <a:alpha val="43000"/>
+                </a:schemeClr>
+              </a:gs>
+            </a:gsLst>
+            <a:lin ang="1800000" scaled="0"/>
+          </a:gradFill>
+          <a:ln>
+            <a:noFill/>
+          </a:ln>
+        </p:spPr>
+        <p:style>
+          <a:lnRef idx="2">
+            <a:schemeClr val="accent1">
+              <a:shade val="50000"/>
+            </a:schemeClr>
+          </a:lnRef>
+          <a:fillRef idx="1">
+            <a:schemeClr val="accent1"/>
+          </a:fillRef>
+          <a:effectRef idx="0">
+            <a:schemeClr val="accent1"/>
+          </a:effectRef>
+          <a:fontRef idx="minor">
+            <a:schemeClr val="lt1"/>
+          </a:fontRef>
+        </p:style>
+        <p:txBody>
+          <a:bodyPr wrap="square" rtlCol="0" anchor="ctr">
+            <a:noAutofit/>
+          </a:bodyPr>
+          <a:lstStyle/>
+          <a:p>
+            <a:pPr algn="ctr"/>
+            <a:endParaRPr lang="en-US" dirty="0"/>
+          </a:p>
+        </p:txBody>
+      </p:sp>
+      <p:sp>
+        <p:nvSpPr>
+          <p:cNvPr id="20" name="Rectangle 19">
+            <a:extLst>
+              <a:ext uri="{FF2B5EF4-FFF2-40B4-BE49-F238E27FC236}">
+                <a16:creationId xmlns:a16="http://schemas.microsoft.com/office/drawing/2014/main" id="{8D71EDA1-87BF-4D5D-AB79-F346FD19278A}"/>
+              </a:ext>
+              <a:ext uri="{C183D7F6-B498-43B3-948B-1728B52AA6E4}">
+                <adec:decorative xmlns:adec="http://schemas.microsoft.com/office/drawing/2017/decorative" val="1"/>
+              </a:ext>
+            </a:extLst>
+          </p:cNvPr>
+          <p:cNvSpPr>
+            <a:spLocks noGrp="1" noRot="1" noChangeAspect="1" noMove="1" noResize="1" noEditPoints="1" noAdjustHandles="1" noChangeArrowheads="1" noChangeShapeType="1" noTextEdit="1"/>
+          </p:cNvSpPr>
+          <p:nvPr>
+            <p:extLst>
+              <p:ext uri="{386F3935-93C4-4BCD-93E2-E3B085C9AB24}">
+                <p16:designElem xmlns:p16="http://schemas.microsoft.com/office/powerpoint/2015/main" val="1"/>
+              </p:ext>
+            </p:extLst>
+          </p:nvPr>
+        </p:nvSpPr>
+        <p:spPr>
+          <a:xfrm rot="5400000" flipH="1">
+            <a:off x="-1410093" y="1399943"/>
+            <a:ext cx="6858003" cy="4037835"/>
+          </a:xfrm>
+          <a:prstGeom prst="rect">
+            <a:avLst/>
+          </a:prstGeom>
+          <a:gradFill>
+            <a:gsLst>
+              <a:gs pos="0">
+                <a:srgbClr val="000000">
+                  <a:alpha val="0"/>
+                </a:srgbClr>
+              </a:gs>
+              <a:gs pos="99000">
+                <a:schemeClr val="accent1">
+                  <a:lumMod val="60000"/>
+                  <a:lumOff val="40000"/>
+                  <a:alpha val="11000"/>
+                </a:schemeClr>
+              </a:gs>
+            </a:gsLst>
+            <a:lin ang="7200000" scaled="0"/>
+          </a:gradFill>
+          <a:ln>
+            <a:noFill/>
+          </a:ln>
+        </p:spPr>
+        <p:style>
+          <a:lnRef idx="2">
+            <a:schemeClr val="accent1">
+              <a:shade val="50000"/>
+            </a:schemeClr>
+          </a:lnRef>
+          <a:fillRef idx="1">
+            <a:schemeClr val="accent1"/>
+          </a:fillRef>
+          <a:effectRef idx="0">
+            <a:schemeClr val="accent1"/>
+          </a:effectRef>
+          <a:fontRef idx="minor">
+            <a:schemeClr val="lt1"/>
+          </a:fontRef>
+        </p:style>
+        <p:txBody>
+          <a:bodyPr rtlCol="0" anchor="ctr"/>
+          <a:lstStyle/>
+          <a:p>
+            <a:pPr algn="ctr"/>
+            <a:endParaRPr lang="en-US"/>
+          </a:p>
+        </p:txBody>
+      </p:sp>
+      <p:sp>
+        <p:nvSpPr>
+          <p:cNvPr id="2" name="Title 1">
+            <a:extLst>
+              <a:ext uri="{FF2B5EF4-FFF2-40B4-BE49-F238E27FC236}">
+                <a16:creationId xmlns:a16="http://schemas.microsoft.com/office/drawing/2014/main" id="{21613BA5-0051-8D40-B622-66501D61717A}"/>
+              </a:ext>
+            </a:extLst>
+          </p:cNvPr>
+          <p:cNvSpPr>
+            <a:spLocks noGrp="1"/>
+          </p:cNvSpPr>
+          <p:nvPr>
+            <p:ph type="title"/>
+          </p:nvPr>
+        </p:nvSpPr>
+        <p:spPr>
+          <a:xfrm>
+            <a:off x="466722" y="586855"/>
+            <a:ext cx="3201366" cy="3387497"/>
+          </a:xfrm>
+        </p:spPr>
+        <p:txBody>
+          <a:bodyPr anchor="b">
+            <a:normAutofit/>
+          </a:bodyPr>
+          <a:lstStyle/>
+          <a:p>
+            <a:pPr algn="r"/>
+            <a:r>
+              <a:rPr lang="en-US" sz="4000">
+                <a:solidFill>
+                  <a:srgbClr val="FFFFFF"/>
+                </a:solidFill>
+              </a:rPr>
+              <a:t>Data</a:t>
+            </a:r>
+          </a:p>
+        </p:txBody>
+      </p:sp>
+      <p:sp>
+        <p:nvSpPr>
+          <p:cNvPr id="3" name="Content Placeholder 2">
+            <a:extLst>
+              <a:ext uri="{FF2B5EF4-FFF2-40B4-BE49-F238E27FC236}">
+                <a16:creationId xmlns:a16="http://schemas.microsoft.com/office/drawing/2014/main" id="{572A965E-A3D1-0F4F-9A8B-4CF09B9CC7C8}"/>
+              </a:ext>
+            </a:extLst>
+          </p:cNvPr>
+          <p:cNvSpPr>
+            <a:spLocks noGrp="1"/>
+          </p:cNvSpPr>
+          <p:nvPr>
+            <p:ph idx="1"/>
+          </p:nvPr>
+        </p:nvSpPr>
+        <p:spPr>
+          <a:xfrm>
+            <a:off x="4810259" y="649480"/>
+            <a:ext cx="6555347" cy="5546047"/>
+          </a:xfrm>
+        </p:spPr>
+        <p:txBody>
+          <a:bodyPr anchor="ctr">
+            <a:normAutofit/>
+          </a:bodyPr>
+          <a:lstStyle/>
+          <a:p>
+            <a:r>
+              <a:rPr lang="en-US" sz="2400" dirty="0"/>
+              <a:t>Using the tweet product dataset. Dataset has over  9000 tweets, and 3 columns.</a:t>
+            </a:r>
+          </a:p>
+          <a:p>
+            <a:r>
+              <a:rPr lang="en-US" sz="2400" dirty="0"/>
+              <a:t>Contains data including </a:t>
+            </a:r>
+          </a:p>
+          <a:p>
+            <a:pPr lvl="1"/>
+            <a:r>
+              <a:rPr lang="en-US" sz="1800" dirty="0"/>
+              <a:t>Tweets</a:t>
+            </a:r>
+          </a:p>
+          <a:p>
+            <a:pPr lvl="1"/>
+            <a:r>
+              <a:rPr lang="en-US" sz="1800" dirty="0"/>
+              <a:t>Focus of the tweet</a:t>
+            </a:r>
+          </a:p>
+          <a:p>
+            <a:pPr lvl="1"/>
+            <a:r>
+              <a:rPr lang="en-US" sz="1800" dirty="0"/>
+              <a:t>Sentiment</a:t>
+            </a:r>
+          </a:p>
+        </p:txBody>
+      </p:sp>
+    </p:spTree>
+    <p:extLst>
+      <p:ext uri="{BB962C8B-B14F-4D97-AF65-F5344CB8AC3E}">
+        <p14:creationId xmlns:p14="http://schemas.microsoft.com/office/powerpoint/2010/main" val="3090532460"/>
+      </p:ext>
+    </p:extLst>
+  </p:cSld>
+  <p:clrMapOvr>
+    <a:masterClrMapping/>
+  </p:clrMapOvr>
+</p:sld>
+</file>
+
+<file path=ppt/slides/slide6.xml><?xml version="1.0" encoding="utf-8"?>
+<p:sld xmlns:a="http://schemas.openxmlformats.org/drawingml/2006/main" xmlns:r="http://schemas.openxmlformats.org/officeDocument/2006/relationships" xmlns:p="http://schemas.openxmlformats.org/presentationml/2006/main">
+  <p:cSld>
+    <p:bg>
+      <p:bgPr>
+        <a:solidFill>
+          <a:schemeClr val="bg1"/>
+        </a:solidFill>
+        <a:effectLst/>
+      </p:bgPr>
+    </p:bg>
+    <p:spTree>
+      <p:nvGrpSpPr>
+        <p:cNvPr id="1" name=""/>
+        <p:cNvGrpSpPr/>
+        <p:nvPr/>
+      </p:nvGrpSpPr>
+      <p:grpSpPr>
+        <a:xfrm>
+          <a:off x="0" y="0"/>
+          <a:ext cx="0" cy="0"/>
+          <a:chOff x="0" y="0"/>
+          <a:chExt cx="0" cy="0"/>
+        </a:xfrm>
+      </p:grpSpPr>
+      <p:sp useBgFill="1">
+        <p:nvSpPr>
+          <p:cNvPr id="8" name="Rectangle 7">
+            <a:extLst>
+              <a:ext uri="{FF2B5EF4-FFF2-40B4-BE49-F238E27FC236}">
+                <a16:creationId xmlns:a16="http://schemas.microsoft.com/office/drawing/2014/main" id="{09588DA8-065E-4F6F-8EFD-43104AB2E0CF}"/>
+              </a:ext>
+              <a:ext uri="{C183D7F6-B498-43B3-948B-1728B52AA6E4}">
+                <adec:decorative xmlns:adec="http://schemas.microsoft.com/office/drawing/2017/decorative" val="1"/>
+              </a:ext>
+            </a:extLst>
+          </p:cNvPr>
+          <p:cNvSpPr>
+            <a:spLocks noGrp="1" noRot="1" noChangeAspect="1" noMove="1" noResize="1" noEditPoints="1" noAdjustHandles="1" noChangeArrowheads="1" noChangeShapeType="1" noTextEdit="1"/>
+          </p:cNvSpPr>
+          <p:nvPr>
+            <p:extLst>
+              <p:ext uri="{386F3935-93C4-4BCD-93E2-E3B085C9AB24}">
+                <p16:designElem xmlns:p16="http://schemas.microsoft.com/office/powerpoint/2015/main" val="1"/>
+              </p:ext>
+            </p:extLst>
+          </p:nvPr>
+        </p:nvSpPr>
+        <p:spPr>
+          <a:xfrm>
+            <a:off x="0" y="0"/>
+            <a:ext cx="12192000" cy="6858000"/>
+          </a:xfrm>
+          <a:prstGeom prst="rect">
+            <a:avLst/>
+          </a:prstGeom>
+          <a:ln w="12700" cap="flat" cmpd="sng" algn="ctr">
+            <a:noFill/>
+            <a:prstDash val="solid"/>
+            <a:miter lim="800000"/>
+          </a:ln>
+          <a:effectLst/>
+          <a:extLst>
+            <a:ext uri="{91240B29-F687-4F45-9708-019B960494DF}">
+              <a14:hiddenLine xmlns:a14="http://schemas.microsoft.com/office/drawing/2010/main" w="12700" cap="flat" cmpd="sng" algn="ctr">
+                <a:solidFill>
+                  <a:schemeClr val="accent1">
+                    <a:shade val="50000"/>
+                  </a:schemeClr>
+                </a:solidFill>
+                <a:prstDash val="solid"/>
+                <a:miter lim="800000"/>
+              </a14:hiddenLine>
+            </a:ext>
+          </a:extLst>
+        </p:spPr>
+        <p:style>
+          <a:lnRef idx="2">
+            <a:schemeClr val="accent1">
+              <a:shade val="50000"/>
+            </a:schemeClr>
+          </a:lnRef>
+          <a:fillRef idx="1">
+            <a:schemeClr val="accent1"/>
+          </a:fillRef>
+          <a:effectRef idx="0">
+            <a:schemeClr val="accent1"/>
+          </a:effectRef>
+          <a:fontRef idx="minor">
+            <a:schemeClr val="lt1"/>
+          </a:fontRef>
+        </p:style>
+        <p:txBody>
+          <a:bodyPr rtlCol="0" anchor="ctr"/>
+          <a:lstStyle/>
+          <a:p>
+            <a:pPr algn="ctr"/>
+            <a:endParaRPr lang="en-US"/>
+          </a:p>
+        </p:txBody>
+      </p:sp>
+      <p:sp useBgFill="1">
+        <p:nvSpPr>
+          <p:cNvPr id="10" name="Rectangle 9">
+            <a:extLst>
+              <a:ext uri="{FF2B5EF4-FFF2-40B4-BE49-F238E27FC236}">
+                <a16:creationId xmlns:a16="http://schemas.microsoft.com/office/drawing/2014/main" id="{C4285719-470E-454C-AF62-8323075F1F5B}"/>
+              </a:ext>
+              <a:ext uri="{C183D7F6-B498-43B3-948B-1728B52AA6E4}">
+                <adec:decorative xmlns:adec="http://schemas.microsoft.com/office/drawing/2017/decorative" val="1"/>
+              </a:ext>
+            </a:extLst>
+          </p:cNvPr>
+          <p:cNvSpPr>
+            <a:spLocks noGrp="1" noRot="1" noChangeAspect="1" noMove="1" noResize="1" noEditPoints="1" noAdjustHandles="1" noChangeArrowheads="1" noChangeShapeType="1" noTextEdit="1"/>
+          </p:cNvSpPr>
+          <p:nvPr>
+            <p:extLst>
+              <p:ext uri="{386F3935-93C4-4BCD-93E2-E3B085C9AB24}">
+                <p16:designElem xmlns:p16="http://schemas.microsoft.com/office/powerpoint/2015/main" val="1"/>
+              </p:ext>
+            </p:extLst>
+          </p:nvPr>
+        </p:nvSpPr>
+        <p:spPr>
+          <a:xfrm>
+            <a:off x="0" y="0"/>
+            <a:ext cx="12188952" cy="6858000"/>
+          </a:xfrm>
+          <a:prstGeom prst="rect">
+            <a:avLst/>
+          </a:prstGeom>
+          <a:ln w="12700" cap="flat" cmpd="sng" algn="ctr">
+            <a:noFill/>
+            <a:prstDash val="solid"/>
+            <a:miter lim="800000"/>
+          </a:ln>
+          <a:effectLst/>
+          <a:extLst>
+            <a:ext uri="{91240B29-F687-4F45-9708-019B960494DF}">
+              <a14:hiddenLine xmlns:a14="http://schemas.microsoft.com/office/drawing/2010/main" w="12700" cap="flat" cmpd="sng" algn="ctr">
+                <a:solidFill>
+                  <a:schemeClr val="accent1">
+                    <a:shade val="50000"/>
+                  </a:schemeClr>
+                </a:solidFill>
+                <a:prstDash val="solid"/>
+                <a:miter lim="800000"/>
+              </a14:hiddenLine>
+            </a:ext>
+          </a:extLst>
+        </p:spPr>
+        <p:style>
+          <a:lnRef idx="2">
+            <a:schemeClr val="accent1">
+              <a:shade val="50000"/>
+            </a:schemeClr>
+          </a:lnRef>
+          <a:fillRef idx="1">
+            <a:schemeClr val="accent1"/>
+          </a:fillRef>
+          <a:effectRef idx="0">
+            <a:schemeClr val="accent1"/>
+          </a:effectRef>
+          <a:fontRef idx="minor">
+            <a:schemeClr val="lt1"/>
+          </a:fontRef>
+        </p:style>
+        <p:txBody>
+          <a:bodyPr rtlCol="0" anchor="ctr"/>
+          <a:lstStyle/>
+          <a:p>
+            <a:pPr algn="ctr"/>
+            <a:endParaRPr lang="en-US"/>
+          </a:p>
+        </p:txBody>
+      </p:sp>
+      <p:sp>
+        <p:nvSpPr>
+          <p:cNvPr id="12" name="Rectangle 11">
+            <a:extLst>
+              <a:ext uri="{FF2B5EF4-FFF2-40B4-BE49-F238E27FC236}">
+                <a16:creationId xmlns:a16="http://schemas.microsoft.com/office/drawing/2014/main" id="{CD9FE4EF-C4D8-49A0-B2FF-81D8DB7D8A24}"/>
+              </a:ext>
+              <a:ext uri="{C183D7F6-B498-43B3-948B-1728B52AA6E4}">
+                <adec:decorative xmlns:adec="http://schemas.microsoft.com/office/drawing/2017/decorative" val="1"/>
+              </a:ext>
+            </a:extLst>
+          </p:cNvPr>
+          <p:cNvSpPr>
+            <a:spLocks noGrp="1" noRot="1" noChangeAspect="1" noMove="1" noResize="1" noEditPoints="1" noAdjustHandles="1" noChangeArrowheads="1" noChangeShapeType="1" noTextEdit="1"/>
+          </p:cNvSpPr>
+          <p:nvPr>
+            <p:extLst>
+              <p:ext uri="{386F3935-93C4-4BCD-93E2-E3B085C9AB24}">
+                <p16:designElem xmlns:p16="http://schemas.microsoft.com/office/powerpoint/2015/main" val="1"/>
+              </p:ext>
+            </p:extLst>
+          </p:nvPr>
+        </p:nvSpPr>
+        <p:spPr>
+          <a:xfrm rot="5400000" flipH="1">
+            <a:off x="-1410084" y="1410082"/>
+            <a:ext cx="6858000" cy="4037836"/>
+          </a:xfrm>
+          <a:prstGeom prst="rect">
+            <a:avLst/>
+          </a:prstGeom>
+          <a:gradFill>
+            <a:gsLst>
+              <a:gs pos="8000">
+                <a:srgbClr val="000000"/>
+              </a:gs>
+              <a:gs pos="100000">
+                <a:schemeClr val="accent1">
+                  <a:lumMod val="75000"/>
+                </a:schemeClr>
+              </a:gs>
+            </a:gsLst>
+            <a:lin ang="3000000" scaled="0"/>
+          </a:gradFill>
+          <a:ln>
+            <a:noFill/>
+          </a:ln>
+        </p:spPr>
+        <p:style>
+          <a:lnRef idx="2">
+            <a:schemeClr val="accent1">
+              <a:shade val="50000"/>
+            </a:schemeClr>
+          </a:lnRef>
+          <a:fillRef idx="1">
+            <a:schemeClr val="accent1"/>
+          </a:fillRef>
+          <a:effectRef idx="0">
+            <a:schemeClr val="accent1"/>
+          </a:effectRef>
+          <a:fontRef idx="minor">
+            <a:schemeClr val="lt1"/>
+          </a:fontRef>
+        </p:style>
+        <p:txBody>
+          <a:bodyPr rtlCol="0" anchor="ctr"/>
+          <a:lstStyle/>
+          <a:p>
+            <a:pPr algn="ctr"/>
+            <a:endParaRPr lang="en-US"/>
+          </a:p>
+        </p:txBody>
+      </p:sp>
+      <p:sp>
+        <p:nvSpPr>
+          <p:cNvPr id="14" name="Rectangle 13">
+            <a:extLst>
+              <a:ext uri="{FF2B5EF4-FFF2-40B4-BE49-F238E27FC236}">
+                <a16:creationId xmlns:a16="http://schemas.microsoft.com/office/drawing/2014/main" id="{4300840D-0A0B-4512-BACA-B439D5B9C57C}"/>
+              </a:ext>
+              <a:ext uri="{C183D7F6-B498-43B3-948B-1728B52AA6E4}">
+                <adec:decorative xmlns:adec="http://schemas.microsoft.com/office/drawing/2017/decorative" val="1"/>
+              </a:ext>
+            </a:extLst>
+          </p:cNvPr>
+          <p:cNvSpPr>
+            <a:spLocks noGrp="1" noRot="1" noChangeAspect="1" noMove="1" noResize="1" noEditPoints="1" noAdjustHandles="1" noChangeArrowheads="1" noChangeShapeType="1" noTextEdit="1"/>
+          </p:cNvSpPr>
+          <p:nvPr>
+            <p:extLst>
+              <p:ext uri="{386F3935-93C4-4BCD-93E2-E3B085C9AB24}">
+                <p16:designElem xmlns:p16="http://schemas.microsoft.com/office/powerpoint/2015/main" val="1"/>
+              </p:ext>
+            </p:extLst>
+          </p:nvPr>
+        </p:nvSpPr>
+        <p:spPr>
+          <a:xfrm rot="5400000" flipH="1">
+            <a:off x="-1410085" y="1420219"/>
+            <a:ext cx="6857999" cy="4037839"/>
+          </a:xfrm>
+          <a:prstGeom prst="rect">
+            <a:avLst/>
+          </a:prstGeom>
+          <a:gradFill>
+            <a:gsLst>
+              <a:gs pos="0">
+                <a:srgbClr val="000000">
+                  <a:alpha val="0"/>
+                </a:srgbClr>
+              </a:gs>
+              <a:gs pos="99000">
+                <a:schemeClr val="accent1">
+                  <a:alpha val="46000"/>
+                </a:schemeClr>
+              </a:gs>
+            </a:gsLst>
+            <a:lin ang="1800000" scaled="0"/>
+          </a:gradFill>
+          <a:ln>
+            <a:noFill/>
+          </a:ln>
+        </p:spPr>
+        <p:style>
+          <a:lnRef idx="2">
+            <a:schemeClr val="accent1">
+              <a:shade val="50000"/>
+            </a:schemeClr>
+          </a:lnRef>
+          <a:fillRef idx="1">
+            <a:schemeClr val="accent1"/>
+          </a:fillRef>
+          <a:effectRef idx="0">
+            <a:schemeClr val="accent1"/>
+          </a:effectRef>
+          <a:fontRef idx="minor">
+            <a:schemeClr val="lt1"/>
+          </a:fontRef>
+        </p:style>
+        <p:txBody>
+          <a:bodyPr rtlCol="0" anchor="ctr"/>
+          <a:lstStyle/>
+          <a:p>
+            <a:pPr algn="ctr"/>
+            <a:endParaRPr lang="en-US"/>
+          </a:p>
+        </p:txBody>
+      </p:sp>
+      <p:sp>
+        <p:nvSpPr>
+          <p:cNvPr id="16" name="Rectangle 15">
+            <a:extLst>
+              <a:ext uri="{FF2B5EF4-FFF2-40B4-BE49-F238E27FC236}">
+                <a16:creationId xmlns:a16="http://schemas.microsoft.com/office/drawing/2014/main" id="{D2B78728-A580-49A7-84F9-6EF6F583ADE0}"/>
+              </a:ext>
+              <a:ext uri="{C183D7F6-B498-43B3-948B-1728B52AA6E4}">
+                <adec:decorative xmlns:adec="http://schemas.microsoft.com/office/drawing/2017/decorative" val="1"/>
+              </a:ext>
+            </a:extLst>
+          </p:cNvPr>
+          <p:cNvSpPr>
+            <a:spLocks noGrp="1" noRot="1" noChangeAspect="1" noMove="1" noResize="1" noEditPoints="1" noAdjustHandles="1" noChangeArrowheads="1" noChangeShapeType="1" noTextEdit="1"/>
+          </p:cNvSpPr>
+          <p:nvPr>
+            <p:extLst>
+              <p:ext uri="{386F3935-93C4-4BCD-93E2-E3B085C9AB24}">
+                <p16:designElem xmlns:p16="http://schemas.microsoft.com/office/powerpoint/2015/main" val="1"/>
+              </p:ext>
+            </p:extLst>
+          </p:nvPr>
+        </p:nvSpPr>
+        <p:spPr>
+          <a:xfrm rot="5400000" flipH="1">
+            <a:off x="767923" y="3588085"/>
+            <a:ext cx="2501979" cy="4037841"/>
+          </a:xfrm>
+          <a:prstGeom prst="rect">
+            <a:avLst/>
+          </a:prstGeom>
+          <a:gradFill>
+            <a:gsLst>
+              <a:gs pos="2000">
+                <a:schemeClr val="accent1">
+                  <a:alpha val="29000"/>
+                </a:schemeClr>
+              </a:gs>
+              <a:gs pos="100000">
+                <a:srgbClr val="000000">
+                  <a:alpha val="30000"/>
+                </a:srgbClr>
+              </a:gs>
+            </a:gsLst>
+            <a:lin ang="7800000" scaled="0"/>
+          </a:gradFill>
+          <a:ln>
+            <a:noFill/>
+          </a:ln>
+        </p:spPr>
+        <p:style>
+          <a:lnRef idx="2">
+            <a:schemeClr val="accent1">
+              <a:shade val="50000"/>
+            </a:schemeClr>
+          </a:lnRef>
+          <a:fillRef idx="1">
+            <a:schemeClr val="accent1"/>
+          </a:fillRef>
+          <a:effectRef idx="0">
+            <a:schemeClr val="accent1"/>
+          </a:effectRef>
+          <a:fontRef idx="minor">
+            <a:schemeClr val="lt1"/>
+          </a:fontRef>
+        </p:style>
+        <p:txBody>
+          <a:bodyPr rtlCol="0" anchor="ctr"/>
+          <a:lstStyle/>
+          <a:p>
+            <a:pPr algn="ctr"/>
+            <a:endParaRPr lang="en-US" dirty="0"/>
+          </a:p>
+        </p:txBody>
+      </p:sp>
+      <p:sp>
+        <p:nvSpPr>
+          <p:cNvPr id="18" name="Freeform: Shape 17">
+            <a:extLst>
+              <a:ext uri="{FF2B5EF4-FFF2-40B4-BE49-F238E27FC236}">
+                <a16:creationId xmlns:a16="http://schemas.microsoft.com/office/drawing/2014/main" id="{38FAA1A1-D861-433F-88FA-1E9D6FD31D11}"/>
+              </a:ext>
+              <a:ext uri="{C183D7F6-B498-43B3-948B-1728B52AA6E4}">
+                <adec:decorative xmlns:adec="http://schemas.microsoft.com/office/drawing/2017/decorative" val="1"/>
+              </a:ext>
+            </a:extLst>
+          </p:cNvPr>
+          <p:cNvSpPr>
+            <a:spLocks noGrp="1" noRot="1" noChangeAspect="1" noMove="1" noResize="1" noEditPoints="1" noAdjustHandles="1" noChangeArrowheads="1" noChangeShapeType="1" noTextEdit="1"/>
+          </p:cNvSpPr>
+          <p:nvPr>
+            <p:extLst>
+              <p:ext uri="{386F3935-93C4-4BCD-93E2-E3B085C9AB24}">
+                <p16:designElem xmlns:p16="http://schemas.microsoft.com/office/powerpoint/2015/main" val="1"/>
+              </p:ext>
+            </p:extLst>
+          </p:nvPr>
+        </p:nvSpPr>
+        <p:spPr>
+          <a:xfrm rot="20635413">
+            <a:off x="-501737" y="969718"/>
+            <a:ext cx="3900357" cy="4178958"/>
+          </a:xfrm>
+          <a:custGeom>
+            <a:avLst/>
+            <a:gdLst>
+              <a:gd name="connsiteX0" fmla="*/ 2432225 w 3900357"/>
+              <a:gd name="connsiteY0" fmla="*/ 93939 h 4178958"/>
+              <a:gd name="connsiteX1" fmla="*/ 3900357 w 3900357"/>
+              <a:gd name="connsiteY1" fmla="*/ 2089479 h 4178958"/>
+              <a:gd name="connsiteX2" fmla="*/ 1810878 w 3900357"/>
+              <a:gd name="connsiteY2" fmla="*/ 4178958 h 4178958"/>
+              <a:gd name="connsiteX3" fmla="*/ 78249 w 3900357"/>
+              <a:gd name="connsiteY3" fmla="*/ 3257727 h 4178958"/>
+              <a:gd name="connsiteX4" fmla="*/ 0 w 3900357"/>
+              <a:gd name="connsiteY4" fmla="*/ 3128923 h 4178958"/>
+              <a:gd name="connsiteX5" fmla="*/ 831324 w 3900357"/>
+              <a:gd name="connsiteY5" fmla="*/ 244281 h 4178958"/>
+              <a:gd name="connsiteX6" fmla="*/ 997559 w 3900357"/>
+              <a:gd name="connsiteY6" fmla="*/ 164202 h 4178958"/>
+              <a:gd name="connsiteX7" fmla="*/ 1810878 w 3900357"/>
+              <a:gd name="connsiteY7" fmla="*/ 0 h 4178958"/>
+              <a:gd name="connsiteX8" fmla="*/ 2432225 w 3900357"/>
+              <a:gd name="connsiteY8" fmla="*/ 93939 h 4178958"/>
+            </a:gdLst>
+            <a:ahLst/>
+            <a:cxnLst>
+              <a:cxn ang="0">
+                <a:pos x="connsiteX0" y="connsiteY0"/>
+              </a:cxn>
+              <a:cxn ang="0">
+                <a:pos x="connsiteX1" y="connsiteY1"/>
+              </a:cxn>
+              <a:cxn ang="0">
+                <a:pos x="connsiteX2" y="connsiteY2"/>
+              </a:cxn>
+              <a:cxn ang="0">
+                <a:pos x="connsiteX3" y="connsiteY3"/>
+              </a:cxn>
+              <a:cxn ang="0">
+                <a:pos x="connsiteX4" y="connsiteY4"/>
+              </a:cxn>
+              <a:cxn ang="0">
+                <a:pos x="connsiteX5" y="connsiteY5"/>
+              </a:cxn>
+              <a:cxn ang="0">
+                <a:pos x="connsiteX6" y="connsiteY6"/>
+              </a:cxn>
+              <a:cxn ang="0">
+                <a:pos x="connsiteX7" y="connsiteY7"/>
+              </a:cxn>
+              <a:cxn ang="0">
+                <a:pos x="connsiteX8" y="connsiteY8"/>
+              </a:cxn>
+            </a:cxnLst>
+            <a:rect l="l" t="t" r="r" b="b"/>
+            <a:pathLst>
+              <a:path w="3900357" h="4178958">
+                <a:moveTo>
+                  <a:pt x="2432225" y="93939"/>
+                </a:moveTo>
+                <a:cubicBezTo>
+                  <a:pt x="3282786" y="358491"/>
+                  <a:pt x="3900357" y="1151865"/>
+                  <a:pt x="3900357" y="2089479"/>
+                </a:cubicBezTo>
+                <a:cubicBezTo>
+                  <a:pt x="3900357" y="3243466"/>
+                  <a:pt x="2964865" y="4178958"/>
+                  <a:pt x="1810878" y="4178958"/>
+                </a:cubicBezTo>
+                <a:cubicBezTo>
+                  <a:pt x="1089636" y="4178958"/>
+                  <a:pt x="453744" y="3813531"/>
+                  <a:pt x="78249" y="3257727"/>
+                </a:cubicBezTo>
+                <a:lnTo>
+                  <a:pt x="0" y="3128923"/>
+                </a:lnTo>
+                <a:lnTo>
+                  <a:pt x="831324" y="244281"/>
+                </a:lnTo>
+                <a:lnTo>
+                  <a:pt x="997559" y="164202"/>
+                </a:lnTo>
+                <a:cubicBezTo>
+                  <a:pt x="1247540" y="58468"/>
+                  <a:pt x="1522381" y="0"/>
+                  <a:pt x="1810878" y="0"/>
+                </a:cubicBezTo>
+                <a:cubicBezTo>
+                  <a:pt x="2027251" y="0"/>
+                  <a:pt x="2235942" y="32888"/>
+                  <a:pt x="2432225" y="93939"/>
+                </a:cubicBezTo>
+                <a:close/>
+              </a:path>
+            </a:pathLst>
+          </a:custGeom>
+          <a:gradFill>
+            <a:gsLst>
+              <a:gs pos="29000">
+                <a:srgbClr val="000000">
+                  <a:alpha val="0"/>
+                </a:srgbClr>
+              </a:gs>
+              <a:gs pos="100000">
+                <a:schemeClr val="accent1">
+                  <a:alpha val="43000"/>
+                </a:schemeClr>
+              </a:gs>
+            </a:gsLst>
+            <a:lin ang="1800000" scaled="0"/>
+          </a:gradFill>
+          <a:ln>
+            <a:noFill/>
+          </a:ln>
+        </p:spPr>
+        <p:style>
+          <a:lnRef idx="2">
+            <a:schemeClr val="accent1">
+              <a:shade val="50000"/>
+            </a:schemeClr>
+          </a:lnRef>
+          <a:fillRef idx="1">
+            <a:schemeClr val="accent1"/>
+          </a:fillRef>
+          <a:effectRef idx="0">
+            <a:schemeClr val="accent1"/>
+          </a:effectRef>
+          <a:fontRef idx="minor">
+            <a:schemeClr val="lt1"/>
+          </a:fontRef>
+        </p:style>
+        <p:txBody>
+          <a:bodyPr wrap="square" rtlCol="0" anchor="ctr">
+            <a:noAutofit/>
+          </a:bodyPr>
+          <a:lstStyle/>
+          <a:p>
+            <a:pPr algn="ctr"/>
+            <a:endParaRPr lang="en-US" dirty="0"/>
+          </a:p>
+        </p:txBody>
+      </p:sp>
+      <p:sp>
+        <p:nvSpPr>
+          <p:cNvPr id="20" name="Rectangle 19">
+            <a:extLst>
+              <a:ext uri="{FF2B5EF4-FFF2-40B4-BE49-F238E27FC236}">
+                <a16:creationId xmlns:a16="http://schemas.microsoft.com/office/drawing/2014/main" id="{8D71EDA1-87BF-4D5D-AB79-F346FD19278A}"/>
+              </a:ext>
+              <a:ext uri="{C183D7F6-B498-43B3-948B-1728B52AA6E4}">
+                <adec:decorative xmlns:adec="http://schemas.microsoft.com/office/drawing/2017/decorative" val="1"/>
+              </a:ext>
+            </a:extLst>
+          </p:cNvPr>
+          <p:cNvSpPr>
+            <a:spLocks noGrp="1" noRot="1" noChangeAspect="1" noMove="1" noResize="1" noEditPoints="1" noAdjustHandles="1" noChangeArrowheads="1" noChangeShapeType="1" noTextEdit="1"/>
+          </p:cNvSpPr>
+          <p:nvPr>
+            <p:extLst>
+              <p:ext uri="{386F3935-93C4-4BCD-93E2-E3B085C9AB24}">
+                <p16:designElem xmlns:p16="http://schemas.microsoft.com/office/powerpoint/2015/main" val="1"/>
+              </p:ext>
+            </p:extLst>
+          </p:nvPr>
+        </p:nvSpPr>
+        <p:spPr>
+          <a:xfrm rot="5400000" flipH="1">
+            <a:off x="-1410093" y="1399943"/>
+            <a:ext cx="6858003" cy="4037835"/>
+          </a:xfrm>
+          <a:prstGeom prst="rect">
+            <a:avLst/>
+          </a:prstGeom>
+          <a:gradFill>
+            <a:gsLst>
+              <a:gs pos="0">
+                <a:srgbClr val="000000">
+                  <a:alpha val="0"/>
+                </a:srgbClr>
+              </a:gs>
+              <a:gs pos="99000">
+                <a:schemeClr val="accent1">
+                  <a:lumMod val="60000"/>
+                  <a:lumOff val="40000"/>
+                  <a:alpha val="11000"/>
+                </a:schemeClr>
+              </a:gs>
+            </a:gsLst>
+            <a:lin ang="7200000" scaled="0"/>
+          </a:gradFill>
+          <a:ln>
+            <a:noFill/>
+          </a:ln>
+        </p:spPr>
+        <p:style>
+          <a:lnRef idx="2">
+            <a:schemeClr val="accent1">
+              <a:shade val="50000"/>
+            </a:schemeClr>
+          </a:lnRef>
+          <a:fillRef idx="1">
+            <a:schemeClr val="accent1"/>
+          </a:fillRef>
+          <a:effectRef idx="0">
+            <a:schemeClr val="accent1"/>
+          </a:effectRef>
+          <a:fontRef idx="minor">
+            <a:schemeClr val="lt1"/>
+          </a:fontRef>
+        </p:style>
+        <p:txBody>
+          <a:bodyPr rtlCol="0" anchor="ctr"/>
+          <a:lstStyle/>
+          <a:p>
+            <a:pPr algn="ctr"/>
+            <a:endParaRPr lang="en-US"/>
+          </a:p>
+        </p:txBody>
+      </p:sp>
+      <p:sp>
+        <p:nvSpPr>
+          <p:cNvPr id="2" name="Title 1">
+            <a:extLst>
+              <a:ext uri="{FF2B5EF4-FFF2-40B4-BE49-F238E27FC236}">
+                <a16:creationId xmlns:a16="http://schemas.microsoft.com/office/drawing/2014/main" id="{B9A96219-0B50-DC43-9836-FD021AF451C7}"/>
+              </a:ext>
+            </a:extLst>
+          </p:cNvPr>
+          <p:cNvSpPr>
+            <a:spLocks noGrp="1"/>
+          </p:cNvSpPr>
+          <p:nvPr>
+            <p:ph type="title"/>
+          </p:nvPr>
+        </p:nvSpPr>
+        <p:spPr>
+          <a:xfrm>
+            <a:off x="466722" y="586855"/>
+            <a:ext cx="3201366" cy="3387497"/>
+          </a:xfrm>
+        </p:spPr>
+        <p:txBody>
+          <a:bodyPr anchor="b">
+            <a:normAutofit/>
+          </a:bodyPr>
+          <a:lstStyle/>
+          <a:p>
+            <a:pPr algn="r"/>
+            <a:r>
+              <a:rPr lang="en-US" sz="4000">
+                <a:solidFill>
+                  <a:srgbClr val="FFFFFF"/>
+                </a:solidFill>
+              </a:rPr>
+              <a:t>Methods</a:t>
+            </a:r>
+          </a:p>
+        </p:txBody>
+      </p:sp>
+      <p:sp>
+        <p:nvSpPr>
+          <p:cNvPr id="3" name="Content Placeholder 2">
+            <a:extLst>
+              <a:ext uri="{FF2B5EF4-FFF2-40B4-BE49-F238E27FC236}">
+                <a16:creationId xmlns:a16="http://schemas.microsoft.com/office/drawing/2014/main" id="{8D24899F-AC40-5747-B683-C297EF6FF0A5}"/>
+              </a:ext>
+            </a:extLst>
+          </p:cNvPr>
+          <p:cNvSpPr>
+            <a:spLocks noGrp="1"/>
+          </p:cNvSpPr>
+          <p:nvPr>
+            <p:ph idx="1"/>
+          </p:nvPr>
+        </p:nvSpPr>
+        <p:spPr>
+          <a:xfrm>
+            <a:off x="4810259" y="649480"/>
+            <a:ext cx="6555347" cy="5546047"/>
+          </a:xfrm>
+        </p:spPr>
+        <p:txBody>
+          <a:bodyPr anchor="ctr">
+            <a:normAutofit/>
+          </a:bodyPr>
+          <a:lstStyle/>
+          <a:p>
+            <a:r>
+              <a:rPr lang="en-US" sz="2400" dirty="0"/>
+              <a:t>Removal of special characters (@,#, etc.)</a:t>
+            </a:r>
+          </a:p>
+          <a:p>
+            <a:r>
+              <a:rPr lang="en-US" sz="2400" dirty="0"/>
+              <a:t>Applying NLP Techniques such as Stemming, Lemmatization, and Tokenization.</a:t>
+            </a:r>
+          </a:p>
+          <a:p>
+            <a:r>
+              <a:rPr lang="en-US" sz="2400" dirty="0"/>
+              <a:t>Removal of small words (less than 3 characters in length)</a:t>
+            </a:r>
+          </a:p>
+          <a:p>
+            <a:r>
+              <a:rPr lang="en-US" sz="2400" dirty="0"/>
+              <a:t>Removing stop words</a:t>
+            </a:r>
+          </a:p>
+          <a:p>
+            <a:r>
+              <a:rPr lang="en-US" sz="2400" dirty="0" err="1"/>
+              <a:t>WordClouds</a:t>
+            </a:r>
+            <a:r>
+              <a:rPr lang="en-US" sz="2400" dirty="0"/>
+              <a:t> – Visualizations of most important words</a:t>
+            </a:r>
+          </a:p>
+        </p:txBody>
+      </p:sp>
+    </p:spTree>
+    <p:extLst>
+      <p:ext uri="{BB962C8B-B14F-4D97-AF65-F5344CB8AC3E}">
+        <p14:creationId xmlns:p14="http://schemas.microsoft.com/office/powerpoint/2010/main" val="1707708481"/>
+      </p:ext>
+    </p:extLst>
+  </p:cSld>
+  <p:clrMapOvr>
+    <a:masterClrMapping/>
+  </p:clrMapOvr>
+</p:sld>
+</file>
+
+<file path=ppt/slides/slide7.xml><?xml version="1.0" encoding="utf-8"?>
+<p:sld xmlns:a="http://schemas.openxmlformats.org/drawingml/2006/main" xmlns:r="http://schemas.openxmlformats.org/officeDocument/2006/relationships" xmlns:p="http://schemas.openxmlformats.org/presentationml/2006/main">
+  <p:cSld>
+    <p:bg>
+      <p:bgPr>
+        <a:solidFill>
+          <a:schemeClr val="bg1"/>
+        </a:solidFill>
+        <a:effectLst/>
+      </p:bgPr>
+    </p:bg>
+    <p:spTree>
+      <p:nvGrpSpPr>
+        <p:cNvPr id="1" name=""/>
+        <p:cNvGrpSpPr/>
+        <p:nvPr/>
+      </p:nvGrpSpPr>
+      <p:grpSpPr>
+        <a:xfrm>
+          <a:off x="0" y="0"/>
+          <a:ext cx="0" cy="0"/>
+          <a:chOff x="0" y="0"/>
+          <a:chExt cx="0" cy="0"/>
+        </a:xfrm>
+      </p:grpSpPr>
+      <p:sp useBgFill="1">
+        <p:nvSpPr>
+          <p:cNvPr id="8" name="Rectangle 7">
+            <a:extLst>
+              <a:ext uri="{FF2B5EF4-FFF2-40B4-BE49-F238E27FC236}">
+                <a16:creationId xmlns:a16="http://schemas.microsoft.com/office/drawing/2014/main" id="{09588DA8-065E-4F6F-8EFD-43104AB2E0CF}"/>
+              </a:ext>
+              <a:ext uri="{C183D7F6-B498-43B3-948B-1728B52AA6E4}">
+                <adec:decorative xmlns:adec="http://schemas.microsoft.com/office/drawing/2017/decorative" val="1"/>
+              </a:ext>
+            </a:extLst>
+          </p:cNvPr>
+          <p:cNvSpPr>
+            <a:spLocks noGrp="1" noRot="1" noChangeAspect="1" noMove="1" noResize="1" noEditPoints="1" noAdjustHandles="1" noChangeArrowheads="1" noChangeShapeType="1" noTextEdit="1"/>
+          </p:cNvSpPr>
+          <p:nvPr>
+            <p:extLst>
+              <p:ext uri="{386F3935-93C4-4BCD-93E2-E3B085C9AB24}">
+                <p16:designElem xmlns:p16="http://schemas.microsoft.com/office/powerpoint/2015/main" val="1"/>
+              </p:ext>
+            </p:extLst>
+          </p:nvPr>
+        </p:nvSpPr>
+        <p:spPr>
+          <a:xfrm>
+            <a:off x="0" y="0"/>
+            <a:ext cx="12192000" cy="6858000"/>
+          </a:xfrm>
+          <a:prstGeom prst="rect">
+            <a:avLst/>
+          </a:prstGeom>
+          <a:ln w="12700" cap="flat" cmpd="sng" algn="ctr">
+            <a:noFill/>
+            <a:prstDash val="solid"/>
+            <a:miter lim="800000"/>
+          </a:ln>
+          <a:effectLst/>
+          <a:extLst>
+            <a:ext uri="{91240B29-F687-4F45-9708-019B960494DF}">
+              <a14:hiddenLine xmlns:a14="http://schemas.microsoft.com/office/drawing/2010/main" w="12700" cap="flat" cmpd="sng" algn="ctr">
+                <a:solidFill>
+                  <a:schemeClr val="accent1">
+                    <a:shade val="50000"/>
+                  </a:schemeClr>
+                </a:solidFill>
+                <a:prstDash val="solid"/>
+                <a:miter lim="800000"/>
+              </a14:hiddenLine>
+            </a:ext>
+          </a:extLst>
+        </p:spPr>
+        <p:style>
+          <a:lnRef idx="2">
+            <a:schemeClr val="accent1">
+              <a:shade val="50000"/>
+            </a:schemeClr>
+          </a:lnRef>
+          <a:fillRef idx="1">
+            <a:schemeClr val="accent1"/>
+          </a:fillRef>
+          <a:effectRef idx="0">
+            <a:schemeClr val="accent1"/>
+          </a:effectRef>
+          <a:fontRef idx="minor">
+            <a:schemeClr val="lt1"/>
+          </a:fontRef>
+        </p:style>
+        <p:txBody>
+          <a:bodyPr rtlCol="0" anchor="ctr"/>
+          <a:lstStyle/>
+          <a:p>
+            <a:pPr algn="ctr"/>
+            <a:endParaRPr lang="en-US"/>
+          </a:p>
+        </p:txBody>
+      </p:sp>
+      <p:sp useBgFill="1">
+        <p:nvSpPr>
+          <p:cNvPr id="10" name="Rectangle 9">
+            <a:extLst>
+              <a:ext uri="{FF2B5EF4-FFF2-40B4-BE49-F238E27FC236}">
+                <a16:creationId xmlns:a16="http://schemas.microsoft.com/office/drawing/2014/main" id="{C4285719-470E-454C-AF62-8323075F1F5B}"/>
+              </a:ext>
+              <a:ext uri="{C183D7F6-B498-43B3-948B-1728B52AA6E4}">
+                <adec:decorative xmlns:adec="http://schemas.microsoft.com/office/drawing/2017/decorative" val="1"/>
+              </a:ext>
+            </a:extLst>
+          </p:cNvPr>
+          <p:cNvSpPr>
+            <a:spLocks noGrp="1" noRot="1" noChangeAspect="1" noMove="1" noResize="1" noEditPoints="1" noAdjustHandles="1" noChangeArrowheads="1" noChangeShapeType="1" noTextEdit="1"/>
+          </p:cNvSpPr>
+          <p:nvPr>
+            <p:extLst>
+              <p:ext uri="{386F3935-93C4-4BCD-93E2-E3B085C9AB24}">
+                <p16:designElem xmlns:p16="http://schemas.microsoft.com/office/powerpoint/2015/main" val="1"/>
+              </p:ext>
+            </p:extLst>
+          </p:nvPr>
+        </p:nvSpPr>
+        <p:spPr>
+          <a:xfrm>
+            <a:off x="0" y="0"/>
+            <a:ext cx="12188952" cy="6858000"/>
+          </a:xfrm>
+          <a:prstGeom prst="rect">
+            <a:avLst/>
+          </a:prstGeom>
+          <a:ln w="12700" cap="flat" cmpd="sng" algn="ctr">
+            <a:noFill/>
+            <a:prstDash val="solid"/>
+            <a:miter lim="800000"/>
+          </a:ln>
+          <a:effectLst/>
+          <a:extLst>
+            <a:ext uri="{91240B29-F687-4F45-9708-019B960494DF}">
+              <a14:hiddenLine xmlns:a14="http://schemas.microsoft.com/office/drawing/2010/main" w="12700" cap="flat" cmpd="sng" algn="ctr">
+                <a:solidFill>
+                  <a:schemeClr val="accent1">
+                    <a:shade val="50000"/>
+                  </a:schemeClr>
+                </a:solidFill>
+                <a:prstDash val="solid"/>
+                <a:miter lim="800000"/>
+              </a14:hiddenLine>
+            </a:ext>
+          </a:extLst>
+        </p:spPr>
+        <p:style>
+          <a:lnRef idx="2">
+            <a:schemeClr val="accent1">
+              <a:shade val="50000"/>
+            </a:schemeClr>
+          </a:lnRef>
+          <a:fillRef idx="1">
+            <a:schemeClr val="accent1"/>
+          </a:fillRef>
+          <a:effectRef idx="0">
+            <a:schemeClr val="accent1"/>
+          </a:effectRef>
+          <a:fontRef idx="minor">
+            <a:schemeClr val="lt1"/>
+          </a:fontRef>
+        </p:style>
+        <p:txBody>
+          <a:bodyPr rtlCol="0" anchor="ctr"/>
+          <a:lstStyle/>
+          <a:p>
+            <a:pPr algn="ctr"/>
+            <a:endParaRPr lang="en-US"/>
+          </a:p>
+        </p:txBody>
+      </p:sp>
+      <p:sp>
+        <p:nvSpPr>
+          <p:cNvPr id="12" name="Rectangle 11">
+            <a:extLst>
+              <a:ext uri="{FF2B5EF4-FFF2-40B4-BE49-F238E27FC236}">
+                <a16:creationId xmlns:a16="http://schemas.microsoft.com/office/drawing/2014/main" id="{CD9FE4EF-C4D8-49A0-B2FF-81D8DB7D8A24}"/>
+              </a:ext>
+              <a:ext uri="{C183D7F6-B498-43B3-948B-1728B52AA6E4}">
+                <adec:decorative xmlns:adec="http://schemas.microsoft.com/office/drawing/2017/decorative" val="1"/>
+              </a:ext>
+            </a:extLst>
+          </p:cNvPr>
+          <p:cNvSpPr>
+            <a:spLocks noGrp="1" noRot="1" noChangeAspect="1" noMove="1" noResize="1" noEditPoints="1" noAdjustHandles="1" noChangeArrowheads="1" noChangeShapeType="1" noTextEdit="1"/>
+          </p:cNvSpPr>
+          <p:nvPr>
+            <p:extLst>
+              <p:ext uri="{386F3935-93C4-4BCD-93E2-E3B085C9AB24}">
+                <p16:designElem xmlns:p16="http://schemas.microsoft.com/office/powerpoint/2015/main" val="1"/>
+              </p:ext>
+            </p:extLst>
+          </p:nvPr>
+        </p:nvSpPr>
+        <p:spPr>
+          <a:xfrm rot="5400000" flipH="1">
+            <a:off x="-1410084" y="1410082"/>
+            <a:ext cx="6858000" cy="4037836"/>
+          </a:xfrm>
+          <a:prstGeom prst="rect">
+            <a:avLst/>
+          </a:prstGeom>
+          <a:gradFill>
+            <a:gsLst>
+              <a:gs pos="8000">
+                <a:srgbClr val="000000"/>
+              </a:gs>
+              <a:gs pos="100000">
+                <a:schemeClr val="accent1">
+                  <a:lumMod val="75000"/>
+                </a:schemeClr>
+              </a:gs>
+            </a:gsLst>
+            <a:lin ang="3000000" scaled="0"/>
+          </a:gradFill>
+          <a:ln>
+            <a:noFill/>
+          </a:ln>
+        </p:spPr>
+        <p:style>
+          <a:lnRef idx="2">
+            <a:schemeClr val="accent1">
+              <a:shade val="50000"/>
+            </a:schemeClr>
+          </a:lnRef>
+          <a:fillRef idx="1">
+            <a:schemeClr val="accent1"/>
+          </a:fillRef>
+          <a:effectRef idx="0">
+            <a:schemeClr val="accent1"/>
+          </a:effectRef>
+          <a:fontRef idx="minor">
+            <a:schemeClr val="lt1"/>
+          </a:fontRef>
+        </p:style>
+        <p:txBody>
+          <a:bodyPr rtlCol="0" anchor="ctr"/>
+          <a:lstStyle/>
+          <a:p>
+            <a:pPr algn="ctr"/>
+            <a:endParaRPr lang="en-US"/>
+          </a:p>
+        </p:txBody>
+      </p:sp>
+      <p:sp>
+        <p:nvSpPr>
+          <p:cNvPr id="14" name="Rectangle 13">
+            <a:extLst>
+              <a:ext uri="{FF2B5EF4-FFF2-40B4-BE49-F238E27FC236}">
+                <a16:creationId xmlns:a16="http://schemas.microsoft.com/office/drawing/2014/main" id="{4300840D-0A0B-4512-BACA-B439D5B9C57C}"/>
+              </a:ext>
+              <a:ext uri="{C183D7F6-B498-43B3-948B-1728B52AA6E4}">
+                <adec:decorative xmlns:adec="http://schemas.microsoft.com/office/drawing/2017/decorative" val="1"/>
+              </a:ext>
+            </a:extLst>
+          </p:cNvPr>
+          <p:cNvSpPr>
+            <a:spLocks noGrp="1" noRot="1" noChangeAspect="1" noMove="1" noResize="1" noEditPoints="1" noAdjustHandles="1" noChangeArrowheads="1" noChangeShapeType="1" noTextEdit="1"/>
+          </p:cNvSpPr>
+          <p:nvPr>
+            <p:extLst>
+              <p:ext uri="{386F3935-93C4-4BCD-93E2-E3B085C9AB24}">
+                <p16:designElem xmlns:p16="http://schemas.microsoft.com/office/powerpoint/2015/main" val="1"/>
+              </p:ext>
+            </p:extLst>
+          </p:nvPr>
+        </p:nvSpPr>
+        <p:spPr>
+          <a:xfrm rot="5400000" flipH="1">
+            <a:off x="-1410085" y="1420219"/>
+            <a:ext cx="6857999" cy="4037839"/>
+          </a:xfrm>
+          <a:prstGeom prst="rect">
+            <a:avLst/>
+          </a:prstGeom>
+          <a:gradFill>
+            <a:gsLst>
+              <a:gs pos="0">
+                <a:srgbClr val="000000">
+                  <a:alpha val="0"/>
+                </a:srgbClr>
+              </a:gs>
+              <a:gs pos="99000">
+                <a:schemeClr val="accent1">
+                  <a:alpha val="46000"/>
+                </a:schemeClr>
+              </a:gs>
+            </a:gsLst>
+            <a:lin ang="1800000" scaled="0"/>
+          </a:gradFill>
+          <a:ln>
+            <a:noFill/>
+          </a:ln>
+        </p:spPr>
+        <p:style>
+          <a:lnRef idx="2">
+            <a:schemeClr val="accent1">
+              <a:shade val="50000"/>
+            </a:schemeClr>
+          </a:lnRef>
+          <a:fillRef idx="1">
+            <a:schemeClr val="accent1"/>
+          </a:fillRef>
+          <a:effectRef idx="0">
+            <a:schemeClr val="accent1"/>
+          </a:effectRef>
+          <a:fontRef idx="minor">
+            <a:schemeClr val="lt1"/>
+          </a:fontRef>
+        </p:style>
+        <p:txBody>
+          <a:bodyPr rtlCol="0" anchor="ctr"/>
+          <a:lstStyle/>
+          <a:p>
+            <a:pPr algn="ctr"/>
+            <a:endParaRPr lang="en-US"/>
+          </a:p>
+        </p:txBody>
+      </p:sp>
+      <p:sp>
+        <p:nvSpPr>
+          <p:cNvPr id="16" name="Rectangle 15">
+            <a:extLst>
+              <a:ext uri="{FF2B5EF4-FFF2-40B4-BE49-F238E27FC236}">
+                <a16:creationId xmlns:a16="http://schemas.microsoft.com/office/drawing/2014/main" id="{D2B78728-A580-49A7-84F9-6EF6F583ADE0}"/>
+              </a:ext>
+              <a:ext uri="{C183D7F6-B498-43B3-948B-1728B52AA6E4}">
+                <adec:decorative xmlns:adec="http://schemas.microsoft.com/office/drawing/2017/decorative" val="1"/>
+              </a:ext>
+            </a:extLst>
+          </p:cNvPr>
+          <p:cNvSpPr>
+            <a:spLocks noGrp="1" noRot="1" noChangeAspect="1" noMove="1" noResize="1" noEditPoints="1" noAdjustHandles="1" noChangeArrowheads="1" noChangeShapeType="1" noTextEdit="1"/>
+          </p:cNvSpPr>
+          <p:nvPr>
+            <p:extLst>
+              <p:ext uri="{386F3935-93C4-4BCD-93E2-E3B085C9AB24}">
+                <p16:designElem xmlns:p16="http://schemas.microsoft.com/office/powerpoint/2015/main" val="1"/>
+              </p:ext>
+            </p:extLst>
+          </p:nvPr>
+        </p:nvSpPr>
+        <p:spPr>
+          <a:xfrm rot="5400000" flipH="1">
+            <a:off x="767923" y="3588085"/>
+            <a:ext cx="2501979" cy="4037841"/>
+          </a:xfrm>
+          <a:prstGeom prst="rect">
+            <a:avLst/>
+          </a:prstGeom>
+          <a:gradFill>
+            <a:gsLst>
+              <a:gs pos="2000">
+                <a:schemeClr val="accent1">
+                  <a:alpha val="29000"/>
+                </a:schemeClr>
+              </a:gs>
+              <a:gs pos="100000">
+                <a:srgbClr val="000000">
+                  <a:alpha val="30000"/>
+                </a:srgbClr>
+              </a:gs>
+            </a:gsLst>
+            <a:lin ang="7800000" scaled="0"/>
+          </a:gradFill>
+          <a:ln>
+            <a:noFill/>
+          </a:ln>
+        </p:spPr>
+        <p:style>
+          <a:lnRef idx="2">
+            <a:schemeClr val="accent1">
+              <a:shade val="50000"/>
+            </a:schemeClr>
+          </a:lnRef>
+          <a:fillRef idx="1">
+            <a:schemeClr val="accent1"/>
+          </a:fillRef>
+          <a:effectRef idx="0">
+            <a:schemeClr val="accent1"/>
+          </a:effectRef>
+          <a:fontRef idx="minor">
+            <a:schemeClr val="lt1"/>
+          </a:fontRef>
+        </p:style>
+        <p:txBody>
+          <a:bodyPr rtlCol="0" anchor="ctr"/>
+          <a:lstStyle/>
+          <a:p>
+            <a:pPr algn="ctr"/>
+            <a:endParaRPr lang="en-US" dirty="0"/>
+          </a:p>
+        </p:txBody>
+      </p:sp>
+      <p:sp>
+        <p:nvSpPr>
+          <p:cNvPr id="18" name="Freeform: Shape 17">
+            <a:extLst>
+              <a:ext uri="{FF2B5EF4-FFF2-40B4-BE49-F238E27FC236}">
+                <a16:creationId xmlns:a16="http://schemas.microsoft.com/office/drawing/2014/main" id="{38FAA1A1-D861-433F-88FA-1E9D6FD31D11}"/>
+              </a:ext>
+              <a:ext uri="{C183D7F6-B498-43B3-948B-1728B52AA6E4}">
+                <adec:decorative xmlns:adec="http://schemas.microsoft.com/office/drawing/2017/decorative" val="1"/>
+              </a:ext>
+            </a:extLst>
+          </p:cNvPr>
+          <p:cNvSpPr>
+            <a:spLocks noGrp="1" noRot="1" noChangeAspect="1" noMove="1" noResize="1" noEditPoints="1" noAdjustHandles="1" noChangeArrowheads="1" noChangeShapeType="1" noTextEdit="1"/>
+          </p:cNvSpPr>
+          <p:nvPr>
+            <p:extLst>
+              <p:ext uri="{386F3935-93C4-4BCD-93E2-E3B085C9AB24}">
+                <p16:designElem xmlns:p16="http://schemas.microsoft.com/office/powerpoint/2015/main" val="1"/>
+              </p:ext>
+            </p:extLst>
+          </p:nvPr>
+        </p:nvSpPr>
+        <p:spPr>
+          <a:xfrm rot="20635413">
+            <a:off x="-501737" y="969718"/>
+            <a:ext cx="3900357" cy="4178958"/>
+          </a:xfrm>
+          <a:custGeom>
+            <a:avLst/>
+            <a:gdLst>
+              <a:gd name="connsiteX0" fmla="*/ 2432225 w 3900357"/>
+              <a:gd name="connsiteY0" fmla="*/ 93939 h 4178958"/>
+              <a:gd name="connsiteX1" fmla="*/ 3900357 w 3900357"/>
+              <a:gd name="connsiteY1" fmla="*/ 2089479 h 4178958"/>
+              <a:gd name="connsiteX2" fmla="*/ 1810878 w 3900357"/>
+              <a:gd name="connsiteY2" fmla="*/ 4178958 h 4178958"/>
+              <a:gd name="connsiteX3" fmla="*/ 78249 w 3900357"/>
+              <a:gd name="connsiteY3" fmla="*/ 3257727 h 4178958"/>
+              <a:gd name="connsiteX4" fmla="*/ 0 w 3900357"/>
+              <a:gd name="connsiteY4" fmla="*/ 3128923 h 4178958"/>
+              <a:gd name="connsiteX5" fmla="*/ 831324 w 3900357"/>
+              <a:gd name="connsiteY5" fmla="*/ 244281 h 4178958"/>
+              <a:gd name="connsiteX6" fmla="*/ 997559 w 3900357"/>
+              <a:gd name="connsiteY6" fmla="*/ 164202 h 4178958"/>
+              <a:gd name="connsiteX7" fmla="*/ 1810878 w 3900357"/>
+              <a:gd name="connsiteY7" fmla="*/ 0 h 4178958"/>
+              <a:gd name="connsiteX8" fmla="*/ 2432225 w 3900357"/>
+              <a:gd name="connsiteY8" fmla="*/ 93939 h 4178958"/>
+            </a:gdLst>
+            <a:ahLst/>
+            <a:cxnLst>
+              <a:cxn ang="0">
+                <a:pos x="connsiteX0" y="connsiteY0"/>
+              </a:cxn>
+              <a:cxn ang="0">
+                <a:pos x="connsiteX1" y="connsiteY1"/>
+              </a:cxn>
+              <a:cxn ang="0">
+                <a:pos x="connsiteX2" y="connsiteY2"/>
+              </a:cxn>
+              <a:cxn ang="0">
+                <a:pos x="connsiteX3" y="connsiteY3"/>
+              </a:cxn>
+              <a:cxn ang="0">
+                <a:pos x="connsiteX4" y="connsiteY4"/>
+              </a:cxn>
+              <a:cxn ang="0">
+                <a:pos x="connsiteX5" y="connsiteY5"/>
+              </a:cxn>
+              <a:cxn ang="0">
+                <a:pos x="connsiteX6" y="connsiteY6"/>
+              </a:cxn>
+              <a:cxn ang="0">
+                <a:pos x="connsiteX7" y="connsiteY7"/>
+              </a:cxn>
+              <a:cxn ang="0">
+                <a:pos x="connsiteX8" y="connsiteY8"/>
+              </a:cxn>
+            </a:cxnLst>
+            <a:rect l="l" t="t" r="r" b="b"/>
+            <a:pathLst>
+              <a:path w="3900357" h="4178958">
+                <a:moveTo>
+                  <a:pt x="2432225" y="93939"/>
+                </a:moveTo>
+                <a:cubicBezTo>
+                  <a:pt x="3282786" y="358491"/>
+                  <a:pt x="3900357" y="1151865"/>
+                  <a:pt x="3900357" y="2089479"/>
+                </a:cubicBezTo>
+                <a:cubicBezTo>
+                  <a:pt x="3900357" y="3243466"/>
+                  <a:pt x="2964865" y="4178958"/>
+                  <a:pt x="1810878" y="4178958"/>
+                </a:cubicBezTo>
+                <a:cubicBezTo>
+                  <a:pt x="1089636" y="4178958"/>
+                  <a:pt x="453744" y="3813531"/>
+                  <a:pt x="78249" y="3257727"/>
+                </a:cubicBezTo>
+                <a:lnTo>
+                  <a:pt x="0" y="3128923"/>
+                </a:lnTo>
+                <a:lnTo>
+                  <a:pt x="831324" y="244281"/>
+                </a:lnTo>
+                <a:lnTo>
+                  <a:pt x="997559" y="164202"/>
+                </a:lnTo>
+                <a:cubicBezTo>
+                  <a:pt x="1247540" y="58468"/>
+                  <a:pt x="1522381" y="0"/>
+                  <a:pt x="1810878" y="0"/>
+                </a:cubicBezTo>
+                <a:cubicBezTo>
+                  <a:pt x="2027251" y="0"/>
+                  <a:pt x="2235942" y="32888"/>
+                  <a:pt x="2432225" y="93939"/>
+                </a:cubicBezTo>
+                <a:close/>
+              </a:path>
+            </a:pathLst>
+          </a:custGeom>
+          <a:gradFill>
+            <a:gsLst>
+              <a:gs pos="29000">
+                <a:srgbClr val="000000">
+                  <a:alpha val="0"/>
+                </a:srgbClr>
+              </a:gs>
+              <a:gs pos="100000">
+                <a:schemeClr val="accent1">
+                  <a:alpha val="43000"/>
+                </a:schemeClr>
+              </a:gs>
+            </a:gsLst>
+            <a:lin ang="1800000" scaled="0"/>
+          </a:gradFill>
+          <a:ln>
+            <a:noFill/>
+          </a:ln>
+        </p:spPr>
+        <p:style>
+          <a:lnRef idx="2">
+            <a:schemeClr val="accent1">
+              <a:shade val="50000"/>
+            </a:schemeClr>
+          </a:lnRef>
+          <a:fillRef idx="1">
+            <a:schemeClr val="accent1"/>
+          </a:fillRef>
+          <a:effectRef idx="0">
+            <a:schemeClr val="accent1"/>
+          </a:effectRef>
+          <a:fontRef idx="minor">
+            <a:schemeClr val="lt1"/>
+          </a:fontRef>
+        </p:style>
+        <p:txBody>
+          <a:bodyPr wrap="square" rtlCol="0" anchor="ctr">
+            <a:noAutofit/>
+          </a:bodyPr>
+          <a:lstStyle/>
+          <a:p>
+            <a:pPr algn="ctr"/>
+            <a:endParaRPr lang="en-US" dirty="0"/>
+          </a:p>
+        </p:txBody>
+      </p:sp>
+      <p:sp>
+        <p:nvSpPr>
+          <p:cNvPr id="20" name="Rectangle 19">
+            <a:extLst>
+              <a:ext uri="{FF2B5EF4-FFF2-40B4-BE49-F238E27FC236}">
+                <a16:creationId xmlns:a16="http://schemas.microsoft.com/office/drawing/2014/main" id="{8D71EDA1-87BF-4D5D-AB79-F346FD19278A}"/>
+              </a:ext>
+              <a:ext uri="{C183D7F6-B498-43B3-948B-1728B52AA6E4}">
+                <adec:decorative xmlns:adec="http://schemas.microsoft.com/office/drawing/2017/decorative" val="1"/>
+              </a:ext>
+            </a:extLst>
+          </p:cNvPr>
+          <p:cNvSpPr>
+            <a:spLocks noGrp="1" noRot="1" noChangeAspect="1" noMove="1" noResize="1" noEditPoints="1" noAdjustHandles="1" noChangeArrowheads="1" noChangeShapeType="1" noTextEdit="1"/>
+          </p:cNvSpPr>
+          <p:nvPr>
+            <p:extLst>
+              <p:ext uri="{386F3935-93C4-4BCD-93E2-E3B085C9AB24}">
+                <p16:designElem xmlns:p16="http://schemas.microsoft.com/office/powerpoint/2015/main" val="1"/>
+              </p:ext>
+            </p:extLst>
+          </p:nvPr>
+        </p:nvSpPr>
+        <p:spPr>
+          <a:xfrm rot="5400000" flipH="1">
+            <a:off x="-1410093" y="1399943"/>
+            <a:ext cx="6858003" cy="4037835"/>
+          </a:xfrm>
+          <a:prstGeom prst="rect">
+            <a:avLst/>
+          </a:prstGeom>
+          <a:gradFill>
+            <a:gsLst>
+              <a:gs pos="0">
+                <a:srgbClr val="000000">
+                  <a:alpha val="0"/>
+                </a:srgbClr>
+              </a:gs>
+              <a:gs pos="99000">
+                <a:schemeClr val="accent1">
+                  <a:lumMod val="60000"/>
+                  <a:lumOff val="40000"/>
+                  <a:alpha val="11000"/>
+                </a:schemeClr>
+              </a:gs>
+            </a:gsLst>
+            <a:lin ang="7200000" scaled="0"/>
+          </a:gradFill>
+          <a:ln>
+            <a:noFill/>
+          </a:ln>
+        </p:spPr>
+        <p:style>
+          <a:lnRef idx="2">
+            <a:schemeClr val="accent1">
+              <a:shade val="50000"/>
+            </a:schemeClr>
+          </a:lnRef>
+          <a:fillRef idx="1">
+            <a:schemeClr val="accent1"/>
+          </a:fillRef>
+          <a:effectRef idx="0">
+            <a:schemeClr val="accent1"/>
+          </a:effectRef>
+          <a:fontRef idx="minor">
+            <a:schemeClr val="lt1"/>
+          </a:fontRef>
+        </p:style>
+        <p:txBody>
+          <a:bodyPr rtlCol="0" anchor="ctr"/>
+          <a:lstStyle/>
+          <a:p>
+            <a:pPr algn="ctr"/>
+            <a:endParaRPr lang="en-US"/>
+          </a:p>
+        </p:txBody>
+      </p:sp>
+      <p:sp>
+        <p:nvSpPr>
+          <p:cNvPr id="2" name="Title 1">
+            <a:extLst>
+              <a:ext uri="{FF2B5EF4-FFF2-40B4-BE49-F238E27FC236}">
+                <a16:creationId xmlns:a16="http://schemas.microsoft.com/office/drawing/2014/main" id="{B9A96219-0B50-DC43-9836-FD021AF451C7}"/>
+              </a:ext>
+            </a:extLst>
+          </p:cNvPr>
+          <p:cNvSpPr>
+            <a:spLocks noGrp="1"/>
+          </p:cNvSpPr>
+          <p:nvPr>
+            <p:ph type="title"/>
+          </p:nvPr>
+        </p:nvSpPr>
+        <p:spPr>
+          <a:xfrm>
+            <a:off x="466722" y="586855"/>
+            <a:ext cx="3201366" cy="3387497"/>
+          </a:xfrm>
+        </p:spPr>
+        <p:txBody>
+          <a:bodyPr anchor="b">
+            <a:normAutofit/>
+          </a:bodyPr>
+          <a:lstStyle/>
+          <a:p>
+            <a:pPr algn="r"/>
+            <a:r>
+              <a:rPr lang="en-US" sz="4000">
+                <a:solidFill>
+                  <a:srgbClr val="FFFFFF"/>
+                </a:solidFill>
+              </a:rPr>
+              <a:t>Methods</a:t>
+            </a:r>
+          </a:p>
+        </p:txBody>
+      </p:sp>
+      <p:sp>
+        <p:nvSpPr>
+          <p:cNvPr id="3" name="Content Placeholder 2">
+            <a:extLst>
+              <a:ext uri="{FF2B5EF4-FFF2-40B4-BE49-F238E27FC236}">
+                <a16:creationId xmlns:a16="http://schemas.microsoft.com/office/drawing/2014/main" id="{8D24899F-AC40-5747-B683-C297EF6FF0A5}"/>
+              </a:ext>
+            </a:extLst>
+          </p:cNvPr>
+          <p:cNvSpPr>
+            <a:spLocks noGrp="1"/>
+          </p:cNvSpPr>
+          <p:nvPr>
+            <p:ph idx="1"/>
+          </p:nvPr>
+        </p:nvSpPr>
+        <p:spPr>
+          <a:xfrm>
+            <a:off x="4810259" y="649480"/>
+            <a:ext cx="6555347" cy="5546047"/>
+          </a:xfrm>
+        </p:spPr>
+        <p:txBody>
+          <a:bodyPr anchor="ctr">
+            <a:normAutofit/>
+          </a:bodyPr>
+          <a:lstStyle/>
+          <a:p>
+            <a:pPr marL="0" indent="0">
+              <a:buNone/>
+            </a:pPr>
+            <a:r>
+              <a:rPr lang="en-US" sz="2000" dirty="0"/>
+              <a:t>Build machine learning models with Word Vectorizers to predict future sentiments (using </a:t>
+            </a:r>
+            <a:r>
+              <a:rPr lang="en-US" sz="2000" dirty="0" err="1"/>
+              <a:t>CountVectorizer</a:t>
+            </a:r>
+            <a:r>
+              <a:rPr lang="en-US" sz="2000" dirty="0"/>
+              <a:t> and Term Frequency - Inverse Document Frequency (TFIDF)</a:t>
+            </a:r>
+          </a:p>
+          <a:p>
+            <a:pPr marL="0" indent="0">
+              <a:buNone/>
+            </a:pPr>
+            <a:endParaRPr lang="en-US" sz="2000" dirty="0"/>
+          </a:p>
+          <a:p>
+            <a:pPr marL="0" indent="0">
+              <a:buNone/>
+            </a:pPr>
+            <a:r>
+              <a:rPr lang="en-US" sz="2000" dirty="0">
+                <a:effectLst/>
+                <a:latin typeface="Calibri" panose="020F0502020204030204" pitchFamily="34" charset="0"/>
+              </a:rPr>
+              <a:t>Developed several models to evaluate performance </a:t>
+            </a:r>
+            <a:endParaRPr lang="en-US" sz="1800" dirty="0">
+              <a:effectLst/>
+            </a:endParaRPr>
+          </a:p>
+          <a:p>
+            <a:pPr lvl="1"/>
+            <a:r>
+              <a:rPr lang="en-US" sz="1600" dirty="0">
+                <a:effectLst/>
+                <a:latin typeface="Calibri" panose="020F0502020204030204" pitchFamily="34" charset="0"/>
+              </a:rPr>
+              <a:t>Precision – correct predictions vs total predictions </a:t>
+            </a:r>
+            <a:endParaRPr lang="en-US" sz="1600" dirty="0">
+              <a:effectLst/>
+              <a:latin typeface="ArialMT"/>
+            </a:endParaRPr>
+          </a:p>
+          <a:p>
+            <a:pPr lvl="1"/>
+            <a:r>
+              <a:rPr lang="en-US" sz="1600" dirty="0">
+                <a:effectLst/>
+                <a:latin typeface="Calibri" panose="020F0502020204030204" pitchFamily="34" charset="0"/>
+              </a:rPr>
+              <a:t>Recall – Correct predictions vs actual positive predictions </a:t>
+            </a:r>
+            <a:endParaRPr lang="en-US" sz="1600" dirty="0">
+              <a:effectLst/>
+              <a:latin typeface="ArialMT"/>
+            </a:endParaRPr>
+          </a:p>
+          <a:p>
+            <a:pPr lvl="1"/>
+            <a:r>
+              <a:rPr lang="en-US" sz="1600" dirty="0">
+                <a:effectLst/>
+                <a:latin typeface="Calibri" panose="020F0502020204030204" pitchFamily="34" charset="0"/>
+              </a:rPr>
+              <a:t>F1 score – harmonic mean of Precision and Recall</a:t>
+            </a:r>
+          </a:p>
+          <a:p>
+            <a:pPr lvl="1"/>
+            <a:r>
+              <a:rPr lang="en-US" sz="1600" dirty="0">
+                <a:effectLst/>
+                <a:latin typeface="Calibri" panose="020F0502020204030204" pitchFamily="34" charset="0"/>
+              </a:rPr>
+              <a:t> Accuracy </a:t>
+            </a:r>
+            <a:endParaRPr lang="en-US" sz="1600" dirty="0">
+              <a:effectLst/>
+              <a:latin typeface="ArialMT"/>
+            </a:endParaRPr>
+          </a:p>
+        </p:txBody>
+      </p:sp>
+    </p:spTree>
+    <p:extLst>
+      <p:ext uri="{BB962C8B-B14F-4D97-AF65-F5344CB8AC3E}">
+        <p14:creationId xmlns:p14="http://schemas.microsoft.com/office/powerpoint/2010/main" val="2558670529"/>
+      </p:ext>
+    </p:extLst>
+  </p:cSld>
+  <p:clrMapOvr>
+    <a:masterClrMapping/>
+  </p:clrMapOvr>
+</p:sld>
+</file>
+
+<file path=ppt/slides/slide8.xml><?xml version="1.0" encoding="utf-8"?>
+<p:sld xmlns:a="http://schemas.openxmlformats.org/drawingml/2006/main" xmlns:r="http://schemas.openxmlformats.org/officeDocument/2006/relationships" xmlns:p="http://schemas.openxmlformats.org/presentationml/2006/main">
+  <p:cSld>
+    <p:bg>
+      <p:bgPr>
+        <a:solidFill>
+          <a:schemeClr val="bg1"/>
+        </a:solidFill>
+        <a:effectLst/>
+      </p:bgPr>
+    </p:bg>
+    <p:spTree>
+      <p:nvGrpSpPr>
+        <p:cNvPr id="1" name=""/>
+        <p:cNvGrpSpPr/>
+        <p:nvPr/>
+      </p:nvGrpSpPr>
+      <p:grpSpPr>
+        <a:xfrm>
+          <a:off x="0" y="0"/>
+          <a:ext cx="0" cy="0"/>
+          <a:chOff x="0" y="0"/>
+          <a:chExt cx="0" cy="0"/>
+        </a:xfrm>
+      </p:grpSpPr>
+      <p:sp useBgFill="1">
+        <p:nvSpPr>
+          <p:cNvPr id="8" name="Rectangle 7">
+            <a:extLst>
+              <a:ext uri="{FF2B5EF4-FFF2-40B4-BE49-F238E27FC236}">
+                <a16:creationId xmlns:a16="http://schemas.microsoft.com/office/drawing/2014/main" id="{09588DA8-065E-4F6F-8EFD-43104AB2E0CF}"/>
+              </a:ext>
+              <a:ext uri="{C183D7F6-B498-43B3-948B-1728B52AA6E4}">
+                <adec:decorative xmlns:adec="http://schemas.microsoft.com/office/drawing/2017/decorative" val="1"/>
+              </a:ext>
+            </a:extLst>
+          </p:cNvPr>
+          <p:cNvSpPr>
+            <a:spLocks noGrp="1" noRot="1" noChangeAspect="1" noMove="1" noResize="1" noEditPoints="1" noAdjustHandles="1" noChangeArrowheads="1" noChangeShapeType="1" noTextEdit="1"/>
+          </p:cNvSpPr>
+          <p:nvPr>
+            <p:extLst>
+              <p:ext uri="{386F3935-93C4-4BCD-93E2-E3B085C9AB24}">
+                <p16:designElem xmlns:p16="http://schemas.microsoft.com/office/powerpoint/2015/main" val="1"/>
+              </p:ext>
+            </p:extLst>
+          </p:nvPr>
+        </p:nvSpPr>
+        <p:spPr>
+          <a:xfrm>
+            <a:off x="0" y="0"/>
+            <a:ext cx="12192000" cy="6858000"/>
+          </a:xfrm>
+          <a:prstGeom prst="rect">
+            <a:avLst/>
+          </a:prstGeom>
+          <a:ln w="12700" cap="flat" cmpd="sng" algn="ctr">
+            <a:noFill/>
+            <a:prstDash val="solid"/>
+            <a:miter lim="800000"/>
+          </a:ln>
+          <a:effectLst/>
+          <a:extLst>
+            <a:ext uri="{91240B29-F687-4F45-9708-019B960494DF}">
+              <a14:hiddenLine xmlns:a14="http://schemas.microsoft.com/office/drawing/2010/main" w="12700" cap="flat" cmpd="sng" algn="ctr">
+                <a:solidFill>
+                  <a:schemeClr val="accent1">
+                    <a:shade val="50000"/>
+                  </a:schemeClr>
+                </a:solidFill>
+                <a:prstDash val="solid"/>
+                <a:miter lim="800000"/>
+              </a14:hiddenLine>
+            </a:ext>
+          </a:extLst>
+        </p:spPr>
+        <p:style>
+          <a:lnRef idx="2">
+            <a:schemeClr val="accent1">
+              <a:shade val="50000"/>
+            </a:schemeClr>
+          </a:lnRef>
+          <a:fillRef idx="1">
+            <a:schemeClr val="accent1"/>
+          </a:fillRef>
+          <a:effectRef idx="0">
+            <a:schemeClr val="accent1"/>
+          </a:effectRef>
+          <a:fontRef idx="minor">
+            <a:schemeClr val="lt1"/>
+          </a:fontRef>
+        </p:style>
+        <p:txBody>
+          <a:bodyPr rtlCol="0" anchor="ctr"/>
+          <a:lstStyle/>
+          <a:p>
+            <a:pPr algn="ctr"/>
+            <a:endParaRPr lang="en-US"/>
+          </a:p>
+        </p:txBody>
+      </p:sp>
+      <p:sp useBgFill="1">
+        <p:nvSpPr>
+          <p:cNvPr id="10" name="Rectangle 9">
+            <a:extLst>
+              <a:ext uri="{FF2B5EF4-FFF2-40B4-BE49-F238E27FC236}">
+                <a16:creationId xmlns:a16="http://schemas.microsoft.com/office/drawing/2014/main" id="{C4285719-470E-454C-AF62-8323075F1F5B}"/>
+              </a:ext>
+              <a:ext uri="{C183D7F6-B498-43B3-948B-1728B52AA6E4}">
+                <adec:decorative xmlns:adec="http://schemas.microsoft.com/office/drawing/2017/decorative" val="1"/>
+              </a:ext>
+            </a:extLst>
+          </p:cNvPr>
+          <p:cNvSpPr>
+            <a:spLocks noGrp="1" noRot="1" noChangeAspect="1" noMove="1" noResize="1" noEditPoints="1" noAdjustHandles="1" noChangeArrowheads="1" noChangeShapeType="1" noTextEdit="1"/>
+          </p:cNvSpPr>
+          <p:nvPr>
+            <p:extLst>
+              <p:ext uri="{386F3935-93C4-4BCD-93E2-E3B085C9AB24}">
+                <p16:designElem xmlns:p16="http://schemas.microsoft.com/office/powerpoint/2015/main" val="1"/>
+              </p:ext>
+            </p:extLst>
+          </p:nvPr>
+        </p:nvSpPr>
+        <p:spPr>
+          <a:xfrm>
+            <a:off x="0" y="0"/>
+            <a:ext cx="12188952" cy="6858000"/>
+          </a:xfrm>
+          <a:prstGeom prst="rect">
+            <a:avLst/>
+          </a:prstGeom>
+          <a:ln w="12700" cap="flat" cmpd="sng" algn="ctr">
+            <a:noFill/>
+            <a:prstDash val="solid"/>
+            <a:miter lim="800000"/>
+          </a:ln>
+          <a:effectLst/>
+          <a:extLst>
+            <a:ext uri="{91240B29-F687-4F45-9708-019B960494DF}">
+              <a14:hiddenLine xmlns:a14="http://schemas.microsoft.com/office/drawing/2010/main" w="12700" cap="flat" cmpd="sng" algn="ctr">
+                <a:solidFill>
+                  <a:schemeClr val="accent1">
+                    <a:shade val="50000"/>
+                  </a:schemeClr>
+                </a:solidFill>
+                <a:prstDash val="solid"/>
+                <a:miter lim="800000"/>
+              </a14:hiddenLine>
+            </a:ext>
+          </a:extLst>
+        </p:spPr>
+        <p:style>
+          <a:lnRef idx="2">
+            <a:schemeClr val="accent1">
+              <a:shade val="50000"/>
+            </a:schemeClr>
+          </a:lnRef>
+          <a:fillRef idx="1">
+            <a:schemeClr val="accent1"/>
+          </a:fillRef>
+          <a:effectRef idx="0">
+            <a:schemeClr val="accent1"/>
+          </a:effectRef>
+          <a:fontRef idx="minor">
+            <a:schemeClr val="lt1"/>
+          </a:fontRef>
+        </p:style>
+        <p:txBody>
+          <a:bodyPr rtlCol="0" anchor="ctr"/>
+          <a:lstStyle/>
+          <a:p>
+            <a:pPr algn="ctr"/>
+            <a:endParaRPr lang="en-US"/>
+          </a:p>
+        </p:txBody>
+      </p:sp>
+      <p:sp>
+        <p:nvSpPr>
+          <p:cNvPr id="12" name="Rectangle 11">
+            <a:extLst>
+              <a:ext uri="{FF2B5EF4-FFF2-40B4-BE49-F238E27FC236}">
+                <a16:creationId xmlns:a16="http://schemas.microsoft.com/office/drawing/2014/main" id="{CD9FE4EF-C4D8-49A0-B2FF-81D8DB7D8A24}"/>
+              </a:ext>
+              <a:ext uri="{C183D7F6-B498-43B3-948B-1728B52AA6E4}">
+                <adec:decorative xmlns:adec="http://schemas.microsoft.com/office/drawing/2017/decorative" val="1"/>
+              </a:ext>
+            </a:extLst>
+          </p:cNvPr>
+          <p:cNvSpPr>
+            <a:spLocks noGrp="1" noRot="1" noChangeAspect="1" noMove="1" noResize="1" noEditPoints="1" noAdjustHandles="1" noChangeArrowheads="1" noChangeShapeType="1" noTextEdit="1"/>
+          </p:cNvSpPr>
+          <p:nvPr>
+            <p:extLst>
+              <p:ext uri="{386F3935-93C4-4BCD-93E2-E3B085C9AB24}">
+                <p16:designElem xmlns:p16="http://schemas.microsoft.com/office/powerpoint/2015/main" val="1"/>
+              </p:ext>
+            </p:extLst>
+          </p:nvPr>
+        </p:nvSpPr>
+        <p:spPr>
+          <a:xfrm rot="5400000" flipH="1">
+            <a:off x="-1410084" y="1410082"/>
+            <a:ext cx="6858000" cy="4037836"/>
+          </a:xfrm>
+          <a:prstGeom prst="rect">
+            <a:avLst/>
+          </a:prstGeom>
+          <a:gradFill>
+            <a:gsLst>
+              <a:gs pos="8000">
+                <a:srgbClr val="000000"/>
+              </a:gs>
+              <a:gs pos="100000">
+                <a:schemeClr val="accent1">
+                  <a:lumMod val="75000"/>
+                </a:schemeClr>
+              </a:gs>
+            </a:gsLst>
+            <a:lin ang="3000000" scaled="0"/>
+          </a:gradFill>
+          <a:ln>
+            <a:noFill/>
+          </a:ln>
+        </p:spPr>
+        <p:style>
+          <a:lnRef idx="2">
+            <a:schemeClr val="accent1">
+              <a:shade val="50000"/>
+            </a:schemeClr>
+          </a:lnRef>
+          <a:fillRef idx="1">
+            <a:schemeClr val="accent1"/>
+          </a:fillRef>
+          <a:effectRef idx="0">
+            <a:schemeClr val="accent1"/>
+          </a:effectRef>
+          <a:fontRef idx="minor">
+            <a:schemeClr val="lt1"/>
+          </a:fontRef>
+        </p:style>
+        <p:txBody>
+          <a:bodyPr rtlCol="0" anchor="ctr"/>
+          <a:lstStyle/>
+          <a:p>
+            <a:pPr algn="ctr"/>
+            <a:endParaRPr lang="en-US"/>
+          </a:p>
+        </p:txBody>
+      </p:sp>
+      <p:sp>
+        <p:nvSpPr>
+          <p:cNvPr id="14" name="Rectangle 13">
+            <a:extLst>
+              <a:ext uri="{FF2B5EF4-FFF2-40B4-BE49-F238E27FC236}">
+                <a16:creationId xmlns:a16="http://schemas.microsoft.com/office/drawing/2014/main" id="{4300840D-0A0B-4512-BACA-B439D5B9C57C}"/>
+              </a:ext>
+              <a:ext uri="{C183D7F6-B498-43B3-948B-1728B52AA6E4}">
+                <adec:decorative xmlns:adec="http://schemas.microsoft.com/office/drawing/2017/decorative" val="1"/>
+              </a:ext>
+            </a:extLst>
+          </p:cNvPr>
+          <p:cNvSpPr>
+            <a:spLocks noGrp="1" noRot="1" noChangeAspect="1" noMove="1" noResize="1" noEditPoints="1" noAdjustHandles="1" noChangeArrowheads="1" noChangeShapeType="1" noTextEdit="1"/>
+          </p:cNvSpPr>
+          <p:nvPr>
+            <p:extLst>
+              <p:ext uri="{386F3935-93C4-4BCD-93E2-E3B085C9AB24}">
+                <p16:designElem xmlns:p16="http://schemas.microsoft.com/office/powerpoint/2015/main" val="1"/>
+              </p:ext>
+            </p:extLst>
+          </p:nvPr>
+        </p:nvSpPr>
+        <p:spPr>
+          <a:xfrm rot="5400000" flipH="1">
+            <a:off x="-1410085" y="1420219"/>
+            <a:ext cx="6857999" cy="4037839"/>
+          </a:xfrm>
+          <a:prstGeom prst="rect">
+            <a:avLst/>
+          </a:prstGeom>
+          <a:gradFill>
+            <a:gsLst>
+              <a:gs pos="0">
+                <a:srgbClr val="000000">
+                  <a:alpha val="0"/>
+                </a:srgbClr>
+              </a:gs>
+              <a:gs pos="99000">
+                <a:schemeClr val="accent1">
+                  <a:alpha val="46000"/>
+                </a:schemeClr>
+              </a:gs>
+            </a:gsLst>
+            <a:lin ang="1800000" scaled="0"/>
+          </a:gradFill>
+          <a:ln>
+            <a:noFill/>
+          </a:ln>
+        </p:spPr>
+        <p:style>
+          <a:lnRef idx="2">
+            <a:schemeClr val="accent1">
+              <a:shade val="50000"/>
+            </a:schemeClr>
+          </a:lnRef>
+          <a:fillRef idx="1">
+            <a:schemeClr val="accent1"/>
+          </a:fillRef>
+          <a:effectRef idx="0">
+            <a:schemeClr val="accent1"/>
+          </a:effectRef>
+          <a:fontRef idx="minor">
+            <a:schemeClr val="lt1"/>
+          </a:fontRef>
+        </p:style>
+        <p:txBody>
+          <a:bodyPr rtlCol="0" anchor="ctr"/>
+          <a:lstStyle/>
+          <a:p>
+            <a:pPr algn="ctr"/>
+            <a:endParaRPr lang="en-US"/>
+          </a:p>
+        </p:txBody>
+      </p:sp>
+      <p:sp>
+        <p:nvSpPr>
+          <p:cNvPr id="16" name="Rectangle 15">
+            <a:extLst>
+              <a:ext uri="{FF2B5EF4-FFF2-40B4-BE49-F238E27FC236}">
+                <a16:creationId xmlns:a16="http://schemas.microsoft.com/office/drawing/2014/main" id="{D2B78728-A580-49A7-84F9-6EF6F583ADE0}"/>
+              </a:ext>
+              <a:ext uri="{C183D7F6-B498-43B3-948B-1728B52AA6E4}">
+                <adec:decorative xmlns:adec="http://schemas.microsoft.com/office/drawing/2017/decorative" val="1"/>
+              </a:ext>
+            </a:extLst>
+          </p:cNvPr>
+          <p:cNvSpPr>
+            <a:spLocks noGrp="1" noRot="1" noChangeAspect="1" noMove="1" noResize="1" noEditPoints="1" noAdjustHandles="1" noChangeArrowheads="1" noChangeShapeType="1" noTextEdit="1"/>
+          </p:cNvSpPr>
+          <p:nvPr>
+            <p:extLst>
+              <p:ext uri="{386F3935-93C4-4BCD-93E2-E3B085C9AB24}">
+                <p16:designElem xmlns:p16="http://schemas.microsoft.com/office/powerpoint/2015/main" val="1"/>
+              </p:ext>
+            </p:extLst>
+          </p:nvPr>
+        </p:nvSpPr>
+        <p:spPr>
+          <a:xfrm rot="5400000" flipH="1">
+            <a:off x="767923" y="3588085"/>
+            <a:ext cx="2501979" cy="4037841"/>
+          </a:xfrm>
+          <a:prstGeom prst="rect">
+            <a:avLst/>
+          </a:prstGeom>
+          <a:gradFill>
+            <a:gsLst>
+              <a:gs pos="2000">
+                <a:schemeClr val="accent1">
+                  <a:alpha val="29000"/>
+                </a:schemeClr>
+              </a:gs>
+              <a:gs pos="100000">
+                <a:srgbClr val="000000">
+                  <a:alpha val="30000"/>
+                </a:srgbClr>
+              </a:gs>
+            </a:gsLst>
+            <a:lin ang="7800000" scaled="0"/>
+          </a:gradFill>
+          <a:ln>
+            <a:noFill/>
+          </a:ln>
+        </p:spPr>
+        <p:style>
+          <a:lnRef idx="2">
+            <a:schemeClr val="accent1">
+              <a:shade val="50000"/>
+            </a:schemeClr>
+          </a:lnRef>
+          <a:fillRef idx="1">
+            <a:schemeClr val="accent1"/>
+          </a:fillRef>
+          <a:effectRef idx="0">
+            <a:schemeClr val="accent1"/>
+          </a:effectRef>
+          <a:fontRef idx="minor">
+            <a:schemeClr val="lt1"/>
+          </a:fontRef>
+        </p:style>
+        <p:txBody>
+          <a:bodyPr rtlCol="0" anchor="ctr"/>
+          <a:lstStyle/>
+          <a:p>
+            <a:pPr algn="ctr"/>
+            <a:endParaRPr lang="en-US" dirty="0"/>
+          </a:p>
+        </p:txBody>
+      </p:sp>
+      <p:sp>
+        <p:nvSpPr>
+          <p:cNvPr id="18" name="Freeform: Shape 17">
+            <a:extLst>
+              <a:ext uri="{FF2B5EF4-FFF2-40B4-BE49-F238E27FC236}">
+                <a16:creationId xmlns:a16="http://schemas.microsoft.com/office/drawing/2014/main" id="{38FAA1A1-D861-433F-88FA-1E9D6FD31D11}"/>
+              </a:ext>
+              <a:ext uri="{C183D7F6-B498-43B3-948B-1728B52AA6E4}">
+                <adec:decorative xmlns:adec="http://schemas.microsoft.com/office/drawing/2017/decorative" val="1"/>
+              </a:ext>
+            </a:extLst>
+          </p:cNvPr>
+          <p:cNvSpPr>
+            <a:spLocks noGrp="1" noRot="1" noChangeAspect="1" noMove="1" noResize="1" noEditPoints="1" noAdjustHandles="1" noChangeArrowheads="1" noChangeShapeType="1" noTextEdit="1"/>
+          </p:cNvSpPr>
+          <p:nvPr>
+            <p:extLst>
+              <p:ext uri="{386F3935-93C4-4BCD-93E2-E3B085C9AB24}">
+                <p16:designElem xmlns:p16="http://schemas.microsoft.com/office/powerpoint/2015/main" val="1"/>
+              </p:ext>
+            </p:extLst>
+          </p:nvPr>
+        </p:nvSpPr>
+        <p:spPr>
+          <a:xfrm rot="20635413">
+            <a:off x="-501737" y="969718"/>
+            <a:ext cx="3900357" cy="4178958"/>
+          </a:xfrm>
+          <a:custGeom>
+            <a:avLst/>
+            <a:gdLst>
+              <a:gd name="connsiteX0" fmla="*/ 2432225 w 3900357"/>
+              <a:gd name="connsiteY0" fmla="*/ 93939 h 4178958"/>
+              <a:gd name="connsiteX1" fmla="*/ 3900357 w 3900357"/>
+              <a:gd name="connsiteY1" fmla="*/ 2089479 h 4178958"/>
+              <a:gd name="connsiteX2" fmla="*/ 1810878 w 3900357"/>
+              <a:gd name="connsiteY2" fmla="*/ 4178958 h 4178958"/>
+              <a:gd name="connsiteX3" fmla="*/ 78249 w 3900357"/>
+              <a:gd name="connsiteY3" fmla="*/ 3257727 h 4178958"/>
+              <a:gd name="connsiteX4" fmla="*/ 0 w 3900357"/>
+              <a:gd name="connsiteY4" fmla="*/ 3128923 h 4178958"/>
+              <a:gd name="connsiteX5" fmla="*/ 831324 w 3900357"/>
+              <a:gd name="connsiteY5" fmla="*/ 244281 h 4178958"/>
+              <a:gd name="connsiteX6" fmla="*/ 997559 w 3900357"/>
+              <a:gd name="connsiteY6" fmla="*/ 164202 h 4178958"/>
+              <a:gd name="connsiteX7" fmla="*/ 1810878 w 3900357"/>
+              <a:gd name="connsiteY7" fmla="*/ 0 h 4178958"/>
+              <a:gd name="connsiteX8" fmla="*/ 2432225 w 3900357"/>
+              <a:gd name="connsiteY8" fmla="*/ 93939 h 4178958"/>
+            </a:gdLst>
+            <a:ahLst/>
+            <a:cxnLst>
+              <a:cxn ang="0">
+                <a:pos x="connsiteX0" y="connsiteY0"/>
+              </a:cxn>
+              <a:cxn ang="0">
+                <a:pos x="connsiteX1" y="connsiteY1"/>
+              </a:cxn>
+              <a:cxn ang="0">
+                <a:pos x="connsiteX2" y="connsiteY2"/>
+              </a:cxn>
+              <a:cxn ang="0">
+                <a:pos x="connsiteX3" y="connsiteY3"/>
+              </a:cxn>
+              <a:cxn ang="0">
+                <a:pos x="connsiteX4" y="connsiteY4"/>
+              </a:cxn>
+              <a:cxn ang="0">
+                <a:pos x="connsiteX5" y="connsiteY5"/>
+              </a:cxn>
+              <a:cxn ang="0">
+                <a:pos x="connsiteX6" y="connsiteY6"/>
+              </a:cxn>
+              <a:cxn ang="0">
+                <a:pos x="connsiteX7" y="connsiteY7"/>
+              </a:cxn>
+              <a:cxn ang="0">
+                <a:pos x="connsiteX8" y="connsiteY8"/>
+              </a:cxn>
+            </a:cxnLst>
+            <a:rect l="l" t="t" r="r" b="b"/>
+            <a:pathLst>
+              <a:path w="3900357" h="4178958">
+                <a:moveTo>
+                  <a:pt x="2432225" y="93939"/>
+                </a:moveTo>
+                <a:cubicBezTo>
+                  <a:pt x="3282786" y="358491"/>
+                  <a:pt x="3900357" y="1151865"/>
+                  <a:pt x="3900357" y="2089479"/>
+                </a:cubicBezTo>
+                <a:cubicBezTo>
+                  <a:pt x="3900357" y="3243466"/>
+                  <a:pt x="2964865" y="4178958"/>
+                  <a:pt x="1810878" y="4178958"/>
+                </a:cubicBezTo>
+                <a:cubicBezTo>
+                  <a:pt x="1089636" y="4178958"/>
+                  <a:pt x="453744" y="3813531"/>
+                  <a:pt x="78249" y="3257727"/>
+                </a:cubicBezTo>
+                <a:lnTo>
+                  <a:pt x="0" y="3128923"/>
+                </a:lnTo>
+                <a:lnTo>
+                  <a:pt x="831324" y="244281"/>
+                </a:lnTo>
+                <a:lnTo>
+                  <a:pt x="997559" y="164202"/>
+                </a:lnTo>
+                <a:cubicBezTo>
+                  <a:pt x="1247540" y="58468"/>
+                  <a:pt x="1522381" y="0"/>
+                  <a:pt x="1810878" y="0"/>
+                </a:cubicBezTo>
+                <a:cubicBezTo>
+                  <a:pt x="2027251" y="0"/>
+                  <a:pt x="2235942" y="32888"/>
+                  <a:pt x="2432225" y="93939"/>
+                </a:cubicBezTo>
+                <a:close/>
+              </a:path>
+            </a:pathLst>
+          </a:custGeom>
+          <a:gradFill>
+            <a:gsLst>
+              <a:gs pos="29000">
+                <a:srgbClr val="000000">
+                  <a:alpha val="0"/>
+                </a:srgbClr>
+              </a:gs>
+              <a:gs pos="100000">
+                <a:schemeClr val="accent1">
+                  <a:alpha val="43000"/>
+                </a:schemeClr>
+              </a:gs>
+            </a:gsLst>
+            <a:lin ang="1800000" scaled="0"/>
+          </a:gradFill>
+          <a:ln>
+            <a:noFill/>
+          </a:ln>
+        </p:spPr>
+        <p:style>
+          <a:lnRef idx="2">
+            <a:schemeClr val="accent1">
+              <a:shade val="50000"/>
+            </a:schemeClr>
+          </a:lnRef>
+          <a:fillRef idx="1">
+            <a:schemeClr val="accent1"/>
+          </a:fillRef>
+          <a:effectRef idx="0">
+            <a:schemeClr val="accent1"/>
+          </a:effectRef>
+          <a:fontRef idx="minor">
+            <a:schemeClr val="lt1"/>
+          </a:fontRef>
+        </p:style>
+        <p:txBody>
+          <a:bodyPr wrap="square" rtlCol="0" anchor="ctr">
+            <a:noAutofit/>
+          </a:bodyPr>
+          <a:lstStyle/>
+          <a:p>
+            <a:pPr algn="ctr"/>
+            <a:endParaRPr lang="en-US" dirty="0"/>
+          </a:p>
+        </p:txBody>
+      </p:sp>
+      <p:sp>
+        <p:nvSpPr>
+          <p:cNvPr id="20" name="Rectangle 19">
+            <a:extLst>
+              <a:ext uri="{FF2B5EF4-FFF2-40B4-BE49-F238E27FC236}">
+                <a16:creationId xmlns:a16="http://schemas.microsoft.com/office/drawing/2014/main" id="{8D71EDA1-87BF-4D5D-AB79-F346FD19278A}"/>
+              </a:ext>
+              <a:ext uri="{C183D7F6-B498-43B3-948B-1728B52AA6E4}">
+                <adec:decorative xmlns:adec="http://schemas.microsoft.com/office/drawing/2017/decorative" val="1"/>
+              </a:ext>
+            </a:extLst>
+          </p:cNvPr>
+          <p:cNvSpPr>
+            <a:spLocks noGrp="1" noRot="1" noChangeAspect="1" noMove="1" noResize="1" noEditPoints="1" noAdjustHandles="1" noChangeArrowheads="1" noChangeShapeType="1" noTextEdit="1"/>
+          </p:cNvSpPr>
+          <p:nvPr>
+            <p:extLst>
+              <p:ext uri="{386F3935-93C4-4BCD-93E2-E3B085C9AB24}">
+                <p16:designElem xmlns:p16="http://schemas.microsoft.com/office/powerpoint/2015/main" val="1"/>
+              </p:ext>
+            </p:extLst>
+          </p:nvPr>
+        </p:nvSpPr>
+        <p:spPr>
+          <a:xfrm rot="5400000" flipH="1">
+            <a:off x="-1410093" y="1399943"/>
+            <a:ext cx="6858003" cy="4037835"/>
+          </a:xfrm>
+          <a:prstGeom prst="rect">
+            <a:avLst/>
+          </a:prstGeom>
+          <a:gradFill>
+            <a:gsLst>
+              <a:gs pos="0">
+                <a:srgbClr val="000000">
+                  <a:alpha val="0"/>
+                </a:srgbClr>
+              </a:gs>
+              <a:gs pos="99000">
+                <a:schemeClr val="accent1">
+                  <a:lumMod val="60000"/>
+                  <a:lumOff val="40000"/>
+                  <a:alpha val="11000"/>
+                </a:schemeClr>
+              </a:gs>
+            </a:gsLst>
+            <a:lin ang="7200000" scaled="0"/>
+          </a:gradFill>
+          <a:ln>
+            <a:noFill/>
+          </a:ln>
+        </p:spPr>
+        <p:style>
+          <a:lnRef idx="2">
+            <a:schemeClr val="accent1">
+              <a:shade val="50000"/>
+            </a:schemeClr>
+          </a:lnRef>
+          <a:fillRef idx="1">
+            <a:schemeClr val="accent1"/>
+          </a:fillRef>
+          <a:effectRef idx="0">
+            <a:schemeClr val="accent1"/>
+          </a:effectRef>
+          <a:fontRef idx="minor">
+            <a:schemeClr val="lt1"/>
+          </a:fontRef>
+        </p:style>
+        <p:txBody>
+          <a:bodyPr rtlCol="0" anchor="ctr"/>
+          <a:lstStyle/>
+          <a:p>
+            <a:pPr algn="ctr"/>
+            <a:endParaRPr lang="en-US"/>
+          </a:p>
+        </p:txBody>
+      </p:sp>
+      <p:sp>
+        <p:nvSpPr>
+          <p:cNvPr id="2" name="Title 1">
+            <a:extLst>
+              <a:ext uri="{FF2B5EF4-FFF2-40B4-BE49-F238E27FC236}">
+                <a16:creationId xmlns:a16="http://schemas.microsoft.com/office/drawing/2014/main" id="{B9A96219-0B50-DC43-9836-FD021AF451C7}"/>
+              </a:ext>
+            </a:extLst>
+          </p:cNvPr>
+          <p:cNvSpPr>
+            <a:spLocks noGrp="1"/>
+          </p:cNvSpPr>
+          <p:nvPr>
+            <p:ph type="title"/>
+          </p:nvPr>
+        </p:nvSpPr>
+        <p:spPr>
+          <a:xfrm>
+            <a:off x="466722" y="586855"/>
+            <a:ext cx="3201366" cy="3387497"/>
+          </a:xfrm>
+        </p:spPr>
+        <p:txBody>
+          <a:bodyPr anchor="b">
+            <a:normAutofit/>
+          </a:bodyPr>
+          <a:lstStyle/>
+          <a:p>
+            <a:pPr algn="r"/>
+            <a:r>
+              <a:rPr lang="en-US" sz="4000">
+                <a:solidFill>
+                  <a:srgbClr val="FFFFFF"/>
+                </a:solidFill>
+              </a:rPr>
+              <a:t>Methods</a:t>
+            </a:r>
+          </a:p>
+        </p:txBody>
+      </p:sp>
+      <p:sp>
+        <p:nvSpPr>
+          <p:cNvPr id="3" name="Content Placeholder 2">
+            <a:extLst>
+              <a:ext uri="{FF2B5EF4-FFF2-40B4-BE49-F238E27FC236}">
+                <a16:creationId xmlns:a16="http://schemas.microsoft.com/office/drawing/2014/main" id="{8D24899F-AC40-5747-B683-C297EF6FF0A5}"/>
+              </a:ext>
+            </a:extLst>
+          </p:cNvPr>
+          <p:cNvSpPr>
+            <a:spLocks noGrp="1"/>
+          </p:cNvSpPr>
+          <p:nvPr>
+            <p:ph idx="1"/>
+          </p:nvPr>
+        </p:nvSpPr>
+        <p:spPr>
+          <a:xfrm>
+            <a:off x="4810259" y="649480"/>
+            <a:ext cx="6555347" cy="5546047"/>
+          </a:xfrm>
+        </p:spPr>
+        <p:txBody>
+          <a:bodyPr anchor="ctr">
+            <a:normAutofit/>
+          </a:bodyPr>
+          <a:lstStyle/>
+          <a:p>
+            <a:pPr marL="0" indent="0">
+              <a:buNone/>
+            </a:pPr>
+            <a:r>
+              <a:rPr lang="en-US" dirty="0">
+                <a:effectLst/>
+                <a:latin typeface="ArialMT"/>
+              </a:rPr>
+              <a:t>A Little bit about the Vectorizer models…</a:t>
+            </a:r>
+          </a:p>
+          <a:p>
+            <a:pPr marL="0" indent="0">
+              <a:buNone/>
+            </a:pPr>
+            <a:endParaRPr lang="en-US" sz="1600" dirty="0">
+              <a:latin typeface="ArialMT"/>
+            </a:endParaRPr>
+          </a:p>
+          <a:p>
+            <a:pPr marL="0" indent="0">
+              <a:buNone/>
+            </a:pPr>
+            <a:r>
+              <a:rPr lang="en-US" sz="2400" dirty="0" err="1">
+                <a:effectLst/>
+                <a:latin typeface="ArialMT"/>
+              </a:rPr>
+              <a:t>CountVectorizer</a:t>
+            </a:r>
+            <a:r>
+              <a:rPr lang="en-US" sz="2400" dirty="0">
+                <a:effectLst/>
+                <a:latin typeface="ArialMT"/>
+              </a:rPr>
+              <a:t> counts number of times a word appears. </a:t>
+            </a:r>
+          </a:p>
+          <a:p>
+            <a:pPr marL="0" indent="0">
+              <a:buNone/>
+            </a:pPr>
+            <a:endParaRPr lang="en-US" sz="2400" dirty="0">
+              <a:latin typeface="ArialMT"/>
+            </a:endParaRPr>
+          </a:p>
+          <a:p>
+            <a:pPr marL="0" indent="0">
+              <a:buNone/>
+            </a:pPr>
+            <a:r>
+              <a:rPr lang="en-US" sz="2400" dirty="0">
+                <a:effectLst/>
+                <a:latin typeface="ArialMT"/>
+              </a:rPr>
+              <a:t>TFIDF (Term Frequency – Inverse Document Frequency) – counts the number of words but considers overa</a:t>
+            </a:r>
+            <a:r>
+              <a:rPr lang="en-US" sz="2400" dirty="0">
+                <a:latin typeface="ArialMT"/>
+              </a:rPr>
+              <a:t>ll document weightage</a:t>
+            </a:r>
+            <a:r>
+              <a:rPr lang="en-US" sz="2400" dirty="0">
+                <a:effectLst/>
+                <a:latin typeface="ArialMT"/>
+              </a:rPr>
+              <a:t> </a:t>
+            </a:r>
+          </a:p>
+          <a:p>
+            <a:pPr marL="0" indent="0">
+              <a:buNone/>
+            </a:pPr>
+            <a:endParaRPr lang="en-US" sz="1600" dirty="0">
+              <a:latin typeface="ArialMT"/>
+            </a:endParaRPr>
+          </a:p>
+          <a:p>
+            <a:pPr marL="0" indent="0">
+              <a:buNone/>
+            </a:pPr>
+            <a:endParaRPr lang="en-US" sz="1600" dirty="0">
+              <a:effectLst/>
+              <a:latin typeface="ArialMT"/>
+            </a:endParaRPr>
+          </a:p>
+          <a:p>
+            <a:pPr marL="0" indent="0">
+              <a:buNone/>
+            </a:pPr>
+            <a:endParaRPr lang="en-US" sz="1600" dirty="0">
+              <a:latin typeface="ArialMT"/>
+            </a:endParaRPr>
+          </a:p>
+          <a:p>
+            <a:pPr marL="0" indent="0">
+              <a:buNone/>
+            </a:pPr>
+            <a:endParaRPr lang="en-US" sz="1600" dirty="0">
+              <a:effectLst/>
+              <a:latin typeface="ArialMT"/>
+            </a:endParaRPr>
+          </a:p>
+        </p:txBody>
+      </p:sp>
+    </p:spTree>
+    <p:extLst>
+      <p:ext uri="{BB962C8B-B14F-4D97-AF65-F5344CB8AC3E}">
+        <p14:creationId xmlns:p14="http://schemas.microsoft.com/office/powerpoint/2010/main" val="1623750532"/>
+      </p:ext>
+    </p:extLst>
+  </p:cSld>
+  <p:clrMapOvr>
+    <a:masterClrMapping/>
+  </p:clrMapOvr>
+</p:sld>
+</file>
+
+<file path=ppt/slides/slide9.xml><?xml version="1.0" encoding="utf-8"?>
+<p:sld xmlns:a="http://schemas.openxmlformats.org/drawingml/2006/main" xmlns:r="http://schemas.openxmlformats.org/officeDocument/2006/relationships" xmlns:p="http://schemas.openxmlformats.org/presentationml/2006/main">
+  <p:cSld>
+    <p:bg>
+      <p:bgPr>
+        <a:solidFill>
+          <a:schemeClr val="bg1"/>
+        </a:solidFill>
+        <a:effectLst/>
+      </p:bgPr>
+    </p:bg>
+    <p:spTree>
+      <p:nvGrpSpPr>
+        <p:cNvPr id="1" name=""/>
+        <p:cNvGrpSpPr/>
+        <p:nvPr/>
+      </p:nvGrpSpPr>
+      <p:grpSpPr>
+        <a:xfrm>
+          <a:off x="0" y="0"/>
+          <a:ext cx="0" cy="0"/>
+          <a:chOff x="0" y="0"/>
+          <a:chExt cx="0" cy="0"/>
+        </a:xfrm>
+      </p:grpSpPr>
+      <p:sp useBgFill="1">
+        <p:nvSpPr>
+          <p:cNvPr id="8" name="Rectangle 7">
+            <a:extLst>
+              <a:ext uri="{FF2B5EF4-FFF2-40B4-BE49-F238E27FC236}">
+                <a16:creationId xmlns:a16="http://schemas.microsoft.com/office/drawing/2014/main" id="{09588DA8-065E-4F6F-8EFD-43104AB2E0CF}"/>
+              </a:ext>
+              <a:ext uri="{C183D7F6-B498-43B3-948B-1728B52AA6E4}">
+                <adec:decorative xmlns:adec="http://schemas.microsoft.com/office/drawing/2017/decorative" val="1"/>
+              </a:ext>
+            </a:extLst>
+          </p:cNvPr>
+          <p:cNvSpPr>
+            <a:spLocks noGrp="1" noRot="1" noChangeAspect="1" noMove="1" noResize="1" noEditPoints="1" noAdjustHandles="1" noChangeArrowheads="1" noChangeShapeType="1" noTextEdit="1"/>
+          </p:cNvSpPr>
+          <p:nvPr>
+            <p:extLst>
+              <p:ext uri="{386F3935-93C4-4BCD-93E2-E3B085C9AB24}">
+                <p16:designElem xmlns:p16="http://schemas.microsoft.com/office/powerpoint/2015/main" val="1"/>
+              </p:ext>
+            </p:extLst>
+          </p:nvPr>
+        </p:nvSpPr>
+        <p:spPr>
+          <a:xfrm>
+            <a:off x="0" y="0"/>
+            <a:ext cx="12192000" cy="6858000"/>
+          </a:xfrm>
+          <a:prstGeom prst="rect">
+            <a:avLst/>
+          </a:prstGeom>
+          <a:ln w="12700" cap="flat" cmpd="sng" algn="ctr">
+            <a:noFill/>
+            <a:prstDash val="solid"/>
+            <a:miter lim="800000"/>
+          </a:ln>
+          <a:effectLst/>
+          <a:extLst>
+            <a:ext uri="{91240B29-F687-4F45-9708-019B960494DF}">
+              <a14:hiddenLine xmlns:a14="http://schemas.microsoft.com/office/drawing/2010/main" w="12700" cap="flat" cmpd="sng" algn="ctr">
+                <a:solidFill>
+                  <a:schemeClr val="accent1">
+                    <a:shade val="50000"/>
+                  </a:schemeClr>
+                </a:solidFill>
+                <a:prstDash val="solid"/>
+                <a:miter lim="800000"/>
+              </a14:hiddenLine>
+            </a:ext>
+          </a:extLst>
+        </p:spPr>
+        <p:style>
+          <a:lnRef idx="2">
+            <a:schemeClr val="accent1">
+              <a:shade val="50000"/>
+            </a:schemeClr>
+          </a:lnRef>
+          <a:fillRef idx="1">
+            <a:schemeClr val="accent1"/>
+          </a:fillRef>
+          <a:effectRef idx="0">
+            <a:schemeClr val="accent1"/>
+          </a:effectRef>
+          <a:fontRef idx="minor">
+            <a:schemeClr val="lt1"/>
+          </a:fontRef>
+        </p:style>
+        <p:txBody>
+          <a:bodyPr rtlCol="0" anchor="ctr"/>
+          <a:lstStyle/>
+          <a:p>
+            <a:pPr algn="ctr"/>
+            <a:endParaRPr lang="en-US"/>
+          </a:p>
+        </p:txBody>
+      </p:sp>
+      <p:sp useBgFill="1">
+        <p:nvSpPr>
+          <p:cNvPr id="10" name="Rectangle 9">
+            <a:extLst>
+              <a:ext uri="{FF2B5EF4-FFF2-40B4-BE49-F238E27FC236}">
+                <a16:creationId xmlns:a16="http://schemas.microsoft.com/office/drawing/2014/main" id="{C4285719-470E-454C-AF62-8323075F1F5B}"/>
+              </a:ext>
+              <a:ext uri="{C183D7F6-B498-43B3-948B-1728B52AA6E4}">
+                <adec:decorative xmlns:adec="http://schemas.microsoft.com/office/drawing/2017/decorative" val="1"/>
+              </a:ext>
+            </a:extLst>
+          </p:cNvPr>
+          <p:cNvSpPr>
+            <a:spLocks noGrp="1" noRot="1" noChangeAspect="1" noMove="1" noResize="1" noEditPoints="1" noAdjustHandles="1" noChangeArrowheads="1" noChangeShapeType="1" noTextEdit="1"/>
+          </p:cNvSpPr>
+          <p:nvPr>
+            <p:extLst>
+              <p:ext uri="{386F3935-93C4-4BCD-93E2-E3B085C9AB24}">
+                <p16:designElem xmlns:p16="http://schemas.microsoft.com/office/powerpoint/2015/main" val="1"/>
+              </p:ext>
+            </p:extLst>
+          </p:nvPr>
+        </p:nvSpPr>
+        <p:spPr>
+          <a:xfrm>
+            <a:off x="0" y="0"/>
+            <a:ext cx="12188952" cy="6858000"/>
+          </a:xfrm>
+          <a:prstGeom prst="rect">
+            <a:avLst/>
+          </a:prstGeom>
+          <a:ln w="12700" cap="flat" cmpd="sng" algn="ctr">
+            <a:noFill/>
+            <a:prstDash val="solid"/>
+            <a:miter lim="800000"/>
+          </a:ln>
+          <a:effectLst/>
+          <a:extLst>
+            <a:ext uri="{91240B29-F687-4F45-9708-019B960494DF}">
+              <a14:hiddenLine xmlns:a14="http://schemas.microsoft.com/office/drawing/2010/main" w="12700" cap="flat" cmpd="sng" algn="ctr">
+                <a:solidFill>
+                  <a:schemeClr val="accent1">
+                    <a:shade val="50000"/>
+                  </a:schemeClr>
+                </a:solidFill>
+                <a:prstDash val="solid"/>
+                <a:miter lim="800000"/>
+              </a14:hiddenLine>
+            </a:ext>
+          </a:extLst>
+        </p:spPr>
+        <p:style>
+          <a:lnRef idx="2">
+            <a:schemeClr val="accent1">
+              <a:shade val="50000"/>
+            </a:schemeClr>
+          </a:lnRef>
+          <a:fillRef idx="1">
+            <a:schemeClr val="accent1"/>
+          </a:fillRef>
+          <a:effectRef idx="0">
+            <a:schemeClr val="accent1"/>
+          </a:effectRef>
+          <a:fontRef idx="minor">
+            <a:schemeClr val="lt1"/>
+          </a:fontRef>
+        </p:style>
+        <p:txBody>
+          <a:bodyPr rtlCol="0" anchor="ctr"/>
+          <a:lstStyle/>
+          <a:p>
+            <a:pPr algn="ctr"/>
+            <a:endParaRPr lang="en-US"/>
+          </a:p>
+        </p:txBody>
+      </p:sp>
+      <p:sp>
+        <p:nvSpPr>
+          <p:cNvPr id="12" name="Rectangle 11">
+            <a:extLst>
+              <a:ext uri="{FF2B5EF4-FFF2-40B4-BE49-F238E27FC236}">
+                <a16:creationId xmlns:a16="http://schemas.microsoft.com/office/drawing/2014/main" id="{CD9FE4EF-C4D8-49A0-B2FF-81D8DB7D8A24}"/>
+              </a:ext>
+              <a:ext uri="{C183D7F6-B498-43B3-948B-1728B52AA6E4}">
+                <adec:decorative xmlns:adec="http://schemas.microsoft.com/office/drawing/2017/decorative" val="1"/>
+              </a:ext>
+            </a:extLst>
+          </p:cNvPr>
+          <p:cNvSpPr>
+            <a:spLocks noGrp="1" noRot="1" noChangeAspect="1" noMove="1" noResize="1" noEditPoints="1" noAdjustHandles="1" noChangeArrowheads="1" noChangeShapeType="1" noTextEdit="1"/>
+          </p:cNvSpPr>
+          <p:nvPr>
+            <p:extLst>
+              <p:ext uri="{386F3935-93C4-4BCD-93E2-E3B085C9AB24}">
+                <p16:designElem xmlns:p16="http://schemas.microsoft.com/office/powerpoint/2015/main" val="1"/>
+              </p:ext>
+            </p:extLst>
+          </p:nvPr>
+        </p:nvSpPr>
+        <p:spPr>
+          <a:xfrm rot="5400000" flipH="1">
+            <a:off x="-1410084" y="1410082"/>
+            <a:ext cx="6858000" cy="4037836"/>
+          </a:xfrm>
+          <a:prstGeom prst="rect">
+            <a:avLst/>
+          </a:prstGeom>
+          <a:gradFill>
+            <a:gsLst>
+              <a:gs pos="8000">
+                <a:srgbClr val="000000"/>
+              </a:gs>
+              <a:gs pos="100000">
+                <a:schemeClr val="accent1">
+                  <a:lumMod val="75000"/>
+                </a:schemeClr>
+              </a:gs>
+            </a:gsLst>
+            <a:lin ang="3000000" scaled="0"/>
+          </a:gradFill>
+          <a:ln>
+            <a:noFill/>
+          </a:ln>
+        </p:spPr>
+        <p:style>
+          <a:lnRef idx="2">
+            <a:schemeClr val="accent1">
+              <a:shade val="50000"/>
+            </a:schemeClr>
+          </a:lnRef>
+          <a:fillRef idx="1">
+            <a:schemeClr val="accent1"/>
+          </a:fillRef>
+          <a:effectRef idx="0">
+            <a:schemeClr val="accent1"/>
+          </a:effectRef>
+          <a:fontRef idx="minor">
+            <a:schemeClr val="lt1"/>
+          </a:fontRef>
+        </p:style>
+        <p:txBody>
+          <a:bodyPr rtlCol="0" anchor="ctr"/>
+          <a:lstStyle/>
+          <a:p>
+            <a:pPr algn="ctr"/>
+            <a:endParaRPr lang="en-US"/>
+          </a:p>
+        </p:txBody>
+      </p:sp>
+      <p:sp>
+        <p:nvSpPr>
+          <p:cNvPr id="14" name="Rectangle 13">
+            <a:extLst>
+              <a:ext uri="{FF2B5EF4-FFF2-40B4-BE49-F238E27FC236}">
+                <a16:creationId xmlns:a16="http://schemas.microsoft.com/office/drawing/2014/main" id="{4300840D-0A0B-4512-BACA-B439D5B9C57C}"/>
+              </a:ext>
+              <a:ext uri="{C183D7F6-B498-43B3-948B-1728B52AA6E4}">
+                <adec:decorative xmlns:adec="http://schemas.microsoft.com/office/drawing/2017/decorative" val="1"/>
+              </a:ext>
+            </a:extLst>
+          </p:cNvPr>
+          <p:cNvSpPr>
+            <a:spLocks noGrp="1" noRot="1" noChangeAspect="1" noMove="1" noResize="1" noEditPoints="1" noAdjustHandles="1" noChangeArrowheads="1" noChangeShapeType="1" noTextEdit="1"/>
+          </p:cNvSpPr>
+          <p:nvPr>
+            <p:extLst>
+              <p:ext uri="{386F3935-93C4-4BCD-93E2-E3B085C9AB24}">
+                <p16:designElem xmlns:p16="http://schemas.microsoft.com/office/powerpoint/2015/main" val="1"/>
+              </p:ext>
+            </p:extLst>
+          </p:nvPr>
+        </p:nvSpPr>
+        <p:spPr>
+          <a:xfrm rot="5400000" flipH="1">
+            <a:off x="-1410085" y="1420219"/>
+            <a:ext cx="6857999" cy="4037839"/>
+          </a:xfrm>
+          <a:prstGeom prst="rect">
+            <a:avLst/>
+          </a:prstGeom>
+          <a:gradFill>
+            <a:gsLst>
+              <a:gs pos="0">
+                <a:srgbClr val="000000">
+                  <a:alpha val="0"/>
+                </a:srgbClr>
+              </a:gs>
+              <a:gs pos="99000">
+                <a:schemeClr val="accent1">
+                  <a:alpha val="46000"/>
+                </a:schemeClr>
+              </a:gs>
+            </a:gsLst>
+            <a:lin ang="1800000" scaled="0"/>
+          </a:gradFill>
+          <a:ln>
+            <a:noFill/>
+          </a:ln>
+        </p:spPr>
+        <p:style>
+          <a:lnRef idx="2">
+            <a:schemeClr val="accent1">
+              <a:shade val="50000"/>
+            </a:schemeClr>
+          </a:lnRef>
+          <a:fillRef idx="1">
+            <a:schemeClr val="accent1"/>
+          </a:fillRef>
+          <a:effectRef idx="0">
+            <a:schemeClr val="accent1"/>
+          </a:effectRef>
+          <a:fontRef idx="minor">
+            <a:schemeClr val="lt1"/>
+          </a:fontRef>
+        </p:style>
+        <p:txBody>
+          <a:bodyPr rtlCol="0" anchor="ctr"/>
+          <a:lstStyle/>
+          <a:p>
+            <a:pPr algn="ctr"/>
+            <a:endParaRPr lang="en-US"/>
+          </a:p>
+        </p:txBody>
+      </p:sp>
+      <p:sp>
+        <p:nvSpPr>
+          <p:cNvPr id="16" name="Rectangle 15">
+            <a:extLst>
+              <a:ext uri="{FF2B5EF4-FFF2-40B4-BE49-F238E27FC236}">
+                <a16:creationId xmlns:a16="http://schemas.microsoft.com/office/drawing/2014/main" id="{D2B78728-A580-49A7-84F9-6EF6F583ADE0}"/>
+              </a:ext>
+              <a:ext uri="{C183D7F6-B498-43B3-948B-1728B52AA6E4}">
+                <adec:decorative xmlns:adec="http://schemas.microsoft.com/office/drawing/2017/decorative" val="1"/>
+              </a:ext>
+            </a:extLst>
+          </p:cNvPr>
+          <p:cNvSpPr>
+            <a:spLocks noGrp="1" noRot="1" noChangeAspect="1" noMove="1" noResize="1" noEditPoints="1" noAdjustHandles="1" noChangeArrowheads="1" noChangeShapeType="1" noTextEdit="1"/>
+          </p:cNvSpPr>
+          <p:nvPr>
+            <p:extLst>
+              <p:ext uri="{386F3935-93C4-4BCD-93E2-E3B085C9AB24}">
+                <p16:designElem xmlns:p16="http://schemas.microsoft.com/office/powerpoint/2015/main" val="1"/>
+              </p:ext>
+            </p:extLst>
+          </p:nvPr>
+        </p:nvSpPr>
+        <p:spPr>
+          <a:xfrm rot="5400000" flipH="1">
+            <a:off x="767923" y="3588085"/>
+            <a:ext cx="2501979" cy="4037841"/>
+          </a:xfrm>
+          <a:prstGeom prst="rect">
+            <a:avLst/>
+          </a:prstGeom>
+          <a:gradFill>
+            <a:gsLst>
+              <a:gs pos="2000">
+                <a:schemeClr val="accent1">
+                  <a:alpha val="29000"/>
+                </a:schemeClr>
+              </a:gs>
+              <a:gs pos="100000">
+                <a:srgbClr val="000000">
+                  <a:alpha val="30000"/>
+                </a:srgbClr>
+              </a:gs>
+            </a:gsLst>
+            <a:lin ang="7800000" scaled="0"/>
+          </a:gradFill>
+          <a:ln>
+            <a:noFill/>
+          </a:ln>
+        </p:spPr>
+        <p:style>
+          <a:lnRef idx="2">
+            <a:schemeClr val="accent1">
+              <a:shade val="50000"/>
+            </a:schemeClr>
+          </a:lnRef>
+          <a:fillRef idx="1">
+            <a:schemeClr val="accent1"/>
+          </a:fillRef>
+          <a:effectRef idx="0">
+            <a:schemeClr val="accent1"/>
+          </a:effectRef>
+          <a:fontRef idx="minor">
+            <a:schemeClr val="lt1"/>
+          </a:fontRef>
+        </p:style>
+        <p:txBody>
+          <a:bodyPr rtlCol="0" anchor="ctr"/>
+          <a:lstStyle/>
+          <a:p>
+            <a:pPr algn="ctr"/>
+            <a:endParaRPr lang="en-US" dirty="0"/>
+          </a:p>
+        </p:txBody>
+      </p:sp>
+      <p:sp>
+        <p:nvSpPr>
+          <p:cNvPr id="18" name="Freeform: Shape 17">
+            <a:extLst>
+              <a:ext uri="{FF2B5EF4-FFF2-40B4-BE49-F238E27FC236}">
+                <a16:creationId xmlns:a16="http://schemas.microsoft.com/office/drawing/2014/main" id="{38FAA1A1-D861-433F-88FA-1E9D6FD31D11}"/>
+              </a:ext>
+              <a:ext uri="{C183D7F6-B498-43B3-948B-1728B52AA6E4}">
+                <adec:decorative xmlns:adec="http://schemas.microsoft.com/office/drawing/2017/decorative" val="1"/>
+              </a:ext>
+            </a:extLst>
+          </p:cNvPr>
+          <p:cNvSpPr>
+            <a:spLocks noGrp="1" noRot="1" noChangeAspect="1" noMove="1" noResize="1" noEditPoints="1" noAdjustHandles="1" noChangeArrowheads="1" noChangeShapeType="1" noTextEdit="1"/>
+          </p:cNvSpPr>
+          <p:nvPr>
+            <p:extLst>
+              <p:ext uri="{386F3935-93C4-4BCD-93E2-E3B085C9AB24}">
+                <p16:designElem xmlns:p16="http://schemas.microsoft.com/office/powerpoint/2015/main" val="1"/>
+              </p:ext>
+            </p:extLst>
+          </p:nvPr>
+        </p:nvSpPr>
+        <p:spPr>
+          <a:xfrm rot="20635413">
+            <a:off x="-501737" y="969718"/>
+            <a:ext cx="3900357" cy="4178958"/>
+          </a:xfrm>
+          <a:custGeom>
+            <a:avLst/>
+            <a:gdLst>
+              <a:gd name="connsiteX0" fmla="*/ 2432225 w 3900357"/>
+              <a:gd name="connsiteY0" fmla="*/ 93939 h 4178958"/>
+              <a:gd name="connsiteX1" fmla="*/ 3900357 w 3900357"/>
+              <a:gd name="connsiteY1" fmla="*/ 2089479 h 4178958"/>
+              <a:gd name="connsiteX2" fmla="*/ 1810878 w 3900357"/>
+              <a:gd name="connsiteY2" fmla="*/ 4178958 h 4178958"/>
+              <a:gd name="connsiteX3" fmla="*/ 78249 w 3900357"/>
+              <a:gd name="connsiteY3" fmla="*/ 3257727 h 4178958"/>
+              <a:gd name="connsiteX4" fmla="*/ 0 w 3900357"/>
+              <a:gd name="connsiteY4" fmla="*/ 3128923 h 4178958"/>
+              <a:gd name="connsiteX5" fmla="*/ 831324 w 3900357"/>
+              <a:gd name="connsiteY5" fmla="*/ 244281 h 4178958"/>
+              <a:gd name="connsiteX6" fmla="*/ 997559 w 3900357"/>
+              <a:gd name="connsiteY6" fmla="*/ 164202 h 4178958"/>
+              <a:gd name="connsiteX7" fmla="*/ 1810878 w 3900357"/>
+              <a:gd name="connsiteY7" fmla="*/ 0 h 4178958"/>
+              <a:gd name="connsiteX8" fmla="*/ 2432225 w 3900357"/>
+              <a:gd name="connsiteY8" fmla="*/ 93939 h 4178958"/>
+            </a:gdLst>
+            <a:ahLst/>
+            <a:cxnLst>
+              <a:cxn ang="0">
+                <a:pos x="connsiteX0" y="connsiteY0"/>
+              </a:cxn>
+              <a:cxn ang="0">
+                <a:pos x="connsiteX1" y="connsiteY1"/>
+              </a:cxn>
+              <a:cxn ang="0">
+                <a:pos x="connsiteX2" y="connsiteY2"/>
+              </a:cxn>
+              <a:cxn ang="0">
+                <a:pos x="connsiteX3" y="connsiteY3"/>
+              </a:cxn>
+              <a:cxn ang="0">
+                <a:pos x="connsiteX4" y="connsiteY4"/>
+              </a:cxn>
+              <a:cxn ang="0">
+                <a:pos x="connsiteX5" y="connsiteY5"/>
+              </a:cxn>
+              <a:cxn ang="0">
+                <a:pos x="connsiteX6" y="connsiteY6"/>
+              </a:cxn>
+              <a:cxn ang="0">
+                <a:pos x="connsiteX7" y="connsiteY7"/>
+              </a:cxn>
+              <a:cxn ang="0">
+                <a:pos x="connsiteX8" y="connsiteY8"/>
+              </a:cxn>
+            </a:cxnLst>
+            <a:rect l="l" t="t" r="r" b="b"/>
+            <a:pathLst>
+              <a:path w="3900357" h="4178958">
+                <a:moveTo>
+                  <a:pt x="2432225" y="93939"/>
+                </a:moveTo>
+                <a:cubicBezTo>
+                  <a:pt x="3282786" y="358491"/>
+                  <a:pt x="3900357" y="1151865"/>
+                  <a:pt x="3900357" y="2089479"/>
+                </a:cubicBezTo>
+                <a:cubicBezTo>
+                  <a:pt x="3900357" y="3243466"/>
+                  <a:pt x="2964865" y="4178958"/>
+                  <a:pt x="1810878" y="4178958"/>
+                </a:cubicBezTo>
+                <a:cubicBezTo>
+                  <a:pt x="1089636" y="4178958"/>
+                  <a:pt x="453744" y="3813531"/>
+                  <a:pt x="78249" y="3257727"/>
+                </a:cubicBezTo>
+                <a:lnTo>
+                  <a:pt x="0" y="3128923"/>
+                </a:lnTo>
+                <a:lnTo>
+                  <a:pt x="831324" y="244281"/>
+                </a:lnTo>
+                <a:lnTo>
+                  <a:pt x="997559" y="164202"/>
+                </a:lnTo>
+                <a:cubicBezTo>
+                  <a:pt x="1247540" y="58468"/>
+                  <a:pt x="1522381" y="0"/>
+                  <a:pt x="1810878" y="0"/>
+                </a:cubicBezTo>
+                <a:cubicBezTo>
+                  <a:pt x="2027251" y="0"/>
+                  <a:pt x="2235942" y="32888"/>
+                  <a:pt x="2432225" y="93939"/>
+                </a:cubicBezTo>
+                <a:close/>
+              </a:path>
+            </a:pathLst>
+          </a:custGeom>
+          <a:gradFill>
+            <a:gsLst>
+              <a:gs pos="29000">
+                <a:srgbClr val="000000">
+                  <a:alpha val="0"/>
+                </a:srgbClr>
+              </a:gs>
+              <a:gs pos="100000">
+                <a:schemeClr val="accent1">
+                  <a:alpha val="43000"/>
+                </a:schemeClr>
+              </a:gs>
+            </a:gsLst>
+            <a:lin ang="1800000" scaled="0"/>
+          </a:gradFill>
+          <a:ln>
+            <a:noFill/>
+          </a:ln>
+        </p:spPr>
+        <p:style>
+          <a:lnRef idx="2">
+            <a:schemeClr val="accent1">
+              <a:shade val="50000"/>
+            </a:schemeClr>
+          </a:lnRef>
+          <a:fillRef idx="1">
+            <a:schemeClr val="accent1"/>
+          </a:fillRef>
+          <a:effectRef idx="0">
+            <a:schemeClr val="accent1"/>
+          </a:effectRef>
+          <a:fontRef idx="minor">
+            <a:schemeClr val="lt1"/>
+          </a:fontRef>
+        </p:style>
+        <p:txBody>
+          <a:bodyPr wrap="square" rtlCol="0" anchor="ctr">
+            <a:noAutofit/>
+          </a:bodyPr>
+          <a:lstStyle/>
+          <a:p>
+            <a:pPr algn="ctr"/>
+            <a:endParaRPr lang="en-US" dirty="0"/>
+          </a:p>
+        </p:txBody>
+      </p:sp>
+      <p:sp>
+        <p:nvSpPr>
+          <p:cNvPr id="20" name="Rectangle 19">
+            <a:extLst>
+              <a:ext uri="{FF2B5EF4-FFF2-40B4-BE49-F238E27FC236}">
+                <a16:creationId xmlns:a16="http://schemas.microsoft.com/office/drawing/2014/main" id="{8D71EDA1-87BF-4D5D-AB79-F346FD19278A}"/>
+              </a:ext>
+              <a:ext uri="{C183D7F6-B498-43B3-948B-1728B52AA6E4}">
+                <adec:decorative xmlns:adec="http://schemas.microsoft.com/office/drawing/2017/decorative" val="1"/>
+              </a:ext>
+            </a:extLst>
+          </p:cNvPr>
+          <p:cNvSpPr>
+            <a:spLocks noGrp="1" noRot="1" noChangeAspect="1" noMove="1" noResize="1" noEditPoints="1" noAdjustHandles="1" noChangeArrowheads="1" noChangeShapeType="1" noTextEdit="1"/>
+          </p:cNvSpPr>
+          <p:nvPr>
+            <p:extLst>
+              <p:ext uri="{386F3935-93C4-4BCD-93E2-E3B085C9AB24}">
+                <p16:designElem xmlns:p16="http://schemas.microsoft.com/office/powerpoint/2015/main" val="1"/>
+              </p:ext>
+            </p:extLst>
+          </p:nvPr>
+        </p:nvSpPr>
+        <p:spPr>
+          <a:xfrm rot="5400000" flipH="1">
+            <a:off x="-1410093" y="1399943"/>
+            <a:ext cx="6858003" cy="4037835"/>
+          </a:xfrm>
+          <a:prstGeom prst="rect">
+            <a:avLst/>
+          </a:prstGeom>
+          <a:gradFill>
+            <a:gsLst>
+              <a:gs pos="0">
+                <a:srgbClr val="000000">
+                  <a:alpha val="0"/>
+                </a:srgbClr>
+              </a:gs>
+              <a:gs pos="99000">
+                <a:schemeClr val="accent1">
+                  <a:lumMod val="60000"/>
+                  <a:lumOff val="40000"/>
+                  <a:alpha val="11000"/>
+                </a:schemeClr>
+              </a:gs>
+            </a:gsLst>
+            <a:lin ang="7200000" scaled="0"/>
+          </a:gradFill>
+          <a:ln>
+            <a:noFill/>
+          </a:ln>
+        </p:spPr>
+        <p:style>
+          <a:lnRef idx="2">
+            <a:schemeClr val="accent1">
+              <a:shade val="50000"/>
+            </a:schemeClr>
+          </a:lnRef>
+          <a:fillRef idx="1">
+            <a:schemeClr val="accent1"/>
+          </a:fillRef>
+          <a:effectRef idx="0">
+            <a:schemeClr val="accent1"/>
+          </a:effectRef>
+          <a:fontRef idx="minor">
+            <a:schemeClr val="lt1"/>
+          </a:fontRef>
+        </p:style>
+        <p:txBody>
+          <a:bodyPr rtlCol="0" anchor="ctr"/>
+          <a:lstStyle/>
+          <a:p>
+            <a:pPr algn="ctr"/>
+            <a:endParaRPr lang="en-US"/>
+          </a:p>
+        </p:txBody>
+      </p:sp>
+      <p:sp>
+        <p:nvSpPr>
+          <p:cNvPr id="2" name="Title 1">
+            <a:extLst>
+              <a:ext uri="{FF2B5EF4-FFF2-40B4-BE49-F238E27FC236}">
                 <a16:creationId xmlns:a16="http://schemas.microsoft.com/office/drawing/2014/main" id="{B9A96219-0B50-DC43-9836-FD021AF451C7}"/>
               </a:ext>
             </a:extLst>
@@ -13567,7 +19985,7 @@
         </p:spPr>
         <p:txBody>
           <a:bodyPr anchor="ctr">
-            <a:normAutofit fontScale="85000" lnSpcReduction="10000"/>
+            <a:normAutofit fontScale="77500" lnSpcReduction="20000"/>
           </a:bodyPr>
           <a:lstStyle/>
           <a:p>
@@ -13586,8 +20004,13 @@
             </a:r>
             <a:r>
               <a:rPr lang="en-US" sz="3200" dirty="0"/>
-              <a:t> for Negative Emotion Sentiment</a:t>
+              <a:t> for positive Emotion Sentiment (Apple)</a:t>
             </a:r>
+          </a:p>
+          <a:p>
+            <a:pPr marL="0" indent="0">
+              <a:buNone/>
+            </a:pPr>
             <a:br>
               <a:rPr lang="en-US" sz="3200" dirty="0"/>
             </a:br>
@@ -13597,10 +20020,10 @@
       </p:sp>
       <p:pic>
         <p:nvPicPr>
-          <p:cNvPr id="6146" name="Picture 2">
-            <a:extLst>
-              <a:ext uri="{FF2B5EF4-FFF2-40B4-BE49-F238E27FC236}">
-                <a16:creationId xmlns:a16="http://schemas.microsoft.com/office/drawing/2014/main" id="{96BC83E9-655D-4D48-CDCA-F1680E5DC909}"/>
+          <p:cNvPr id="2050" name="Picture 2">
+            <a:extLst>
+              <a:ext uri="{FF2B5EF4-FFF2-40B4-BE49-F238E27FC236}">
+                <a16:creationId xmlns:a16="http://schemas.microsoft.com/office/drawing/2014/main" id="{44DFAA19-5277-A5E9-51D6-6BD7EE701B7B}"/>
               </a:ext>
             </a:extLst>
           </p:cNvPr>
@@ -13624,8 +20047,8 @@
         </p:blipFill>
         <p:spPr bwMode="auto">
           <a:xfrm>
-            <a:off x="4524272" y="1803400"/>
-            <a:ext cx="7259790" cy="4591050"/>
+            <a:off x="4462408" y="2128300"/>
+            <a:ext cx="7183581" cy="4542856"/>
           </a:xfrm>
           <a:prstGeom prst="rect">
             <a:avLst/>
@@ -13645,7 +20068,7 @@
     </p:spTree>
     <p:extLst>
       <p:ext uri="{BB962C8B-B14F-4D97-AF65-F5344CB8AC3E}">
-        <p14:creationId xmlns:p14="http://schemas.microsoft.com/office/powerpoint/2010/main" val="2458356105"/>
+        <p14:creationId xmlns:p14="http://schemas.microsoft.com/office/powerpoint/2010/main" val="1556871693"/>
       </p:ext>
     </p:extLst>
   </p:cSld>
